--- a/Document/Presentation.pptx
+++ b/Document/Presentation.pptx
@@ -4,18 +4,24 @@
   <p:sldMasterIdLst>
     <p:sldMasterId id="2147483767" r:id="rId1"/>
   </p:sldMasterIdLst>
+  <p:notesMasterIdLst>
+    <p:notesMasterId r:id="rId16"/>
+  </p:notesMasterIdLst>
   <p:sldIdLst>
     <p:sldId id="261" r:id="rId2"/>
     <p:sldId id="265" r:id="rId3"/>
-    <p:sldId id="257" r:id="rId4"/>
-    <p:sldId id="268" r:id="rId5"/>
-    <p:sldId id="266" r:id="rId6"/>
-    <p:sldId id="259" r:id="rId7"/>
-    <p:sldId id="271" r:id="rId8"/>
-    <p:sldId id="264" r:id="rId9"/>
-    <p:sldId id="269" r:id="rId10"/>
-    <p:sldId id="263" r:id="rId11"/>
-    <p:sldId id="270" r:id="rId12"/>
+    <p:sldId id="268" r:id="rId4"/>
+    <p:sldId id="266" r:id="rId5"/>
+    <p:sldId id="271" r:id="rId6"/>
+    <p:sldId id="273" r:id="rId7"/>
+    <p:sldId id="275" r:id="rId8"/>
+    <p:sldId id="276" r:id="rId9"/>
+    <p:sldId id="272" r:id="rId10"/>
+    <p:sldId id="264" r:id="rId11"/>
+    <p:sldId id="269" r:id="rId12"/>
+    <p:sldId id="263" r:id="rId13"/>
+    <p:sldId id="270" r:id="rId14"/>
+    <p:sldId id="277" r:id="rId15"/>
   </p:sldIdLst>
   <p:sldSz cx="12192000" cy="6858000"/>
   <p:notesSz cx="6858000" cy="9144000"/>
@@ -122,6 +128,524 @@
 </p:presentation>
 </file>
 
+<file path=ppt/notesMasters/notesMaster1.xml><?xml version="1.0" encoding="utf-8"?>
+<p:notesMaster xmlns:a="http://schemas.openxmlformats.org/drawingml/2006/main" xmlns:r="http://schemas.openxmlformats.org/officeDocument/2006/relationships" xmlns:p="http://schemas.openxmlformats.org/presentationml/2006/main">
+  <p:cSld>
+    <p:bg>
+      <p:bgRef idx="1001">
+        <a:schemeClr val="bg1"/>
+      </p:bgRef>
+    </p:bg>
+    <p:spTree>
+      <p:nvGrpSpPr>
+        <p:cNvPr id="1" name=""/>
+        <p:cNvGrpSpPr/>
+        <p:nvPr/>
+      </p:nvGrpSpPr>
+      <p:grpSpPr>
+        <a:xfrm>
+          <a:off x="0" y="0"/>
+          <a:ext cx="0" cy="0"/>
+          <a:chOff x="0" y="0"/>
+          <a:chExt cx="0" cy="0"/>
+        </a:xfrm>
+      </p:grpSpPr>
+      <p:sp>
+        <p:nvSpPr>
+          <p:cNvPr id="2" name="Header Placeholder 1"/>
+          <p:cNvSpPr>
+            <a:spLocks noGrp="1"/>
+          </p:cNvSpPr>
+          <p:nvPr>
+            <p:ph type="hdr" sz="quarter"/>
+          </p:nvPr>
+        </p:nvSpPr>
+        <p:spPr>
+          <a:xfrm>
+            <a:off x="0" y="0"/>
+            <a:ext cx="2971800" cy="458788"/>
+          </a:xfrm>
+          <a:prstGeom prst="rect">
+            <a:avLst/>
+          </a:prstGeom>
+        </p:spPr>
+        <p:txBody>
+          <a:bodyPr vert="horz" lIns="91440" tIns="45720" rIns="91440" bIns="45720" rtlCol="0"/>
+          <a:lstStyle>
+            <a:lvl1pPr algn="l">
+              <a:defRPr sz="1200"/>
+            </a:lvl1pPr>
+          </a:lstStyle>
+          <a:p>
+            <a:endParaRPr lang="en-IO"/>
+          </a:p>
+        </p:txBody>
+      </p:sp>
+      <p:sp>
+        <p:nvSpPr>
+          <p:cNvPr id="3" name="Date Placeholder 2"/>
+          <p:cNvSpPr>
+            <a:spLocks noGrp="1"/>
+          </p:cNvSpPr>
+          <p:nvPr>
+            <p:ph type="dt" idx="1"/>
+          </p:nvPr>
+        </p:nvSpPr>
+        <p:spPr>
+          <a:xfrm>
+            <a:off x="3884613" y="0"/>
+            <a:ext cx="2971800" cy="458788"/>
+          </a:xfrm>
+          <a:prstGeom prst="rect">
+            <a:avLst/>
+          </a:prstGeom>
+        </p:spPr>
+        <p:txBody>
+          <a:bodyPr vert="horz" lIns="91440" tIns="45720" rIns="91440" bIns="45720" rtlCol="0"/>
+          <a:lstStyle>
+            <a:lvl1pPr algn="r">
+              <a:defRPr sz="1200"/>
+            </a:lvl1pPr>
+          </a:lstStyle>
+          <a:p>
+            <a:fld id="{FEEAD227-C85B-41D4-90A4-FA1C078347E0}" type="datetimeFigureOut">
+              <a:rPr lang="en-IO" smtClean="0"/>
+              <a:t>17/06/2024</a:t>
+            </a:fld>
+            <a:endParaRPr lang="en-IO"/>
+          </a:p>
+        </p:txBody>
+      </p:sp>
+      <p:sp>
+        <p:nvSpPr>
+          <p:cNvPr id="4" name="Slide Image Placeholder 3"/>
+          <p:cNvSpPr>
+            <a:spLocks noGrp="1" noRot="1" noChangeAspect="1"/>
+          </p:cNvSpPr>
+          <p:nvPr>
+            <p:ph type="sldImg" idx="2"/>
+          </p:nvPr>
+        </p:nvSpPr>
+        <p:spPr>
+          <a:xfrm>
+            <a:off x="685800" y="1143000"/>
+            <a:ext cx="5486400" cy="3086100"/>
+          </a:xfrm>
+          <a:prstGeom prst="rect">
+            <a:avLst/>
+          </a:prstGeom>
+          <a:noFill/>
+          <a:ln w="12700">
+            <a:solidFill>
+              <a:prstClr val="black"/>
+            </a:solidFill>
+          </a:ln>
+        </p:spPr>
+        <p:txBody>
+          <a:bodyPr vert="horz" lIns="91440" tIns="45720" rIns="91440" bIns="45720" rtlCol="0" anchor="ctr"/>
+          <a:lstStyle/>
+          <a:p>
+            <a:endParaRPr lang="en-IO"/>
+          </a:p>
+        </p:txBody>
+      </p:sp>
+      <p:sp>
+        <p:nvSpPr>
+          <p:cNvPr id="5" name="Notes Placeholder 4"/>
+          <p:cNvSpPr>
+            <a:spLocks noGrp="1"/>
+          </p:cNvSpPr>
+          <p:nvPr>
+            <p:ph type="body" sz="quarter" idx="3"/>
+          </p:nvPr>
+        </p:nvSpPr>
+        <p:spPr>
+          <a:xfrm>
+            <a:off x="685800" y="4400550"/>
+            <a:ext cx="5486400" cy="3600450"/>
+          </a:xfrm>
+          <a:prstGeom prst="rect">
+            <a:avLst/>
+          </a:prstGeom>
+        </p:spPr>
+        <p:txBody>
+          <a:bodyPr vert="horz" lIns="91440" tIns="45720" rIns="91440" bIns="45720" rtlCol="0"/>
+          <a:lstStyle/>
+          <a:p>
+            <a:pPr lvl="0"/>
+            <a:r>
+              <a:rPr lang="en-US"/>
+              <a:t>Click to edit Master text styles</a:t>
+            </a:r>
+          </a:p>
+          <a:p>
+            <a:pPr lvl="1"/>
+            <a:r>
+              <a:rPr lang="en-US"/>
+              <a:t>Second level</a:t>
+            </a:r>
+          </a:p>
+          <a:p>
+            <a:pPr lvl="2"/>
+            <a:r>
+              <a:rPr lang="en-US"/>
+              <a:t>Third level</a:t>
+            </a:r>
+          </a:p>
+          <a:p>
+            <a:pPr lvl="3"/>
+            <a:r>
+              <a:rPr lang="en-US"/>
+              <a:t>Fourth level</a:t>
+            </a:r>
+          </a:p>
+          <a:p>
+            <a:pPr lvl="4"/>
+            <a:r>
+              <a:rPr lang="en-US"/>
+              <a:t>Fifth level</a:t>
+            </a:r>
+            <a:endParaRPr lang="en-IO"/>
+          </a:p>
+        </p:txBody>
+      </p:sp>
+      <p:sp>
+        <p:nvSpPr>
+          <p:cNvPr id="6" name="Footer Placeholder 5"/>
+          <p:cNvSpPr>
+            <a:spLocks noGrp="1"/>
+          </p:cNvSpPr>
+          <p:nvPr>
+            <p:ph type="ftr" sz="quarter" idx="4"/>
+          </p:nvPr>
+        </p:nvSpPr>
+        <p:spPr>
+          <a:xfrm>
+            <a:off x="0" y="8685213"/>
+            <a:ext cx="2971800" cy="458787"/>
+          </a:xfrm>
+          <a:prstGeom prst="rect">
+            <a:avLst/>
+          </a:prstGeom>
+        </p:spPr>
+        <p:txBody>
+          <a:bodyPr vert="horz" lIns="91440" tIns="45720" rIns="91440" bIns="45720" rtlCol="0" anchor="b"/>
+          <a:lstStyle>
+            <a:lvl1pPr algn="l">
+              <a:defRPr sz="1200"/>
+            </a:lvl1pPr>
+          </a:lstStyle>
+          <a:p>
+            <a:endParaRPr lang="en-IO"/>
+          </a:p>
+        </p:txBody>
+      </p:sp>
+      <p:sp>
+        <p:nvSpPr>
+          <p:cNvPr id="7" name="Slide Number Placeholder 6"/>
+          <p:cNvSpPr>
+            <a:spLocks noGrp="1"/>
+          </p:cNvSpPr>
+          <p:nvPr>
+            <p:ph type="sldNum" sz="quarter" idx="5"/>
+          </p:nvPr>
+        </p:nvSpPr>
+        <p:spPr>
+          <a:xfrm>
+            <a:off x="3884613" y="8685213"/>
+            <a:ext cx="2971800" cy="458787"/>
+          </a:xfrm>
+          <a:prstGeom prst="rect">
+            <a:avLst/>
+          </a:prstGeom>
+        </p:spPr>
+        <p:txBody>
+          <a:bodyPr vert="horz" lIns="91440" tIns="45720" rIns="91440" bIns="45720" rtlCol="0" anchor="b"/>
+          <a:lstStyle>
+            <a:lvl1pPr algn="r">
+              <a:defRPr sz="1200"/>
+            </a:lvl1pPr>
+          </a:lstStyle>
+          <a:p>
+            <a:fld id="{EC892D04-D7A2-4F4E-8118-5412C836D30D}" type="slidenum">
+              <a:rPr lang="en-IO" smtClean="0"/>
+              <a:t>‹#›</a:t>
+            </a:fld>
+            <a:endParaRPr lang="en-IO"/>
+          </a:p>
+        </p:txBody>
+      </p:sp>
+    </p:spTree>
+    <p:extLst>
+      <p:ext uri="{BB962C8B-B14F-4D97-AF65-F5344CB8AC3E}">
+        <p14:creationId xmlns:p14="http://schemas.microsoft.com/office/powerpoint/2010/main" val="2359352915"/>
+      </p:ext>
+    </p:extLst>
+  </p:cSld>
+  <p:clrMap bg1="lt1" tx1="dk1" bg2="lt2" tx2="dk2" accent1="accent1" accent2="accent2" accent3="accent3" accent4="accent4" accent5="accent5" accent6="accent6" hlink="hlink" folHlink="folHlink"/>
+  <p:notesStyle>
+    <a:lvl1pPr marL="0" algn="l" defTabSz="914400" rtl="0" eaLnBrk="1" latinLnBrk="0" hangingPunct="1">
+      <a:defRPr sz="1200" kern="1200">
+        <a:solidFill>
+          <a:schemeClr val="tx1"/>
+        </a:solidFill>
+        <a:latin typeface="+mn-lt"/>
+        <a:ea typeface="+mn-ea"/>
+        <a:cs typeface="+mn-cs"/>
+      </a:defRPr>
+    </a:lvl1pPr>
+    <a:lvl2pPr marL="457200" algn="l" defTabSz="914400" rtl="0" eaLnBrk="1" latinLnBrk="0" hangingPunct="1">
+      <a:defRPr sz="1200" kern="1200">
+        <a:solidFill>
+          <a:schemeClr val="tx1"/>
+        </a:solidFill>
+        <a:latin typeface="+mn-lt"/>
+        <a:ea typeface="+mn-ea"/>
+        <a:cs typeface="+mn-cs"/>
+      </a:defRPr>
+    </a:lvl2pPr>
+    <a:lvl3pPr marL="914400" algn="l" defTabSz="914400" rtl="0" eaLnBrk="1" latinLnBrk="0" hangingPunct="1">
+      <a:defRPr sz="1200" kern="1200">
+        <a:solidFill>
+          <a:schemeClr val="tx1"/>
+        </a:solidFill>
+        <a:latin typeface="+mn-lt"/>
+        <a:ea typeface="+mn-ea"/>
+        <a:cs typeface="+mn-cs"/>
+      </a:defRPr>
+    </a:lvl3pPr>
+    <a:lvl4pPr marL="1371600" algn="l" defTabSz="914400" rtl="0" eaLnBrk="1" latinLnBrk="0" hangingPunct="1">
+      <a:defRPr sz="1200" kern="1200">
+        <a:solidFill>
+          <a:schemeClr val="tx1"/>
+        </a:solidFill>
+        <a:latin typeface="+mn-lt"/>
+        <a:ea typeface="+mn-ea"/>
+        <a:cs typeface="+mn-cs"/>
+      </a:defRPr>
+    </a:lvl4pPr>
+    <a:lvl5pPr marL="1828800" algn="l" defTabSz="914400" rtl="0" eaLnBrk="1" latinLnBrk="0" hangingPunct="1">
+      <a:defRPr sz="1200" kern="1200">
+        <a:solidFill>
+          <a:schemeClr val="tx1"/>
+        </a:solidFill>
+        <a:latin typeface="+mn-lt"/>
+        <a:ea typeface="+mn-ea"/>
+        <a:cs typeface="+mn-cs"/>
+      </a:defRPr>
+    </a:lvl5pPr>
+    <a:lvl6pPr marL="2286000" algn="l" defTabSz="914400" rtl="0" eaLnBrk="1" latinLnBrk="0" hangingPunct="1">
+      <a:defRPr sz="1200" kern="1200">
+        <a:solidFill>
+          <a:schemeClr val="tx1"/>
+        </a:solidFill>
+        <a:latin typeface="+mn-lt"/>
+        <a:ea typeface="+mn-ea"/>
+        <a:cs typeface="+mn-cs"/>
+      </a:defRPr>
+    </a:lvl6pPr>
+    <a:lvl7pPr marL="2743200" algn="l" defTabSz="914400" rtl="0" eaLnBrk="1" latinLnBrk="0" hangingPunct="1">
+      <a:defRPr sz="1200" kern="1200">
+        <a:solidFill>
+          <a:schemeClr val="tx1"/>
+        </a:solidFill>
+        <a:latin typeface="+mn-lt"/>
+        <a:ea typeface="+mn-ea"/>
+        <a:cs typeface="+mn-cs"/>
+      </a:defRPr>
+    </a:lvl7pPr>
+    <a:lvl8pPr marL="3200400" algn="l" defTabSz="914400" rtl="0" eaLnBrk="1" latinLnBrk="0" hangingPunct="1">
+      <a:defRPr sz="1200" kern="1200">
+        <a:solidFill>
+          <a:schemeClr val="tx1"/>
+        </a:solidFill>
+        <a:latin typeface="+mn-lt"/>
+        <a:ea typeface="+mn-ea"/>
+        <a:cs typeface="+mn-cs"/>
+      </a:defRPr>
+    </a:lvl8pPr>
+    <a:lvl9pPr marL="3657600" algn="l" defTabSz="914400" rtl="0" eaLnBrk="1" latinLnBrk="0" hangingPunct="1">
+      <a:defRPr sz="1200" kern="1200">
+        <a:solidFill>
+          <a:schemeClr val="tx1"/>
+        </a:solidFill>
+        <a:latin typeface="+mn-lt"/>
+        <a:ea typeface="+mn-ea"/>
+        <a:cs typeface="+mn-cs"/>
+      </a:defRPr>
+    </a:lvl9pPr>
+  </p:notesStyle>
+</p:notesMaster>
+</file>
+
+<file path=ppt/notesSlides/notesSlide1.xml><?xml version="1.0" encoding="utf-8"?>
+<p:notes xmlns:a="http://schemas.openxmlformats.org/drawingml/2006/main" xmlns:r="http://schemas.openxmlformats.org/officeDocument/2006/relationships" xmlns:p="http://schemas.openxmlformats.org/presentationml/2006/main">
+  <p:cSld>
+    <p:spTree>
+      <p:nvGrpSpPr>
+        <p:cNvPr id="1" name=""/>
+        <p:cNvGrpSpPr/>
+        <p:nvPr/>
+      </p:nvGrpSpPr>
+      <p:grpSpPr>
+        <a:xfrm>
+          <a:off x="0" y="0"/>
+          <a:ext cx="0" cy="0"/>
+          <a:chOff x="0" y="0"/>
+          <a:chExt cx="0" cy="0"/>
+        </a:xfrm>
+      </p:grpSpPr>
+      <p:sp>
+        <p:nvSpPr>
+          <p:cNvPr id="2" name="Slide Image Placeholder 1"/>
+          <p:cNvSpPr>
+            <a:spLocks noGrp="1" noRot="1" noChangeAspect="1"/>
+          </p:cNvSpPr>
+          <p:nvPr>
+            <p:ph type="sldImg"/>
+          </p:nvPr>
+        </p:nvSpPr>
+        <p:spPr/>
+      </p:sp>
+      <p:sp>
+        <p:nvSpPr>
+          <p:cNvPr id="3" name="Notes Placeholder 2"/>
+          <p:cNvSpPr>
+            <a:spLocks noGrp="1"/>
+          </p:cNvSpPr>
+          <p:nvPr>
+            <p:ph type="body" idx="1"/>
+          </p:nvPr>
+        </p:nvSpPr>
+        <p:spPr/>
+        <p:txBody>
+          <a:bodyPr/>
+          <a:lstStyle/>
+          <a:p>
+            <a:endParaRPr lang="en-IO" dirty="0"/>
+          </a:p>
+        </p:txBody>
+      </p:sp>
+      <p:sp>
+        <p:nvSpPr>
+          <p:cNvPr id="4" name="Slide Number Placeholder 3"/>
+          <p:cNvSpPr>
+            <a:spLocks noGrp="1"/>
+          </p:cNvSpPr>
+          <p:nvPr>
+            <p:ph type="sldNum" sz="quarter" idx="5"/>
+          </p:nvPr>
+        </p:nvSpPr>
+        <p:spPr/>
+        <p:txBody>
+          <a:bodyPr/>
+          <a:lstStyle/>
+          <a:p>
+            <a:fld id="{EC892D04-D7A2-4F4E-8118-5412C836D30D}" type="slidenum">
+              <a:rPr lang="en-IO" smtClean="0"/>
+              <a:t>9</a:t>
+            </a:fld>
+            <a:endParaRPr lang="en-IO"/>
+          </a:p>
+        </p:txBody>
+      </p:sp>
+    </p:spTree>
+    <p:extLst>
+      <p:ext uri="{BB962C8B-B14F-4D97-AF65-F5344CB8AC3E}">
+        <p14:creationId xmlns:p14="http://schemas.microsoft.com/office/powerpoint/2010/main" val="2353297084"/>
+      </p:ext>
+    </p:extLst>
+  </p:cSld>
+  <p:clrMapOvr>
+    <a:masterClrMapping/>
+  </p:clrMapOvr>
+</p:notes>
+</file>
+
+<file path=ppt/notesSlides/notesSlide2.xml><?xml version="1.0" encoding="utf-8"?>
+<p:notes xmlns:a="http://schemas.openxmlformats.org/drawingml/2006/main" xmlns:r="http://schemas.openxmlformats.org/officeDocument/2006/relationships" xmlns:p="http://schemas.openxmlformats.org/presentationml/2006/main">
+  <p:cSld>
+    <p:spTree>
+      <p:nvGrpSpPr>
+        <p:cNvPr id="1" name=""/>
+        <p:cNvGrpSpPr/>
+        <p:nvPr/>
+      </p:nvGrpSpPr>
+      <p:grpSpPr>
+        <a:xfrm>
+          <a:off x="0" y="0"/>
+          <a:ext cx="0" cy="0"/>
+          <a:chOff x="0" y="0"/>
+          <a:chExt cx="0" cy="0"/>
+        </a:xfrm>
+      </p:grpSpPr>
+      <p:sp>
+        <p:nvSpPr>
+          <p:cNvPr id="2" name="Slide Image Placeholder 1"/>
+          <p:cNvSpPr>
+            <a:spLocks noGrp="1" noRot="1" noChangeAspect="1"/>
+          </p:cNvSpPr>
+          <p:nvPr>
+            <p:ph type="sldImg"/>
+          </p:nvPr>
+        </p:nvSpPr>
+        <p:spPr/>
+      </p:sp>
+      <p:sp>
+        <p:nvSpPr>
+          <p:cNvPr id="3" name="Notes Placeholder 2"/>
+          <p:cNvSpPr>
+            <a:spLocks noGrp="1"/>
+          </p:cNvSpPr>
+          <p:nvPr>
+            <p:ph type="body" idx="1"/>
+          </p:nvPr>
+        </p:nvSpPr>
+        <p:spPr/>
+        <p:txBody>
+          <a:bodyPr/>
+          <a:lstStyle/>
+          <a:p>
+            <a:endParaRPr lang="en-IO" dirty="0"/>
+          </a:p>
+        </p:txBody>
+      </p:sp>
+      <p:sp>
+        <p:nvSpPr>
+          <p:cNvPr id="4" name="Slide Number Placeholder 3"/>
+          <p:cNvSpPr>
+            <a:spLocks noGrp="1"/>
+          </p:cNvSpPr>
+          <p:nvPr>
+            <p:ph type="sldNum" sz="quarter" idx="5"/>
+          </p:nvPr>
+        </p:nvSpPr>
+        <p:spPr/>
+        <p:txBody>
+          <a:bodyPr/>
+          <a:lstStyle/>
+          <a:p>
+            <a:fld id="{EC892D04-D7A2-4F4E-8118-5412C836D30D}" type="slidenum">
+              <a:rPr lang="en-IO" smtClean="0"/>
+              <a:t>14</a:t>
+            </a:fld>
+            <a:endParaRPr lang="en-IO"/>
+          </a:p>
+        </p:txBody>
+      </p:sp>
+    </p:spTree>
+    <p:extLst>
+      <p:ext uri="{BB962C8B-B14F-4D97-AF65-F5344CB8AC3E}">
+        <p14:creationId xmlns:p14="http://schemas.microsoft.com/office/powerpoint/2010/main" val="572100804"/>
+      </p:ext>
+    </p:extLst>
+  </p:cSld>
+  <p:clrMapOvr>
+    <a:masterClrMapping/>
+  </p:clrMapOvr>
+</p:notes>
+</file>
+
 <file path=ppt/slideLayouts/slideLayout1.xml><?xml version="1.0" encoding="utf-8"?>
 <p:sldLayout xmlns:a="http://schemas.openxmlformats.org/drawingml/2006/main" xmlns:r="http://schemas.openxmlformats.org/officeDocument/2006/relationships" xmlns:p="http://schemas.openxmlformats.org/presentationml/2006/main" type="title" preserve="1">
   <p:cSld name="Title Slide">
@@ -271,7 +795,7 @@
           <a:p>
             <a:fld id="{2F803112-7CED-4880-91B4-05FA2286646C}" type="datetimeFigureOut">
               <a:rPr lang="en-IO" smtClean="0"/>
-              <a:t>16/06/2024</a:t>
+              <a:t>17/06/2024</a:t>
             </a:fld>
             <a:endParaRPr lang="en-IO"/>
           </a:p>
@@ -471,7 +995,7 @@
           <a:p>
             <a:fld id="{2F803112-7CED-4880-91B4-05FA2286646C}" type="datetimeFigureOut">
               <a:rPr lang="en-IO" smtClean="0"/>
-              <a:t>16/06/2024</a:t>
+              <a:t>17/06/2024</a:t>
             </a:fld>
             <a:endParaRPr lang="en-IO"/>
           </a:p>
@@ -681,7 +1205,7 @@
           <a:p>
             <a:fld id="{2F803112-7CED-4880-91B4-05FA2286646C}" type="datetimeFigureOut">
               <a:rPr lang="en-IO" smtClean="0"/>
-              <a:t>16/06/2024</a:t>
+              <a:t>17/06/2024</a:t>
             </a:fld>
             <a:endParaRPr lang="en-IO"/>
           </a:p>
@@ -881,7 +1405,7 @@
           <a:p>
             <a:fld id="{2F803112-7CED-4880-91B4-05FA2286646C}" type="datetimeFigureOut">
               <a:rPr lang="en-IO" smtClean="0"/>
-              <a:t>16/06/2024</a:t>
+              <a:t>17/06/2024</a:t>
             </a:fld>
             <a:endParaRPr lang="en-IO"/>
           </a:p>
@@ -1157,7 +1681,7 @@
           <a:p>
             <a:fld id="{2F803112-7CED-4880-91B4-05FA2286646C}" type="datetimeFigureOut">
               <a:rPr lang="en-IO" smtClean="0"/>
-              <a:t>16/06/2024</a:t>
+              <a:t>17/06/2024</a:t>
             </a:fld>
             <a:endParaRPr lang="en-IO"/>
           </a:p>
@@ -1425,7 +1949,7 @@
           <a:p>
             <a:fld id="{2F803112-7CED-4880-91B4-05FA2286646C}" type="datetimeFigureOut">
               <a:rPr lang="en-IO" smtClean="0"/>
-              <a:t>16/06/2024</a:t>
+              <a:t>17/06/2024</a:t>
             </a:fld>
             <a:endParaRPr lang="en-IO"/>
           </a:p>
@@ -1840,7 +2364,7 @@
           <a:p>
             <a:fld id="{2F803112-7CED-4880-91B4-05FA2286646C}" type="datetimeFigureOut">
               <a:rPr lang="en-IO" smtClean="0"/>
-              <a:t>16/06/2024</a:t>
+              <a:t>17/06/2024</a:t>
             </a:fld>
             <a:endParaRPr lang="en-IO"/>
           </a:p>
@@ -1982,7 +2506,7 @@
           <a:p>
             <a:fld id="{2F803112-7CED-4880-91B4-05FA2286646C}" type="datetimeFigureOut">
               <a:rPr lang="en-IO" smtClean="0"/>
-              <a:t>16/06/2024</a:t>
+              <a:t>17/06/2024</a:t>
             </a:fld>
             <a:endParaRPr lang="en-IO"/>
           </a:p>
@@ -2095,7 +2619,7 @@
           <a:p>
             <a:fld id="{2F803112-7CED-4880-91B4-05FA2286646C}" type="datetimeFigureOut">
               <a:rPr lang="en-IO" smtClean="0"/>
-              <a:t>16/06/2024</a:t>
+              <a:t>17/06/2024</a:t>
             </a:fld>
             <a:endParaRPr lang="en-IO"/>
           </a:p>
@@ -2408,7 +2932,7 @@
           <a:p>
             <a:fld id="{2F803112-7CED-4880-91B4-05FA2286646C}" type="datetimeFigureOut">
               <a:rPr lang="en-IO" smtClean="0"/>
-              <a:t>16/06/2024</a:t>
+              <a:t>17/06/2024</a:t>
             </a:fld>
             <a:endParaRPr lang="en-IO"/>
           </a:p>
@@ -2697,7 +3221,7 @@
           <a:p>
             <a:fld id="{2F803112-7CED-4880-91B4-05FA2286646C}" type="datetimeFigureOut">
               <a:rPr lang="en-IO" smtClean="0"/>
-              <a:t>16/06/2024</a:t>
+              <a:t>17/06/2024</a:t>
             </a:fld>
             <a:endParaRPr lang="en-IO"/>
           </a:p>
@@ -2940,7 +3464,7 @@
           <a:p>
             <a:fld id="{2F803112-7CED-4880-91B4-05FA2286646C}" type="datetimeFigureOut">
               <a:rPr lang="en-IO" smtClean="0"/>
-              <a:t>16/06/2024</a:t>
+              <a:t>17/06/2024</a:t>
             </a:fld>
             <a:endParaRPr lang="en-IO"/>
           </a:p>
@@ -3885,6 +4409,887 @@
       </p:grpSpPr>
       <p:sp useBgFill="1">
         <p:nvSpPr>
+          <p:cNvPr id="55" name="Rectangle 54">
+            <a:extLst>
+              <a:ext uri="{FF2B5EF4-FFF2-40B4-BE49-F238E27FC236}">
+                <a16:creationId xmlns:a16="http://schemas.microsoft.com/office/drawing/2014/main" id="{4DA718D0-4865-4629-8134-44F68D41D574}"/>
+              </a:ext>
+              <a:ext uri="{C183D7F6-B498-43B3-948B-1728B52AA6E4}">
+                <adec:decorative xmlns:adec="http://schemas.microsoft.com/office/drawing/2017/decorative" val="1"/>
+              </a:ext>
+            </a:extLst>
+          </p:cNvPr>
+          <p:cNvSpPr>
+            <a:spLocks noGrp="1" noRot="1" noChangeAspect="1" noMove="1" noResize="1" noEditPoints="1" noAdjustHandles="1" noChangeArrowheads="1" noChangeShapeType="1" noTextEdit="1"/>
+          </p:cNvSpPr>
+          <p:nvPr>
+            <p:extLst>
+              <p:ext uri="{386F3935-93C4-4BCD-93E2-E3B085C9AB24}">
+                <p16:designElem xmlns:p16="http://schemas.microsoft.com/office/powerpoint/2015/main" val="1"/>
+              </p:ext>
+            </p:extLst>
+          </p:nvPr>
+        </p:nvSpPr>
+        <p:spPr>
+          <a:xfrm>
+            <a:off x="0" y="0"/>
+            <a:ext cx="12191999" cy="6857365"/>
+          </a:xfrm>
+          <a:prstGeom prst="rect">
+            <a:avLst/>
+          </a:prstGeom>
+          <a:ln>
+            <a:noFill/>
+          </a:ln>
+        </p:spPr>
+        <p:style>
+          <a:lnRef idx="2">
+            <a:schemeClr val="accent1">
+              <a:shade val="50000"/>
+            </a:schemeClr>
+          </a:lnRef>
+          <a:fillRef idx="1">
+            <a:schemeClr val="accent1"/>
+          </a:fillRef>
+          <a:effectRef idx="0">
+            <a:schemeClr val="accent1"/>
+          </a:effectRef>
+          <a:fontRef idx="minor">
+            <a:schemeClr val="lt1"/>
+          </a:fontRef>
+        </p:style>
+        <p:txBody>
+          <a:bodyPr rtlCol="0" anchor="ctr"/>
+          <a:lstStyle/>
+          <a:p>
+            <a:pPr algn="ctr"/>
+            <a:endParaRPr lang="en-US"/>
+          </a:p>
+        </p:txBody>
+      </p:sp>
+      <p:grpSp>
+        <p:nvGrpSpPr>
+          <p:cNvPr id="57" name="Group 56">
+            <a:extLst>
+              <a:ext uri="{FF2B5EF4-FFF2-40B4-BE49-F238E27FC236}">
+                <a16:creationId xmlns:a16="http://schemas.microsoft.com/office/drawing/2014/main" id="{65167ED7-6315-43AB-B1B6-C326D5FD8F84}"/>
+              </a:ext>
+              <a:ext uri="{C183D7F6-B498-43B3-948B-1728B52AA6E4}">
+                <adec:decorative xmlns:adec="http://schemas.microsoft.com/office/drawing/2017/decorative" val="1"/>
+              </a:ext>
+            </a:extLst>
+          </p:cNvPr>
+          <p:cNvGrpSpPr>
+            <a:grpSpLocks noGrp="1" noUngrp="1" noRot="1" noChangeAspect="1" noMove="1" noResize="1"/>
+          </p:cNvGrpSpPr>
+          <p:nvPr>
+            <p:extLst>
+              <p:ext uri="{386F3935-93C4-4BCD-93E2-E3B085C9AB24}">
+                <p16:designElem xmlns:p16="http://schemas.microsoft.com/office/powerpoint/2015/main" val="1"/>
+              </p:ext>
+            </p:extLst>
+          </p:nvPr>
+        </p:nvGrpSpPr>
+        <p:grpSpPr>
+          <a:xfrm rot="5400000">
+            <a:off x="-2340441" y="2666183"/>
+            <a:ext cx="5860051" cy="527712"/>
+            <a:chOff x="6081624" y="1998368"/>
+            <a:chExt cx="5613457" cy="782175"/>
+          </a:xfrm>
+          <a:solidFill>
+            <a:schemeClr val="accent4"/>
+          </a:solidFill>
+        </p:grpSpPr>
+        <p:sp>
+          <p:nvSpPr>
+            <p:cNvPr id="58" name="Rectangle 57">
+              <a:extLst>
+                <a:ext uri="{FF2B5EF4-FFF2-40B4-BE49-F238E27FC236}">
+                  <a16:creationId xmlns:a16="http://schemas.microsoft.com/office/drawing/2014/main" id="{EF4D8839-FB03-487D-ACC8-8BFEDD4FEBAE}"/>
+                </a:ext>
+                <a:ext uri="{C183D7F6-B498-43B3-948B-1728B52AA6E4}">
+                  <adec:decorative xmlns:adec="http://schemas.microsoft.com/office/drawing/2017/decorative" val="1"/>
+                </a:ext>
+              </a:extLst>
+            </p:cNvPr>
+            <p:cNvSpPr/>
+            <p:nvPr>
+              <p:extLst>
+                <p:ext uri="{386F3935-93C4-4BCD-93E2-E3B085C9AB24}">
+                  <p16:designElem xmlns:p16="http://schemas.microsoft.com/office/powerpoint/2015/main" val="1"/>
+                </p:ext>
+              </p:extLst>
+            </p:nvPr>
+          </p:nvSpPr>
+          <p:spPr>
+            <a:xfrm rot="5400000">
+              <a:off x="11228040" y="2313027"/>
+              <a:ext cx="781700" cy="152382"/>
+            </a:xfrm>
+            <a:prstGeom prst="rect">
+              <a:avLst/>
+            </a:prstGeom>
+            <a:grpFill/>
+            <a:ln>
+              <a:noFill/>
+            </a:ln>
+          </p:spPr>
+          <p:style>
+            <a:lnRef idx="2">
+              <a:schemeClr val="accent1">
+                <a:shade val="50000"/>
+              </a:schemeClr>
+            </a:lnRef>
+            <a:fillRef idx="1">
+              <a:schemeClr val="accent1"/>
+            </a:fillRef>
+            <a:effectRef idx="0">
+              <a:schemeClr val="accent1"/>
+            </a:effectRef>
+            <a:fontRef idx="minor">
+              <a:schemeClr val="lt1"/>
+            </a:fontRef>
+          </p:style>
+          <p:txBody>
+            <a:bodyPr rtlCol="0" anchor="ctr"/>
+            <a:lstStyle/>
+            <a:p>
+              <a:pPr algn="ctr"/>
+              <a:endParaRPr lang="en-US"/>
+            </a:p>
+          </p:txBody>
+        </p:sp>
+        <p:sp>
+          <p:nvSpPr>
+            <p:cNvPr id="59" name="Rectangle 58">
+              <a:extLst>
+                <a:ext uri="{FF2B5EF4-FFF2-40B4-BE49-F238E27FC236}">
+                  <a16:creationId xmlns:a16="http://schemas.microsoft.com/office/drawing/2014/main" id="{0EF75023-9A3B-42FC-B704-61A8F7BEF415}"/>
+                </a:ext>
+                <a:ext uri="{C183D7F6-B498-43B3-948B-1728B52AA6E4}">
+                  <adec:decorative xmlns:adec="http://schemas.microsoft.com/office/drawing/2017/decorative" val="1"/>
+                </a:ext>
+              </a:extLst>
+            </p:cNvPr>
+            <p:cNvSpPr/>
+            <p:nvPr>
+              <p:extLst>
+                <p:ext uri="{386F3935-93C4-4BCD-93E2-E3B085C9AB24}">
+                  <p16:designElem xmlns:p16="http://schemas.microsoft.com/office/powerpoint/2015/main" val="1"/>
+                </p:ext>
+              </p:extLst>
+            </p:nvPr>
+          </p:nvSpPr>
+          <p:spPr>
+            <a:xfrm flipH="1" flipV="1">
+              <a:off x="6081624" y="1998844"/>
+              <a:ext cx="5372968" cy="781699"/>
+            </a:xfrm>
+            <a:prstGeom prst="rect">
+              <a:avLst/>
+            </a:prstGeom>
+            <a:grpFill/>
+            <a:ln>
+              <a:noFill/>
+            </a:ln>
+          </p:spPr>
+          <p:style>
+            <a:lnRef idx="2">
+              <a:schemeClr val="accent1">
+                <a:shade val="50000"/>
+              </a:schemeClr>
+            </a:lnRef>
+            <a:fillRef idx="1">
+              <a:schemeClr val="accent1"/>
+            </a:fillRef>
+            <a:effectRef idx="0">
+              <a:schemeClr val="accent1"/>
+            </a:effectRef>
+            <a:fontRef idx="minor">
+              <a:schemeClr val="lt1"/>
+            </a:fontRef>
+          </p:style>
+          <p:txBody>
+            <a:bodyPr rtlCol="0" anchor="ctr"/>
+            <a:lstStyle/>
+            <a:p>
+              <a:pPr algn="ctr"/>
+              <a:endParaRPr lang="en-US"/>
+            </a:p>
+          </p:txBody>
+        </p:sp>
+      </p:grpSp>
+      <p:sp>
+        <p:nvSpPr>
+          <p:cNvPr id="61" name="Rectangle 60">
+            <a:extLst>
+              <a:ext uri="{FF2B5EF4-FFF2-40B4-BE49-F238E27FC236}">
+                <a16:creationId xmlns:a16="http://schemas.microsoft.com/office/drawing/2014/main" id="{CBC4F608-B4B8-48C3-9572-C0F061B1CD99}"/>
+              </a:ext>
+              <a:ext uri="{C183D7F6-B498-43B3-948B-1728B52AA6E4}">
+                <adec:decorative xmlns:adec="http://schemas.microsoft.com/office/drawing/2017/decorative" val="1"/>
+              </a:ext>
+            </a:extLst>
+          </p:cNvPr>
+          <p:cNvSpPr>
+            <a:spLocks noGrp="1" noRot="1" noChangeAspect="1" noMove="1" noResize="1" noEditPoints="1" noAdjustHandles="1" noChangeArrowheads="1" noChangeShapeType="1" noTextEdit="1"/>
+          </p:cNvSpPr>
+          <p:nvPr>
+            <p:extLst>
+              <p:ext uri="{386F3935-93C4-4BCD-93E2-E3B085C9AB24}">
+                <p16:designElem xmlns:p16="http://schemas.microsoft.com/office/powerpoint/2015/main" val="1"/>
+              </p:ext>
+            </p:extLst>
+          </p:nvPr>
+        </p:nvSpPr>
+        <p:spPr>
+          <a:xfrm>
+            <a:off x="579528" y="922919"/>
+            <a:ext cx="11111729" cy="5461252"/>
+          </a:xfrm>
+          <a:prstGeom prst="rect">
+            <a:avLst/>
+          </a:prstGeom>
+          <a:solidFill>
+            <a:schemeClr val="bg1"/>
+          </a:solidFill>
+          <a:ln>
+            <a:noFill/>
+          </a:ln>
+          <a:effectLst>
+            <a:outerShdw blurRad="139700" dist="127000" dir="5400000" algn="t" rotWithShape="0">
+              <a:prstClr val="black">
+                <a:alpha val="15000"/>
+              </a:prstClr>
+            </a:outerShdw>
+          </a:effectLst>
+        </p:spPr>
+        <p:style>
+          <a:lnRef idx="2">
+            <a:schemeClr val="accent1">
+              <a:shade val="50000"/>
+            </a:schemeClr>
+          </a:lnRef>
+          <a:fillRef idx="1">
+            <a:schemeClr val="accent1"/>
+          </a:fillRef>
+          <a:effectRef idx="0">
+            <a:schemeClr val="accent1"/>
+          </a:effectRef>
+          <a:fontRef idx="minor">
+            <a:schemeClr val="lt1"/>
+          </a:fontRef>
+        </p:style>
+        <p:txBody>
+          <a:bodyPr rtlCol="0" anchor="ctr"/>
+          <a:lstStyle/>
+          <a:p>
+            <a:pPr algn="ctr"/>
+            <a:endParaRPr lang="en-US"/>
+          </a:p>
+        </p:txBody>
+      </p:sp>
+      <p:sp>
+        <p:nvSpPr>
+          <p:cNvPr id="11" name="Title 10">
+            <a:extLst>
+              <a:ext uri="{FF2B5EF4-FFF2-40B4-BE49-F238E27FC236}">
+                <a16:creationId xmlns:a16="http://schemas.microsoft.com/office/drawing/2014/main" id="{671313CD-A1CF-1694-273E-5DFE2FD45511}"/>
+              </a:ext>
+            </a:extLst>
+          </p:cNvPr>
+          <p:cNvSpPr>
+            <a:spLocks noGrp="1"/>
+          </p:cNvSpPr>
+          <p:nvPr>
+            <p:ph type="title"/>
+          </p:nvPr>
+        </p:nvSpPr>
+        <p:spPr>
+          <a:xfrm>
+            <a:off x="1282963" y="1238080"/>
+            <a:ext cx="9849751" cy="1349671"/>
+          </a:xfrm>
+        </p:spPr>
+        <p:txBody>
+          <a:bodyPr anchor="b">
+            <a:normAutofit/>
+          </a:bodyPr>
+          <a:lstStyle/>
+          <a:p>
+            <a:endParaRPr lang="en-IO" sz="5400" dirty="0"/>
+          </a:p>
+        </p:txBody>
+      </p:sp>
+      <p:sp>
+        <p:nvSpPr>
+          <p:cNvPr id="12" name="Content Placeholder 11">
+            <a:extLst>
+              <a:ext uri="{FF2B5EF4-FFF2-40B4-BE49-F238E27FC236}">
+                <a16:creationId xmlns:a16="http://schemas.microsoft.com/office/drawing/2014/main" id="{0287A451-0F2F-AEC7-81F4-2B44ACDF319D}"/>
+              </a:ext>
+            </a:extLst>
+          </p:cNvPr>
+          <p:cNvSpPr>
+            <a:spLocks noGrp="1"/>
+          </p:cNvSpPr>
+          <p:nvPr>
+            <p:ph idx="1"/>
+          </p:nvPr>
+        </p:nvSpPr>
+        <p:spPr>
+          <a:xfrm>
+            <a:off x="1289304" y="2902913"/>
+            <a:ext cx="9849751" cy="3032168"/>
+          </a:xfrm>
+        </p:spPr>
+        <p:txBody>
+          <a:bodyPr anchor="ctr">
+            <a:normAutofit/>
+          </a:bodyPr>
+          <a:lstStyle/>
+          <a:p>
+            <a:endParaRPr lang="en-IO" sz="2000" dirty="0"/>
+          </a:p>
+        </p:txBody>
+      </p:sp>
+    </p:spTree>
+    <p:extLst>
+      <p:ext uri="{BB962C8B-B14F-4D97-AF65-F5344CB8AC3E}">
+        <p14:creationId xmlns:p14="http://schemas.microsoft.com/office/powerpoint/2010/main" val="1246143453"/>
+      </p:ext>
+    </p:extLst>
+  </p:cSld>
+  <p:clrMapOvr>
+    <a:masterClrMapping/>
+  </p:clrMapOvr>
+</p:sld>
+</file>
+
+<file path=ppt/slides/slide11.xml><?xml version="1.0" encoding="utf-8"?>
+<p:sld xmlns:a="http://schemas.openxmlformats.org/drawingml/2006/main" xmlns:r="http://schemas.openxmlformats.org/officeDocument/2006/relationships" xmlns:p="http://schemas.openxmlformats.org/presentationml/2006/main">
+  <p:cSld>
+    <p:bg>
+      <p:bgPr>
+        <a:solidFill>
+          <a:schemeClr val="bg1"/>
+        </a:solidFill>
+        <a:effectLst/>
+      </p:bgPr>
+    </p:bg>
+    <p:spTree>
+      <p:nvGrpSpPr>
+        <p:cNvPr id="1" name=""/>
+        <p:cNvGrpSpPr/>
+        <p:nvPr/>
+      </p:nvGrpSpPr>
+      <p:grpSpPr>
+        <a:xfrm>
+          <a:off x="0" y="0"/>
+          <a:ext cx="0" cy="0"/>
+          <a:chOff x="0" y="0"/>
+          <a:chExt cx="0" cy="0"/>
+        </a:xfrm>
+      </p:grpSpPr>
+      <p:sp useBgFill="1">
+        <p:nvSpPr>
+          <p:cNvPr id="36" name="Rectangle 35">
+            <a:extLst>
+              <a:ext uri="{FF2B5EF4-FFF2-40B4-BE49-F238E27FC236}">
+                <a16:creationId xmlns:a16="http://schemas.microsoft.com/office/drawing/2014/main" id="{B6CDA21F-E7AF-4C75-8395-33F58D5B0E45}"/>
+              </a:ext>
+              <a:ext uri="{C183D7F6-B498-43B3-948B-1728B52AA6E4}">
+                <adec:decorative xmlns:adec="http://schemas.microsoft.com/office/drawing/2017/decorative" val="1"/>
+              </a:ext>
+            </a:extLst>
+          </p:cNvPr>
+          <p:cNvSpPr>
+            <a:spLocks noGrp="1" noRot="1" noChangeAspect="1" noMove="1" noResize="1" noEditPoints="1" noAdjustHandles="1" noChangeArrowheads="1" noChangeShapeType="1" noTextEdit="1"/>
+          </p:cNvSpPr>
+          <p:nvPr>
+            <p:extLst>
+              <p:ext uri="{386F3935-93C4-4BCD-93E2-E3B085C9AB24}">
+                <p16:designElem xmlns:p16="http://schemas.microsoft.com/office/powerpoint/2015/main" val="1"/>
+              </p:ext>
+            </p:extLst>
+          </p:nvPr>
+        </p:nvSpPr>
+        <p:spPr>
+          <a:xfrm>
+            <a:off x="0" y="0"/>
+            <a:ext cx="12191999" cy="6857365"/>
+          </a:xfrm>
+          <a:prstGeom prst="rect">
+            <a:avLst/>
+          </a:prstGeom>
+          <a:ln>
+            <a:noFill/>
+          </a:ln>
+        </p:spPr>
+        <p:style>
+          <a:lnRef idx="2">
+            <a:schemeClr val="accent1">
+              <a:shade val="50000"/>
+            </a:schemeClr>
+          </a:lnRef>
+          <a:fillRef idx="1">
+            <a:schemeClr val="accent1"/>
+          </a:fillRef>
+          <a:effectRef idx="0">
+            <a:schemeClr val="accent1"/>
+          </a:effectRef>
+          <a:fontRef idx="minor">
+            <a:schemeClr val="lt1"/>
+          </a:fontRef>
+        </p:style>
+        <p:txBody>
+          <a:bodyPr rtlCol="0" anchor="ctr"/>
+          <a:lstStyle/>
+          <a:p>
+            <a:pPr algn="ctr"/>
+            <a:endParaRPr lang="en-US"/>
+          </a:p>
+        </p:txBody>
+      </p:sp>
+      <p:grpSp>
+        <p:nvGrpSpPr>
+          <p:cNvPr id="37" name="Group 36">
+            <a:extLst>
+              <a:ext uri="{FF2B5EF4-FFF2-40B4-BE49-F238E27FC236}">
+                <a16:creationId xmlns:a16="http://schemas.microsoft.com/office/drawing/2014/main" id="{AE1C45F0-260A-458C-96ED-C1F6D2151219}"/>
+              </a:ext>
+              <a:ext uri="{C183D7F6-B498-43B3-948B-1728B52AA6E4}">
+                <adec:decorative xmlns:adec="http://schemas.microsoft.com/office/drawing/2017/decorative" val="1"/>
+              </a:ext>
+            </a:extLst>
+          </p:cNvPr>
+          <p:cNvGrpSpPr>
+            <a:grpSpLocks noGrp="1" noUngrp="1" noRot="1" noChangeAspect="1" noMove="1" noResize="1"/>
+          </p:cNvGrpSpPr>
+          <p:nvPr>
+            <p:extLst>
+              <p:ext uri="{386F3935-93C4-4BCD-93E2-E3B085C9AB24}">
+                <p16:designElem xmlns:p16="http://schemas.microsoft.com/office/powerpoint/2015/main" val="1"/>
+              </p:ext>
+            </p:extLst>
+          </p:nvPr>
+        </p:nvGrpSpPr>
+        <p:grpSpPr>
+          <a:xfrm>
+            <a:off x="4" y="1216597"/>
+            <a:ext cx="731521" cy="673460"/>
+            <a:chOff x="3940602" y="308034"/>
+            <a:chExt cx="2116791" cy="3428999"/>
+          </a:xfrm>
+          <a:solidFill>
+            <a:schemeClr val="accent4"/>
+          </a:solidFill>
+        </p:grpSpPr>
+        <p:sp>
+          <p:nvSpPr>
+            <p:cNvPr id="38" name="Rectangle 37">
+              <a:extLst>
+                <a:ext uri="{FF2B5EF4-FFF2-40B4-BE49-F238E27FC236}">
+                  <a16:creationId xmlns:a16="http://schemas.microsoft.com/office/drawing/2014/main" id="{A6604B49-AD5C-4590-B051-06C8222ECD99}"/>
+                </a:ext>
+                <a:ext uri="{C183D7F6-B498-43B3-948B-1728B52AA6E4}">
+                  <adec:decorative xmlns:adec="http://schemas.microsoft.com/office/drawing/2017/decorative" val="1"/>
+                </a:ext>
+              </a:extLst>
+            </p:cNvPr>
+            <p:cNvSpPr/>
+            <p:nvPr>
+              <p:extLst>
+                <p:ext uri="{386F3935-93C4-4BCD-93E2-E3B085C9AB24}">
+                  <p16:designElem xmlns:p16="http://schemas.microsoft.com/office/powerpoint/2015/main" val="1"/>
+                </p:ext>
+              </p:extLst>
+            </p:nvPr>
+          </p:nvSpPr>
+          <p:spPr>
+            <a:xfrm>
+              <a:off x="3940602" y="308034"/>
+              <a:ext cx="566743" cy="3428999"/>
+            </a:xfrm>
+            <a:prstGeom prst="rect">
+              <a:avLst/>
+            </a:prstGeom>
+            <a:grpFill/>
+            <a:ln>
+              <a:noFill/>
+            </a:ln>
+          </p:spPr>
+          <p:style>
+            <a:lnRef idx="2">
+              <a:schemeClr val="accent1">
+                <a:shade val="50000"/>
+              </a:schemeClr>
+            </a:lnRef>
+            <a:fillRef idx="1">
+              <a:schemeClr val="accent1"/>
+            </a:fillRef>
+            <a:effectRef idx="0">
+              <a:schemeClr val="accent1"/>
+            </a:effectRef>
+            <a:fontRef idx="minor">
+              <a:schemeClr val="lt1"/>
+            </a:fontRef>
+          </p:style>
+          <p:txBody>
+            <a:bodyPr rtlCol="0" anchor="ctr"/>
+            <a:lstStyle/>
+            <a:p>
+              <a:pPr algn="ctr"/>
+              <a:endParaRPr lang="en-US"/>
+            </a:p>
+          </p:txBody>
+        </p:sp>
+        <p:sp>
+          <p:nvSpPr>
+            <p:cNvPr id="39" name="Rectangle 38">
+              <a:extLst>
+                <a:ext uri="{FF2B5EF4-FFF2-40B4-BE49-F238E27FC236}">
+                  <a16:creationId xmlns:a16="http://schemas.microsoft.com/office/drawing/2014/main" id="{743ECCAF-29C5-4537-947C-7EA1292463DB}"/>
+                </a:ext>
+                <a:ext uri="{C183D7F6-B498-43B3-948B-1728B52AA6E4}">
+                  <adec:decorative xmlns:adec="http://schemas.microsoft.com/office/drawing/2017/decorative" val="1"/>
+                </a:ext>
+              </a:extLst>
+            </p:cNvPr>
+            <p:cNvSpPr/>
+            <p:nvPr>
+              <p:extLst>
+                <p:ext uri="{386F3935-93C4-4BCD-93E2-E3B085C9AB24}">
+                  <p16:designElem xmlns:p16="http://schemas.microsoft.com/office/powerpoint/2015/main" val="1"/>
+                </p:ext>
+              </p:extLst>
+            </p:nvPr>
+          </p:nvSpPr>
+          <p:spPr>
+            <a:xfrm>
+              <a:off x="4715626" y="308034"/>
+              <a:ext cx="566743" cy="3428999"/>
+            </a:xfrm>
+            <a:prstGeom prst="rect">
+              <a:avLst/>
+            </a:prstGeom>
+            <a:grpFill/>
+            <a:ln>
+              <a:noFill/>
+            </a:ln>
+          </p:spPr>
+          <p:style>
+            <a:lnRef idx="2">
+              <a:schemeClr val="accent1">
+                <a:shade val="50000"/>
+              </a:schemeClr>
+            </a:lnRef>
+            <a:fillRef idx="1">
+              <a:schemeClr val="accent1"/>
+            </a:fillRef>
+            <a:effectRef idx="0">
+              <a:schemeClr val="accent1"/>
+            </a:effectRef>
+            <a:fontRef idx="minor">
+              <a:schemeClr val="lt1"/>
+            </a:fontRef>
+          </p:style>
+          <p:txBody>
+            <a:bodyPr rtlCol="0" anchor="ctr"/>
+            <a:lstStyle/>
+            <a:p>
+              <a:pPr algn="ctr"/>
+              <a:endParaRPr lang="en-US"/>
+            </a:p>
+          </p:txBody>
+        </p:sp>
+        <p:sp>
+          <p:nvSpPr>
+            <p:cNvPr id="22" name="Rectangle 21">
+              <a:extLst>
+                <a:ext uri="{FF2B5EF4-FFF2-40B4-BE49-F238E27FC236}">
+                  <a16:creationId xmlns:a16="http://schemas.microsoft.com/office/drawing/2014/main" id="{ED49787B-8DE6-4467-AD0A-8DECC6E0C2D6}"/>
+                </a:ext>
+                <a:ext uri="{C183D7F6-B498-43B3-948B-1728B52AA6E4}">
+                  <adec:decorative xmlns:adec="http://schemas.microsoft.com/office/drawing/2017/decorative" val="1"/>
+                </a:ext>
+              </a:extLst>
+            </p:cNvPr>
+            <p:cNvSpPr/>
+            <p:nvPr>
+              <p:extLst>
+                <p:ext uri="{386F3935-93C4-4BCD-93E2-E3B085C9AB24}">
+                  <p16:designElem xmlns:p16="http://schemas.microsoft.com/office/powerpoint/2015/main" val="1"/>
+                </p:ext>
+              </p:extLst>
+            </p:nvPr>
+          </p:nvSpPr>
+          <p:spPr>
+            <a:xfrm>
+              <a:off x="5490650" y="308034"/>
+              <a:ext cx="566743" cy="3428999"/>
+            </a:xfrm>
+            <a:prstGeom prst="rect">
+              <a:avLst/>
+            </a:prstGeom>
+            <a:grpFill/>
+            <a:ln>
+              <a:noFill/>
+            </a:ln>
+          </p:spPr>
+          <p:style>
+            <a:lnRef idx="2">
+              <a:schemeClr val="accent1">
+                <a:shade val="50000"/>
+              </a:schemeClr>
+            </a:lnRef>
+            <a:fillRef idx="1">
+              <a:schemeClr val="accent1"/>
+            </a:fillRef>
+            <a:effectRef idx="0">
+              <a:schemeClr val="accent1"/>
+            </a:effectRef>
+            <a:fontRef idx="minor">
+              <a:schemeClr val="lt1"/>
+            </a:fontRef>
+          </p:style>
+          <p:txBody>
+            <a:bodyPr rtlCol="0" anchor="ctr"/>
+            <a:lstStyle/>
+            <a:p>
+              <a:pPr algn="ctr"/>
+              <a:endParaRPr lang="en-US"/>
+            </a:p>
+          </p:txBody>
+        </p:sp>
+      </p:grpSp>
+      <p:sp>
+        <p:nvSpPr>
+          <p:cNvPr id="24" name="Rectangle 23">
+            <a:extLst>
+              <a:ext uri="{FF2B5EF4-FFF2-40B4-BE49-F238E27FC236}">
+                <a16:creationId xmlns:a16="http://schemas.microsoft.com/office/drawing/2014/main" id="{D5B0017B-2ECA-49AF-B397-DC140825DF8D}"/>
+              </a:ext>
+              <a:ext uri="{C183D7F6-B498-43B3-948B-1728B52AA6E4}">
+                <adec:decorative xmlns:adec="http://schemas.microsoft.com/office/drawing/2017/decorative" val="1"/>
+              </a:ext>
+            </a:extLst>
+          </p:cNvPr>
+          <p:cNvSpPr>
+            <a:spLocks noGrp="1" noRot="1" noChangeAspect="1" noMove="1" noResize="1" noEditPoints="1" noAdjustHandles="1" noChangeArrowheads="1" noChangeShapeType="1" noTextEdit="1"/>
+          </p:cNvSpPr>
+          <p:nvPr>
+            <p:extLst>
+              <p:ext uri="{386F3935-93C4-4BCD-93E2-E3B085C9AB24}">
+                <p16:designElem xmlns:p16="http://schemas.microsoft.com/office/powerpoint/2015/main" val="1"/>
+              </p:ext>
+            </p:extLst>
+          </p:nvPr>
+        </p:nvSpPr>
+        <p:spPr>
+          <a:xfrm>
+            <a:off x="640079" y="613954"/>
+            <a:ext cx="10907487" cy="1894116"/>
+          </a:xfrm>
+          <a:prstGeom prst="rect">
+            <a:avLst/>
+          </a:prstGeom>
+          <a:solidFill>
+            <a:schemeClr val="bg1"/>
+          </a:solidFill>
+          <a:ln>
+            <a:noFill/>
+          </a:ln>
+          <a:effectLst>
+            <a:outerShdw blurRad="139700" dist="127000" dir="5400000" algn="t" rotWithShape="0">
+              <a:prstClr val="black">
+                <a:alpha val="15000"/>
+              </a:prstClr>
+            </a:outerShdw>
+          </a:effectLst>
+        </p:spPr>
+        <p:style>
+          <a:lnRef idx="2">
+            <a:schemeClr val="accent1">
+              <a:shade val="50000"/>
+            </a:schemeClr>
+          </a:lnRef>
+          <a:fillRef idx="1">
+            <a:schemeClr val="accent1"/>
+          </a:fillRef>
+          <a:effectRef idx="0">
+            <a:schemeClr val="accent1"/>
+          </a:effectRef>
+          <a:fontRef idx="minor">
+            <a:schemeClr val="lt1"/>
+          </a:fontRef>
+        </p:style>
+        <p:txBody>
+          <a:bodyPr rtlCol="0" anchor="ctr"/>
+          <a:lstStyle/>
+          <a:p>
+            <a:pPr algn="ctr"/>
+            <a:endParaRPr lang="en-US"/>
+          </a:p>
+        </p:txBody>
+      </p:sp>
+      <p:sp>
+        <p:nvSpPr>
+          <p:cNvPr id="11" name="Title 10">
+            <a:extLst>
+              <a:ext uri="{FF2B5EF4-FFF2-40B4-BE49-F238E27FC236}">
+                <a16:creationId xmlns:a16="http://schemas.microsoft.com/office/drawing/2014/main" id="{671313CD-A1CF-1694-273E-5DFE2FD45511}"/>
+              </a:ext>
+            </a:extLst>
+          </p:cNvPr>
+          <p:cNvSpPr>
+            <a:spLocks noGrp="1"/>
+          </p:cNvSpPr>
+          <p:nvPr>
+            <p:ph type="title"/>
+          </p:nvPr>
+        </p:nvSpPr>
+        <p:spPr>
+          <a:xfrm>
+            <a:off x="1043631" y="809898"/>
+            <a:ext cx="9942716" cy="1554480"/>
+          </a:xfrm>
+        </p:spPr>
+        <p:txBody>
+          <a:bodyPr anchor="ctr">
+            <a:normAutofit/>
+          </a:bodyPr>
+          <a:lstStyle/>
+          <a:p>
+            <a:endParaRPr lang="en-IO" sz="4800"/>
+          </a:p>
+        </p:txBody>
+      </p:sp>
+      <p:sp>
+        <p:nvSpPr>
+          <p:cNvPr id="12" name="Content Placeholder 11">
+            <a:extLst>
+              <a:ext uri="{FF2B5EF4-FFF2-40B4-BE49-F238E27FC236}">
+                <a16:creationId xmlns:a16="http://schemas.microsoft.com/office/drawing/2014/main" id="{0287A451-0F2F-AEC7-81F4-2B44ACDF319D}"/>
+              </a:ext>
+            </a:extLst>
+          </p:cNvPr>
+          <p:cNvSpPr>
+            <a:spLocks noGrp="1"/>
+          </p:cNvSpPr>
+          <p:nvPr>
+            <p:ph idx="1"/>
+          </p:nvPr>
+        </p:nvSpPr>
+        <p:spPr>
+          <a:xfrm>
+            <a:off x="1045028" y="3017522"/>
+            <a:ext cx="9941319" cy="3124658"/>
+          </a:xfrm>
+        </p:spPr>
+        <p:txBody>
+          <a:bodyPr anchor="ctr">
+            <a:normAutofit/>
+          </a:bodyPr>
+          <a:lstStyle/>
+          <a:p>
+            <a:endParaRPr lang="en-IO" sz="2400"/>
+          </a:p>
+        </p:txBody>
+      </p:sp>
+      <p:cxnSp>
+        <p:nvCxnSpPr>
+          <p:cNvPr id="26" name="Straight Connector 25">
+            <a:extLst>
+              <a:ext uri="{FF2B5EF4-FFF2-40B4-BE49-F238E27FC236}">
+                <a16:creationId xmlns:a16="http://schemas.microsoft.com/office/drawing/2014/main" id="{6CF1BAF6-AD41-4082-B212-8A1F9A2E8779}"/>
+              </a:ext>
+              <a:ext uri="{C183D7F6-B498-43B3-948B-1728B52AA6E4}">
+                <adec:decorative xmlns:adec="http://schemas.microsoft.com/office/drawing/2017/decorative" val="1"/>
+              </a:ext>
+            </a:extLst>
+          </p:cNvPr>
+          <p:cNvCxnSpPr>
+            <a:cxnSpLocks noGrp="1" noRot="1" noChangeAspect="1" noMove="1" noResize="1" noEditPoints="1" noAdjustHandles="1" noChangeArrowheads="1" noChangeShapeType="1"/>
+          </p:cNvCxnSpPr>
+          <p:nvPr>
+            <p:extLst>
+              <p:ext uri="{386F3935-93C4-4BCD-93E2-E3B085C9AB24}">
+                <p16:designElem xmlns:p16="http://schemas.microsoft.com/office/powerpoint/2015/main" val="1"/>
+              </p:ext>
+            </p:extLst>
+          </p:nvPr>
+        </p:nvCxnSpPr>
+        <p:spPr>
+          <a:xfrm flipH="1">
+            <a:off x="838200" y="6485313"/>
+            <a:ext cx="10515600" cy="0"/>
+          </a:xfrm>
+          <a:prstGeom prst="line">
+            <a:avLst/>
+          </a:prstGeom>
+          <a:ln w="57150">
+            <a:solidFill>
+              <a:schemeClr val="accent4"/>
+            </a:solidFill>
+          </a:ln>
+        </p:spPr>
+        <p:style>
+          <a:lnRef idx="1">
+            <a:schemeClr val="accent1"/>
+          </a:lnRef>
+          <a:fillRef idx="0">
+            <a:schemeClr val="accent1"/>
+          </a:fillRef>
+          <a:effectRef idx="0">
+            <a:schemeClr val="accent1"/>
+          </a:effectRef>
+          <a:fontRef idx="minor">
+            <a:schemeClr val="tx1"/>
+          </a:fontRef>
+        </p:style>
+      </p:cxnSp>
+    </p:spTree>
+    <p:extLst>
+      <p:ext uri="{BB962C8B-B14F-4D97-AF65-F5344CB8AC3E}">
+        <p14:creationId xmlns:p14="http://schemas.microsoft.com/office/powerpoint/2010/main" val="2200402494"/>
+      </p:ext>
+    </p:extLst>
+  </p:cSld>
+  <p:clrMapOvr>
+    <a:masterClrMapping/>
+  </p:clrMapOvr>
+</p:sld>
+</file>
+
+<file path=ppt/slides/slide12.xml><?xml version="1.0" encoding="utf-8"?>
+<p:sld xmlns:a="http://schemas.openxmlformats.org/drawingml/2006/main" xmlns:r="http://schemas.openxmlformats.org/officeDocument/2006/relationships" xmlns:p="http://schemas.openxmlformats.org/presentationml/2006/main">
+  <p:cSld>
+    <p:bg>
+      <p:bgPr>
+        <a:solidFill>
+          <a:schemeClr val="bg1"/>
+        </a:solidFill>
+        <a:effectLst/>
+      </p:bgPr>
+    </p:bg>
+    <p:spTree>
+      <p:nvGrpSpPr>
+        <p:cNvPr id="1" name=""/>
+        <p:cNvGrpSpPr/>
+        <p:nvPr/>
+      </p:nvGrpSpPr>
+      <p:grpSpPr>
+        <a:xfrm>
+          <a:off x="0" y="0"/>
+          <a:ext cx="0" cy="0"/>
+          <a:chOff x="0" y="0"/>
+          <a:chExt cx="0" cy="0"/>
+        </a:xfrm>
+      </p:grpSpPr>
+      <p:sp useBgFill="1">
+        <p:nvSpPr>
           <p:cNvPr id="44" name="Rectangle 43">
             <a:extLst>
               <a:ext uri="{FF2B5EF4-FFF2-40B4-BE49-F238E27FC236}">
@@ -4244,7 +5649,7 @@
 </p:sld>
 </file>
 
-<file path=ppt/slides/slide11.xml><?xml version="1.0" encoding="utf-8"?>
+<file path=ppt/slides/slide13.xml><?xml version="1.0" encoding="utf-8"?>
 <p:sld xmlns:a="http://schemas.openxmlformats.org/drawingml/2006/main" xmlns:r="http://schemas.openxmlformats.org/officeDocument/2006/relationships" xmlns:p="http://schemas.openxmlformats.org/presentationml/2006/main">
   <p:cSld>
     <p:bg>
@@ -4635,7 +6040,7 @@
           </a:bodyPr>
           <a:lstStyle/>
           <a:p>
-            <a:endParaRPr lang="en-IO" sz="5200"/>
+            <a:endParaRPr lang="en-IO" sz="5200" dirty="0"/>
           </a:p>
         </p:txBody>
       </p:sp>
@@ -4675,6 +6080,349 @@
     <p:extLst>
       <p:ext uri="{BB962C8B-B14F-4D97-AF65-F5344CB8AC3E}">
         <p14:creationId xmlns:p14="http://schemas.microsoft.com/office/powerpoint/2010/main" val="1394168529"/>
+      </p:ext>
+    </p:extLst>
+  </p:cSld>
+  <p:clrMapOvr>
+    <a:masterClrMapping/>
+  </p:clrMapOvr>
+</p:sld>
+</file>
+
+<file path=ppt/slides/slide14.xml><?xml version="1.0" encoding="utf-8"?>
+<p:sld xmlns:a="http://schemas.openxmlformats.org/drawingml/2006/main" xmlns:r="http://schemas.openxmlformats.org/officeDocument/2006/relationships" xmlns:p="http://schemas.openxmlformats.org/presentationml/2006/main">
+  <p:cSld>
+    <p:bg>
+      <p:bgPr>
+        <a:solidFill>
+          <a:schemeClr val="bg1"/>
+        </a:solidFill>
+        <a:effectLst/>
+      </p:bgPr>
+    </p:bg>
+    <p:spTree>
+      <p:nvGrpSpPr>
+        <p:cNvPr id="1" name=""/>
+        <p:cNvGrpSpPr/>
+        <p:nvPr/>
+      </p:nvGrpSpPr>
+      <p:grpSpPr>
+        <a:xfrm>
+          <a:off x="0" y="0"/>
+          <a:ext cx="0" cy="0"/>
+          <a:chOff x="0" y="0"/>
+          <a:chExt cx="0" cy="0"/>
+        </a:xfrm>
+      </p:grpSpPr>
+      <p:sp useBgFill="1">
+        <p:nvSpPr>
+          <p:cNvPr id="21" name="Rectangle 20">
+            <a:extLst>
+              <a:ext uri="{FF2B5EF4-FFF2-40B4-BE49-F238E27FC236}">
+                <a16:creationId xmlns:a16="http://schemas.microsoft.com/office/drawing/2014/main" id="{081EA652-8C6A-4E69-BEB9-170809474553}"/>
+              </a:ext>
+              <a:ext uri="{C183D7F6-B498-43B3-948B-1728B52AA6E4}">
+                <adec:decorative xmlns:adec="http://schemas.microsoft.com/office/drawing/2017/decorative" val="1"/>
+              </a:ext>
+            </a:extLst>
+          </p:cNvPr>
+          <p:cNvSpPr>
+            <a:spLocks noGrp="1" noRot="1" noChangeAspect="1" noMove="1" noResize="1" noEditPoints="1" noAdjustHandles="1" noChangeArrowheads="1" noChangeShapeType="1" noTextEdit="1"/>
+          </p:cNvSpPr>
+          <p:nvPr>
+            <p:extLst>
+              <p:ext uri="{386F3935-93C4-4BCD-93E2-E3B085C9AB24}">
+                <p16:designElem xmlns:p16="http://schemas.microsoft.com/office/powerpoint/2015/main" val="1"/>
+              </p:ext>
+            </p:extLst>
+          </p:nvPr>
+        </p:nvSpPr>
+        <p:spPr>
+          <a:xfrm>
+            <a:off x="0" y="0"/>
+            <a:ext cx="12192000" cy="6858000"/>
+          </a:xfrm>
+          <a:prstGeom prst="rect">
+            <a:avLst/>
+          </a:prstGeom>
+          <a:ln>
+            <a:noFill/>
+          </a:ln>
+        </p:spPr>
+        <p:style>
+          <a:lnRef idx="2">
+            <a:schemeClr val="accent1">
+              <a:shade val="50000"/>
+            </a:schemeClr>
+          </a:lnRef>
+          <a:fillRef idx="1">
+            <a:schemeClr val="accent1"/>
+          </a:fillRef>
+          <a:effectRef idx="0">
+            <a:schemeClr val="accent1"/>
+          </a:effectRef>
+          <a:fontRef idx="minor">
+            <a:schemeClr val="lt1"/>
+          </a:fontRef>
+        </p:style>
+        <p:txBody>
+          <a:bodyPr rtlCol="0" anchor="ctr"/>
+          <a:lstStyle/>
+          <a:p>
+            <a:pPr algn="ctr"/>
+            <a:endParaRPr lang="en-US"/>
+          </a:p>
+        </p:txBody>
+      </p:sp>
+      <p:sp>
+        <p:nvSpPr>
+          <p:cNvPr id="23" name="Right Triangle 22">
+            <a:extLst>
+              <a:ext uri="{FF2B5EF4-FFF2-40B4-BE49-F238E27FC236}">
+                <a16:creationId xmlns:a16="http://schemas.microsoft.com/office/drawing/2014/main" id="{5298780A-33B9-4EA2-8F67-DE68AD62841B}"/>
+              </a:ext>
+              <a:ext uri="{C183D7F6-B498-43B3-948B-1728B52AA6E4}">
+                <adec:decorative xmlns:adec="http://schemas.microsoft.com/office/drawing/2017/decorative" val="1"/>
+              </a:ext>
+            </a:extLst>
+          </p:cNvPr>
+          <p:cNvSpPr>
+            <a:spLocks noGrp="1" noRot="1" noChangeAspect="1" noMove="1" noResize="1" noEditPoints="1" noAdjustHandles="1" noChangeArrowheads="1" noChangeShapeType="1" noTextEdit="1"/>
+          </p:cNvSpPr>
+          <p:nvPr>
+            <p:extLst>
+              <p:ext uri="{386F3935-93C4-4BCD-93E2-E3B085C9AB24}">
+                <p16:designElem xmlns:p16="http://schemas.microsoft.com/office/powerpoint/2015/main" val="1"/>
+              </p:ext>
+            </p:extLst>
+          </p:nvPr>
+        </p:nvSpPr>
+        <p:spPr>
+          <a:xfrm flipH="1">
+            <a:off x="8576720" y="3335867"/>
+            <a:ext cx="3291840" cy="3200400"/>
+          </a:xfrm>
+          <a:prstGeom prst="rtTriangle">
+            <a:avLst/>
+          </a:prstGeom>
+          <a:solidFill>
+            <a:schemeClr val="accent4"/>
+          </a:solidFill>
+          <a:ln>
+            <a:noFill/>
+          </a:ln>
+        </p:spPr>
+        <p:style>
+          <a:lnRef idx="2">
+            <a:schemeClr val="accent1">
+              <a:shade val="50000"/>
+            </a:schemeClr>
+          </a:lnRef>
+          <a:fillRef idx="1">
+            <a:schemeClr val="accent1"/>
+          </a:fillRef>
+          <a:effectRef idx="0">
+            <a:schemeClr val="accent1"/>
+          </a:effectRef>
+          <a:fontRef idx="minor">
+            <a:schemeClr val="lt1"/>
+          </a:fontRef>
+        </p:style>
+        <p:txBody>
+          <a:bodyPr rtlCol="0" anchor="ctr"/>
+          <a:lstStyle/>
+          <a:p>
+            <a:pPr algn="ctr"/>
+            <a:endParaRPr lang="en-US" dirty="0"/>
+          </a:p>
+        </p:txBody>
+      </p:sp>
+      <p:sp>
+        <p:nvSpPr>
+          <p:cNvPr id="25" name="Rectangle 24">
+            <a:extLst>
+              <a:ext uri="{FF2B5EF4-FFF2-40B4-BE49-F238E27FC236}">
+                <a16:creationId xmlns:a16="http://schemas.microsoft.com/office/drawing/2014/main" id="{7F488E8B-4E1E-4402-8935-D4E6C02615C7}"/>
+              </a:ext>
+              <a:ext uri="{C183D7F6-B498-43B3-948B-1728B52AA6E4}">
+                <adec:decorative xmlns:adec="http://schemas.microsoft.com/office/drawing/2017/decorative" val="1"/>
+              </a:ext>
+            </a:extLst>
+          </p:cNvPr>
+          <p:cNvSpPr>
+            <a:spLocks noGrp="1" noRot="1" noChangeAspect="1" noMove="1" noResize="1" noEditPoints="1" noAdjustHandles="1" noChangeArrowheads="1" noChangeShapeType="1" noTextEdit="1"/>
+          </p:cNvSpPr>
+          <p:nvPr>
+            <p:extLst>
+              <p:ext uri="{386F3935-93C4-4BCD-93E2-E3B085C9AB24}">
+                <p16:designElem xmlns:p16="http://schemas.microsoft.com/office/powerpoint/2015/main" val="1"/>
+              </p:ext>
+            </p:extLst>
+          </p:nvPr>
+        </p:nvSpPr>
+        <p:spPr>
+          <a:xfrm>
+            <a:off x="641774" y="623275"/>
+            <a:ext cx="10905053" cy="5607882"/>
+          </a:xfrm>
+          <a:prstGeom prst="rect">
+            <a:avLst/>
+          </a:prstGeom>
+          <a:noFill/>
+          <a:ln w="19050">
+            <a:solidFill>
+              <a:schemeClr val="tx1">
+                <a:lumMod val="75000"/>
+                <a:lumOff val="25000"/>
+              </a:schemeClr>
+            </a:solidFill>
+          </a:ln>
+        </p:spPr>
+        <p:style>
+          <a:lnRef idx="2">
+            <a:schemeClr val="accent1">
+              <a:shade val="50000"/>
+            </a:schemeClr>
+          </a:lnRef>
+          <a:fillRef idx="1">
+            <a:schemeClr val="accent1"/>
+          </a:fillRef>
+          <a:effectRef idx="0">
+            <a:schemeClr val="accent1"/>
+          </a:effectRef>
+          <a:fontRef idx="minor">
+            <a:schemeClr val="lt1"/>
+          </a:fontRef>
+        </p:style>
+        <p:txBody>
+          <a:bodyPr rtlCol="0" anchor="ctr"/>
+          <a:lstStyle/>
+          <a:p>
+            <a:pPr algn="ctr"/>
+            <a:endParaRPr lang="en-US"/>
+          </a:p>
+        </p:txBody>
+      </p:sp>
+      <p:sp>
+        <p:nvSpPr>
+          <p:cNvPr id="2" name="Title 1">
+            <a:extLst>
+              <a:ext uri="{FF2B5EF4-FFF2-40B4-BE49-F238E27FC236}">
+                <a16:creationId xmlns:a16="http://schemas.microsoft.com/office/drawing/2014/main" id="{80DA6841-0D44-7DEA-5DA0-372D063055D3}"/>
+              </a:ext>
+            </a:extLst>
+          </p:cNvPr>
+          <p:cNvSpPr>
+            <a:spLocks noGrp="1"/>
+          </p:cNvSpPr>
+          <p:nvPr>
+            <p:ph type="title"/>
+          </p:nvPr>
+        </p:nvSpPr>
+        <p:spPr>
+          <a:xfrm>
+            <a:off x="720454" y="1050595"/>
+            <a:ext cx="8074815" cy="1618489"/>
+          </a:xfrm>
+        </p:spPr>
+        <p:txBody>
+          <a:bodyPr anchor="ctr">
+            <a:normAutofit/>
+          </a:bodyPr>
+          <a:lstStyle/>
+          <a:p>
+            <a:endParaRPr lang="en-IO" sz="7200" dirty="0"/>
+          </a:p>
+        </p:txBody>
+      </p:sp>
+      <p:sp>
+        <p:nvSpPr>
+          <p:cNvPr id="3" name="Content Placeholder 2">
+            <a:extLst>
+              <a:ext uri="{FF2B5EF4-FFF2-40B4-BE49-F238E27FC236}">
+                <a16:creationId xmlns:a16="http://schemas.microsoft.com/office/drawing/2014/main" id="{E6098A3C-1F4A-3736-F555-C414E4510533}"/>
+              </a:ext>
+            </a:extLst>
+          </p:cNvPr>
+          <p:cNvSpPr>
+            <a:spLocks noGrp="1"/>
+          </p:cNvSpPr>
+          <p:nvPr>
+            <p:ph idx="1"/>
+          </p:nvPr>
+        </p:nvSpPr>
+        <p:spPr>
+          <a:xfrm>
+            <a:off x="720454" y="2969469"/>
+            <a:ext cx="8074815" cy="2800395"/>
+          </a:xfrm>
+        </p:spPr>
+        <p:txBody>
+          <a:bodyPr anchor="t">
+            <a:normAutofit/>
+          </a:bodyPr>
+          <a:lstStyle/>
+          <a:p>
+            <a:endParaRPr lang="en-IO" sz="2400" dirty="0"/>
+          </a:p>
+        </p:txBody>
+      </p:sp>
+      <p:sp>
+        <p:nvSpPr>
+          <p:cNvPr id="4" name="Rectangle 3">
+            <a:extLst>
+              <a:ext uri="{FF2B5EF4-FFF2-40B4-BE49-F238E27FC236}">
+                <a16:creationId xmlns:a16="http://schemas.microsoft.com/office/drawing/2014/main" id="{2AB96067-A073-61E8-3201-E91C4BE88789}"/>
+              </a:ext>
+            </a:extLst>
+          </p:cNvPr>
+          <p:cNvSpPr/>
+          <p:nvPr/>
+        </p:nvSpPr>
+        <p:spPr>
+          <a:xfrm>
+            <a:off x="641774" y="623275"/>
+            <a:ext cx="10905053" cy="5607882"/>
+          </a:xfrm>
+          <a:prstGeom prst="rect">
+            <a:avLst/>
+          </a:prstGeom>
+          <a:noFill/>
+          <a:ln>
+            <a:solidFill>
+              <a:schemeClr val="bg1"/>
+            </a:solidFill>
+          </a:ln>
+        </p:spPr>
+        <p:style>
+          <a:lnRef idx="2">
+            <a:schemeClr val="accent1">
+              <a:shade val="15000"/>
+            </a:schemeClr>
+          </a:lnRef>
+          <a:fillRef idx="1">
+            <a:schemeClr val="accent1"/>
+          </a:fillRef>
+          <a:effectRef idx="0">
+            <a:schemeClr val="accent1"/>
+          </a:effectRef>
+          <a:fontRef idx="minor">
+            <a:schemeClr val="lt1"/>
+          </a:fontRef>
+        </p:style>
+        <p:txBody>
+          <a:bodyPr rtlCol="0" anchor="ctr"/>
+          <a:lstStyle/>
+          <a:p>
+            <a:pPr algn="ctr"/>
+            <a:endParaRPr lang="en-IO"/>
+          </a:p>
+        </p:txBody>
+      </p:sp>
+    </p:spTree>
+    <p:extLst>
+      <p:ext uri="{BB962C8B-B14F-4D97-AF65-F5344CB8AC3E}">
+        <p14:creationId xmlns:p14="http://schemas.microsoft.com/office/powerpoint/2010/main" val="1961866818"/>
       </p:ext>
     </p:extLst>
   </p:cSld>
@@ -4798,7 +6546,7 @@
           <a:lstStyle/>
           <a:p>
             <a:r>
-              <a:rPr lang="bg-BG" sz="5400"/>
+              <a:rPr lang="bg-BG" sz="5400" dirty="0"/>
               <a:t>Съдържание</a:t>
             </a:r>
             <a:endParaRPr lang="en-IO" sz="5400" dirty="0"/>
@@ -5047,76 +6795,76 @@
         </p:nvSpPr>
         <p:spPr>
           <a:xfrm>
-            <a:off x="355154" y="2518963"/>
+            <a:off x="355154" y="2389218"/>
             <a:ext cx="10143668" cy="3831961"/>
           </a:xfrm>
         </p:spPr>
         <p:txBody>
           <a:bodyPr anchor="ctr">
-            <a:normAutofit fontScale="92500" lnSpcReduction="10000"/>
+            <a:normAutofit fontScale="92500" lnSpcReduction="20000"/>
           </a:bodyPr>
           <a:lstStyle/>
           <a:p>
             <a:r>
-              <a:rPr lang="bg-BG" sz="2400" dirty="0"/>
+              <a:rPr lang="bg-BG" sz="2600" dirty="0"/>
               <a:t>Увод</a:t>
             </a:r>
           </a:p>
           <a:p>
             <a:r>
-              <a:rPr lang="bg-BG" sz="2400" dirty="0"/>
+              <a:rPr lang="bg-BG" sz="2600" dirty="0"/>
               <a:t>Архитектура</a:t>
             </a:r>
           </a:p>
           <a:p>
             <a:r>
-              <a:rPr lang="bg-BG" sz="2400" dirty="0"/>
+              <a:rPr lang="bg-BG" sz="2600" dirty="0"/>
               <a:t>Използвани технологии</a:t>
             </a:r>
           </a:p>
           <a:p>
             <a:r>
-              <a:rPr lang="bg-BG" sz="2400" dirty="0"/>
+              <a:rPr lang="bg-BG" sz="2600" dirty="0"/>
               <a:t>Реализация</a:t>
             </a:r>
           </a:p>
           <a:p>
             <a:pPr lvl="1"/>
             <a:r>
-              <a:rPr lang="bg-BG" dirty="0"/>
+              <a:rPr lang="bg-BG" sz="2600" dirty="0"/>
               <a:t>База данни</a:t>
             </a:r>
           </a:p>
           <a:p>
             <a:pPr lvl="1"/>
             <a:r>
-              <a:rPr lang="bg-BG" dirty="0"/>
+              <a:rPr lang="bg-BG" sz="2600" dirty="0"/>
               <a:t>Сървърна част</a:t>
             </a:r>
           </a:p>
           <a:p>
             <a:pPr lvl="1"/>
             <a:r>
-              <a:rPr lang="bg-BG" dirty="0"/>
+              <a:rPr lang="bg-BG" sz="2600" dirty="0"/>
               <a:t>Потребители</a:t>
             </a:r>
           </a:p>
           <a:p>
             <a:pPr lvl="1"/>
             <a:r>
-              <a:rPr lang="bg-BG" dirty="0"/>
+              <a:rPr lang="bg-BG" sz="2600" dirty="0"/>
               <a:t>Потребителски интерфейс</a:t>
             </a:r>
           </a:p>
           <a:p>
             <a:r>
-              <a:rPr lang="bg-BG" sz="2400" dirty="0"/>
+              <a:rPr lang="bg-BG" sz="2600" dirty="0"/>
               <a:t>Демо</a:t>
             </a:r>
           </a:p>
           <a:p>
             <a:r>
-              <a:rPr lang="bg-BG" sz="2400" dirty="0"/>
+              <a:rPr lang="bg-BG" sz="2600" dirty="0"/>
               <a:t>Заключение</a:t>
             </a:r>
           </a:p>
@@ -5139,153 +6887,6 @@
 </file>
 
 <file path=ppt/slides/slide3.xml><?xml version="1.0" encoding="utf-8"?>
-<p:sld xmlns:a="http://schemas.openxmlformats.org/drawingml/2006/main" xmlns:r="http://schemas.openxmlformats.org/officeDocument/2006/relationships" xmlns:p="http://schemas.openxmlformats.org/presentationml/2006/main" show="0">
-  <p:cSld>
-    <p:spTree>
-      <p:nvGrpSpPr>
-        <p:cNvPr id="1" name=""/>
-        <p:cNvGrpSpPr/>
-        <p:nvPr/>
-      </p:nvGrpSpPr>
-      <p:grpSpPr>
-        <a:xfrm>
-          <a:off x="0" y="0"/>
-          <a:ext cx="0" cy="0"/>
-          <a:chOff x="0" y="0"/>
-          <a:chExt cx="0" cy="0"/>
-        </a:xfrm>
-      </p:grpSpPr>
-      <p:sp>
-        <p:nvSpPr>
-          <p:cNvPr id="2" name="Title 1">
-            <a:extLst>
-              <a:ext uri="{FF2B5EF4-FFF2-40B4-BE49-F238E27FC236}">
-                <a16:creationId xmlns:a16="http://schemas.microsoft.com/office/drawing/2014/main" id="{15AB6F15-8AC8-7F45-C218-3497E36321AE}"/>
-              </a:ext>
-            </a:extLst>
-          </p:cNvPr>
-          <p:cNvSpPr>
-            <a:spLocks noGrp="1"/>
-          </p:cNvSpPr>
-          <p:nvPr>
-            <p:ph type="title"/>
-          </p:nvPr>
-        </p:nvSpPr>
-        <p:spPr/>
-        <p:txBody>
-          <a:bodyPr/>
-          <a:lstStyle/>
-          <a:p>
-            <a:r>
-              <a:rPr lang="bg-BG" dirty="0"/>
-              <a:t>Съдържание</a:t>
-            </a:r>
-            <a:endParaRPr lang="en-IO" dirty="0"/>
-          </a:p>
-        </p:txBody>
-      </p:sp>
-      <p:sp>
-        <p:nvSpPr>
-          <p:cNvPr id="3" name="Content Placeholder 2">
-            <a:extLst>
-              <a:ext uri="{FF2B5EF4-FFF2-40B4-BE49-F238E27FC236}">
-                <a16:creationId xmlns:a16="http://schemas.microsoft.com/office/drawing/2014/main" id="{FD14EA13-EC63-757B-D06E-09AAFD75DF09}"/>
-              </a:ext>
-            </a:extLst>
-          </p:cNvPr>
-          <p:cNvSpPr>
-            <a:spLocks noGrp="1"/>
-          </p:cNvSpPr>
-          <p:nvPr>
-            <p:ph idx="1"/>
-          </p:nvPr>
-        </p:nvSpPr>
-        <p:spPr/>
-        <p:txBody>
-          <a:bodyPr>
-            <a:normAutofit lnSpcReduction="10000"/>
-          </a:bodyPr>
-          <a:lstStyle/>
-          <a:p>
-            <a:r>
-              <a:rPr lang="bg-BG" dirty="0"/>
-              <a:t>Увод</a:t>
-            </a:r>
-          </a:p>
-          <a:p>
-            <a:r>
-              <a:rPr lang="bg-BG" dirty="0"/>
-              <a:t>Архитектура</a:t>
-            </a:r>
-          </a:p>
-          <a:p>
-            <a:r>
-              <a:rPr lang="bg-BG" dirty="0"/>
-              <a:t>Използвани технологии</a:t>
-            </a:r>
-          </a:p>
-          <a:p>
-            <a:r>
-              <a:rPr lang="bg-BG" dirty="0"/>
-              <a:t>Реализация</a:t>
-            </a:r>
-          </a:p>
-          <a:p>
-            <a:pPr lvl="1"/>
-            <a:r>
-              <a:rPr lang="bg-BG" dirty="0"/>
-              <a:t>База данни</a:t>
-            </a:r>
-          </a:p>
-          <a:p>
-            <a:pPr lvl="1"/>
-            <a:r>
-              <a:rPr lang="bg-BG" dirty="0"/>
-              <a:t>Сървърна част</a:t>
-            </a:r>
-          </a:p>
-          <a:p>
-            <a:pPr lvl="1"/>
-            <a:r>
-              <a:rPr lang="bg-BG" dirty="0"/>
-              <a:t>Потребители</a:t>
-            </a:r>
-          </a:p>
-          <a:p>
-            <a:pPr lvl="1"/>
-            <a:r>
-              <a:rPr lang="bg-BG" dirty="0"/>
-              <a:t>Потребителски интерфейс</a:t>
-            </a:r>
-          </a:p>
-          <a:p>
-            <a:r>
-              <a:rPr lang="bg-BG" dirty="0"/>
-              <a:t>Демо</a:t>
-            </a:r>
-          </a:p>
-          <a:p>
-            <a:r>
-              <a:rPr lang="bg-BG" dirty="0"/>
-              <a:t>Заключение</a:t>
-            </a:r>
-          </a:p>
-        </p:txBody>
-      </p:sp>
-    </p:spTree>
-    <p:extLst>
-      <p:ext uri="{BB962C8B-B14F-4D97-AF65-F5344CB8AC3E}">
-        <p14:creationId xmlns:p14="http://schemas.microsoft.com/office/powerpoint/2010/main" val="766210857"/>
-      </p:ext>
-    </p:extLst>
-  </p:cSld>
-  <p:clrMapOvr>
-    <a:masterClrMapping/>
-  </p:clrMapOvr>
-</p:sld>
-</file>
-
-<file path=ppt/slides/slide4.xml><?xml version="1.0" encoding="utf-8"?>
 <p:sld xmlns:a="http://schemas.openxmlformats.org/drawingml/2006/main" xmlns:r="http://schemas.openxmlformats.org/officeDocument/2006/relationships" xmlns:p="http://schemas.openxmlformats.org/presentationml/2006/main">
   <p:cSld>
     <p:bg>
@@ -6004,7 +7605,7 @@
 </p:sld>
 </file>
 
-<file path=ppt/slides/slide5.xml><?xml version="1.0" encoding="utf-8"?>
+<file path=ppt/slides/slide4.xml><?xml version="1.0" encoding="utf-8"?>
 <p:sld xmlns:a="http://schemas.openxmlformats.org/drawingml/2006/main" xmlns:r="http://schemas.openxmlformats.org/officeDocument/2006/relationships" xmlns:p="http://schemas.openxmlformats.org/presentationml/2006/main">
   <p:cSld>
     <p:bg>
@@ -6678,7 +8279,7 @@
         <p:spPr>
           <a:xfrm>
             <a:off x="633597" y="5733388"/>
-            <a:ext cx="2638561" cy="307777"/>
+            <a:ext cx="2863229" cy="369332"/>
           </a:xfrm>
           <a:prstGeom prst="rect">
             <a:avLst/>
@@ -6699,7 +8300,7 @@
               <a:buChar char="•"/>
             </a:pPr>
             <a:r>
-              <a:rPr lang="bg-BG" sz="1400" kern="1200" dirty="0">
+              <a:rPr lang="bg-BG" kern="1200" dirty="0">
                 <a:solidFill>
                   <a:schemeClr val="tx1"/>
                 </a:solidFill>
@@ -6709,7 +8310,7 @@
               </a:rPr>
               <a:t>Съхраняване на данни</a:t>
             </a:r>
-            <a:endParaRPr lang="bg-BG" sz="2000" dirty="0"/>
+            <a:endParaRPr lang="bg-BG" sz="2800" dirty="0"/>
           </a:p>
         </p:txBody>
       </p:sp>
@@ -6727,8 +8328,8 @@
         </p:nvSpPr>
         <p:spPr>
           <a:xfrm>
-            <a:off x="4844343" y="5595228"/>
-            <a:ext cx="3355111" cy="600164"/>
+            <a:off x="4624323" y="5608778"/>
+            <a:ext cx="3687744" cy="723275"/>
           </a:xfrm>
           <a:prstGeom prst="rect">
             <a:avLst/>
@@ -6749,7 +8350,7 @@
               <a:buChar char="•"/>
             </a:pPr>
             <a:r>
-              <a:rPr lang="bg-BG" sz="1400" kern="1200" dirty="0">
+              <a:rPr lang="bg-BG" kern="1200" dirty="0">
                 <a:solidFill>
                   <a:schemeClr val="tx1"/>
                 </a:solidFill>
@@ -6769,7 +8370,7 @@
               <a:buChar char="•"/>
             </a:pPr>
             <a:r>
-              <a:rPr lang="bg-BG" sz="1400" kern="1200" dirty="0">
+              <a:rPr lang="bg-BG" kern="1200" dirty="0">
                 <a:solidFill>
                   <a:schemeClr val="tx1"/>
                 </a:solidFill>
@@ -6779,7 +8380,7 @@
               </a:rPr>
               <a:t>Мениджмънт на потребители</a:t>
             </a:r>
-            <a:endParaRPr lang="en-IO" sz="2000" dirty="0"/>
+            <a:endParaRPr lang="en-IO" sz="2800" dirty="0"/>
           </a:p>
         </p:txBody>
       </p:sp>
@@ -6797,8 +8398,8 @@
         </p:nvSpPr>
         <p:spPr>
           <a:xfrm>
-            <a:off x="8892790" y="5608779"/>
-            <a:ext cx="3456633" cy="600164"/>
+            <a:off x="8531052" y="5608779"/>
+            <a:ext cx="3818372" cy="723275"/>
           </a:xfrm>
           <a:prstGeom prst="rect">
             <a:avLst/>
@@ -6819,7 +8420,7 @@
               <a:buChar char="•"/>
             </a:pPr>
             <a:r>
-              <a:rPr lang="bg-BG" sz="1400" kern="1200" dirty="0">
+              <a:rPr lang="bg-BG" kern="1200" dirty="0">
                 <a:solidFill>
                   <a:schemeClr val="tx1"/>
                 </a:solidFill>
@@ -6839,7 +8440,7 @@
               <a:buChar char="•"/>
             </a:pPr>
             <a:r>
-              <a:rPr lang="bg-BG" sz="1400" kern="1200" dirty="0">
+              <a:rPr lang="bg-BG" kern="1200" dirty="0">
                 <a:solidFill>
                   <a:schemeClr val="tx1"/>
                 </a:solidFill>
@@ -6849,7 +8450,7 @@
               </a:rPr>
               <a:t>Взаимодействие с потребители</a:t>
             </a:r>
-            <a:endParaRPr lang="en-IO" sz="2000" dirty="0"/>
+            <a:endParaRPr lang="en-IO" sz="2800" dirty="0"/>
           </a:p>
         </p:txBody>
       </p:sp>
@@ -7396,588 +8997,7 @@
 </p:sld>
 </file>
 
-<file path=ppt/slides/slide6.xml><?xml version="1.0" encoding="utf-8"?>
-<p:sld xmlns:a="http://schemas.openxmlformats.org/drawingml/2006/main" xmlns:r="http://schemas.openxmlformats.org/officeDocument/2006/relationships" xmlns:p="http://schemas.openxmlformats.org/presentationml/2006/main" show="0">
-  <p:cSld>
-    <p:bg>
-      <p:bgPr>
-        <a:solidFill>
-          <a:schemeClr val="bg1"/>
-        </a:solidFill>
-        <a:effectLst/>
-      </p:bgPr>
-    </p:bg>
-    <p:spTree>
-      <p:nvGrpSpPr>
-        <p:cNvPr id="1" name=""/>
-        <p:cNvGrpSpPr/>
-        <p:nvPr/>
-      </p:nvGrpSpPr>
-      <p:grpSpPr>
-        <a:xfrm>
-          <a:off x="0" y="0"/>
-          <a:ext cx="0" cy="0"/>
-          <a:chOff x="0" y="0"/>
-          <a:chExt cx="0" cy="0"/>
-        </a:xfrm>
-      </p:grpSpPr>
-      <p:sp>
-        <p:nvSpPr>
-          <p:cNvPr id="10" name="Title 9">
-            <a:extLst>
-              <a:ext uri="{FF2B5EF4-FFF2-40B4-BE49-F238E27FC236}">
-                <a16:creationId xmlns:a16="http://schemas.microsoft.com/office/drawing/2014/main" id="{F161A5F5-B629-C0F4-1394-04ADF680F393}"/>
-              </a:ext>
-            </a:extLst>
-          </p:cNvPr>
-          <p:cNvSpPr>
-            <a:spLocks noGrp="1"/>
-          </p:cNvSpPr>
-          <p:nvPr>
-            <p:ph type="title"/>
-          </p:nvPr>
-        </p:nvSpPr>
-        <p:spPr>
-          <a:xfrm>
-            <a:off x="762000" y="1138266"/>
-            <a:ext cx="9738257" cy="1107126"/>
-          </a:xfrm>
-        </p:spPr>
-        <p:txBody>
-          <a:bodyPr vert="horz" lIns="91440" tIns="45720" rIns="91440" bIns="45720" rtlCol="0" anchor="t">
-            <a:normAutofit/>
-          </a:bodyPr>
-          <a:lstStyle/>
-          <a:p>
-            <a:r>
-              <a:rPr lang="en-US" sz="3200" kern="1200" dirty="0">
-                <a:solidFill>
-                  <a:schemeClr val="tx1"/>
-                </a:solidFill>
-                <a:latin typeface="+mj-lt"/>
-                <a:ea typeface="+mj-ea"/>
-                <a:cs typeface="+mj-cs"/>
-              </a:rPr>
-              <a:t>Архитектура</a:t>
-            </a:r>
-          </a:p>
-        </p:txBody>
-      </p:sp>
-      <p:cxnSp>
-        <p:nvCxnSpPr>
-          <p:cNvPr id="19" name="Straight Connector 18">
-            <a:extLst>
-              <a:ext uri="{FF2B5EF4-FFF2-40B4-BE49-F238E27FC236}">
-                <a16:creationId xmlns:a16="http://schemas.microsoft.com/office/drawing/2014/main" id="{D2C4353C-C927-1758-0BEF-21E9E0D81614}"/>
-              </a:ext>
-              <a:ext uri="{C183D7F6-B498-43B3-948B-1728B52AA6E4}">
-                <adec:decorative xmlns:adec="http://schemas.microsoft.com/office/drawing/2017/decorative" val="1"/>
-              </a:ext>
-            </a:extLst>
-          </p:cNvPr>
-          <p:cNvCxnSpPr>
-            <a:cxnSpLocks noGrp="1" noRot="1" noChangeAspect="1" noMove="1" noResize="1" noEditPoints="1" noAdjustHandles="1" noChangeArrowheads="1" noChangeShapeType="1"/>
-          </p:cNvCxnSpPr>
-          <p:nvPr>
-            <p:extLst>
-              <p:ext uri="{386F3935-93C4-4BCD-93E2-E3B085C9AB24}">
-                <p16:designElem xmlns:p16="http://schemas.microsoft.com/office/powerpoint/2015/main" val="1"/>
-              </p:ext>
-            </p:extLst>
-          </p:nvPr>
-        </p:nvCxnSpPr>
-        <p:spPr>
-          <a:xfrm>
-            <a:off x="865140" y="871146"/>
-            <a:ext cx="736939" cy="0"/>
-          </a:xfrm>
-          <a:prstGeom prst="line">
-            <a:avLst/>
-          </a:prstGeom>
-          <a:ln w="57150">
-            <a:solidFill>
-              <a:schemeClr val="accent4"/>
-            </a:solidFill>
-          </a:ln>
-        </p:spPr>
-        <p:style>
-          <a:lnRef idx="1">
-            <a:schemeClr val="accent1"/>
-          </a:lnRef>
-          <a:fillRef idx="0">
-            <a:schemeClr val="accent1"/>
-          </a:fillRef>
-          <a:effectRef idx="0">
-            <a:schemeClr val="accent1"/>
-          </a:effectRef>
-          <a:fontRef idx="minor">
-            <a:schemeClr val="tx1"/>
-          </a:fontRef>
-        </p:style>
-      </p:cxnSp>
-      <p:sp>
-        <p:nvSpPr>
-          <p:cNvPr id="11" name="Oval 10">
-            <a:extLst>
-              <a:ext uri="{FF2B5EF4-FFF2-40B4-BE49-F238E27FC236}">
-                <a16:creationId xmlns:a16="http://schemas.microsoft.com/office/drawing/2014/main" id="{6C8AAE8D-11ED-6241-CDC6-5E3A8D94C662}"/>
-              </a:ext>
-            </a:extLst>
-          </p:cNvPr>
-          <p:cNvSpPr/>
-          <p:nvPr/>
-        </p:nvSpPr>
-        <p:spPr>
-          <a:xfrm>
-            <a:off x="350425" y="2659472"/>
-            <a:ext cx="2503308" cy="2345090"/>
-          </a:xfrm>
-          <a:prstGeom prst="ellipse">
-            <a:avLst/>
-          </a:prstGeom>
-        </p:spPr>
-        <p:style>
-          <a:lnRef idx="2">
-            <a:schemeClr val="accent1">
-              <a:shade val="15000"/>
-            </a:schemeClr>
-          </a:lnRef>
-          <a:fillRef idx="1">
-            <a:schemeClr val="accent1"/>
-          </a:fillRef>
-          <a:effectRef idx="0">
-            <a:schemeClr val="accent1"/>
-          </a:effectRef>
-          <a:fontRef idx="minor">
-            <a:schemeClr val="lt1"/>
-          </a:fontRef>
-        </p:style>
-        <p:txBody>
-          <a:bodyPr rtlCol="0" anchor="ctr"/>
-          <a:lstStyle/>
-          <a:p>
-            <a:pPr algn="ctr" defTabSz="621792">
-              <a:spcAft>
-                <a:spcPts val="600"/>
-              </a:spcAft>
-            </a:pPr>
-            <a:r>
-              <a:rPr lang="bg-BG" sz="1600" kern="1200" dirty="0">
-                <a:solidFill>
-                  <a:schemeClr val="bg1"/>
-                </a:solidFill>
-                <a:latin typeface="+mn-lt"/>
-                <a:ea typeface="+mn-ea"/>
-                <a:cs typeface="+mn-cs"/>
-              </a:rPr>
-              <a:t>База данни</a:t>
-            </a:r>
-            <a:endParaRPr lang="bg-BG" sz="2400" dirty="0">
-              <a:solidFill>
-                <a:schemeClr val="bg1"/>
-              </a:solidFill>
-            </a:endParaRPr>
-          </a:p>
-        </p:txBody>
-      </p:sp>
-      <p:sp>
-        <p:nvSpPr>
-          <p:cNvPr id="13" name="Oval 12">
-            <a:extLst>
-              <a:ext uri="{FF2B5EF4-FFF2-40B4-BE49-F238E27FC236}">
-                <a16:creationId xmlns:a16="http://schemas.microsoft.com/office/drawing/2014/main" id="{2B8A8AF7-7A25-9C6D-02B4-84FF90815661}"/>
-              </a:ext>
-            </a:extLst>
-          </p:cNvPr>
-          <p:cNvSpPr/>
-          <p:nvPr/>
-        </p:nvSpPr>
-        <p:spPr>
-          <a:xfrm>
-            <a:off x="4844345" y="2659472"/>
-            <a:ext cx="2503310" cy="2345090"/>
-          </a:xfrm>
-          <a:prstGeom prst="ellipse">
-            <a:avLst/>
-          </a:prstGeom>
-        </p:spPr>
-        <p:style>
-          <a:lnRef idx="2">
-            <a:schemeClr val="accent4">
-              <a:shade val="15000"/>
-            </a:schemeClr>
-          </a:lnRef>
-          <a:fillRef idx="1">
-            <a:schemeClr val="accent4"/>
-          </a:fillRef>
-          <a:effectRef idx="0">
-            <a:schemeClr val="accent4"/>
-          </a:effectRef>
-          <a:fontRef idx="minor">
-            <a:schemeClr val="lt1"/>
-          </a:fontRef>
-        </p:style>
-        <p:txBody>
-          <a:bodyPr rtlCol="0" anchor="ctr"/>
-          <a:lstStyle/>
-          <a:p>
-            <a:pPr algn="ctr" defTabSz="621792">
-              <a:spcAft>
-                <a:spcPts val="600"/>
-              </a:spcAft>
-            </a:pPr>
-            <a:r>
-              <a:rPr lang="bg-BG" sz="1600" kern="1200" dirty="0">
-                <a:solidFill>
-                  <a:schemeClr val="bg1"/>
-                </a:solidFill>
-                <a:latin typeface="+mn-lt"/>
-                <a:ea typeface="+mn-ea"/>
-                <a:cs typeface="+mn-cs"/>
-              </a:rPr>
-              <a:t>Сървърна част</a:t>
-            </a:r>
-            <a:endParaRPr lang="bg-BG" sz="2400" dirty="0">
-              <a:solidFill>
-                <a:schemeClr val="bg1"/>
-              </a:solidFill>
-            </a:endParaRPr>
-          </a:p>
-        </p:txBody>
-      </p:sp>
-      <p:sp>
-        <p:nvSpPr>
-          <p:cNvPr id="14" name="Oval 13">
-            <a:extLst>
-              <a:ext uri="{FF2B5EF4-FFF2-40B4-BE49-F238E27FC236}">
-                <a16:creationId xmlns:a16="http://schemas.microsoft.com/office/drawing/2014/main" id="{1AAE604E-710A-A15E-131A-F18BA9F756F5}"/>
-              </a:ext>
-            </a:extLst>
-          </p:cNvPr>
-          <p:cNvSpPr/>
-          <p:nvPr/>
-        </p:nvSpPr>
-        <p:spPr>
-          <a:xfrm>
-            <a:off x="9486684" y="2713897"/>
-            <a:ext cx="2503310" cy="2345090"/>
-          </a:xfrm>
-          <a:prstGeom prst="ellipse">
-            <a:avLst/>
-          </a:prstGeom>
-          <a:solidFill>
-            <a:schemeClr val="accent4">
-              <a:lumMod val="75000"/>
-            </a:schemeClr>
-          </a:solidFill>
-        </p:spPr>
-        <p:style>
-          <a:lnRef idx="2">
-            <a:schemeClr val="accent4">
-              <a:shade val="15000"/>
-            </a:schemeClr>
-          </a:lnRef>
-          <a:fillRef idx="1">
-            <a:schemeClr val="accent4"/>
-          </a:fillRef>
-          <a:effectRef idx="0">
-            <a:schemeClr val="accent4"/>
-          </a:effectRef>
-          <a:fontRef idx="minor">
-            <a:schemeClr val="lt1"/>
-          </a:fontRef>
-        </p:style>
-        <p:txBody>
-          <a:bodyPr rtlCol="0" anchor="ctr"/>
-          <a:lstStyle/>
-          <a:p>
-            <a:pPr algn="ctr" defTabSz="621792">
-              <a:spcAft>
-                <a:spcPts val="600"/>
-              </a:spcAft>
-            </a:pPr>
-            <a:r>
-              <a:rPr lang="bg-BG" sz="1600" kern="1200" dirty="0">
-                <a:solidFill>
-                  <a:schemeClr val="bg1"/>
-                </a:solidFill>
-                <a:latin typeface="+mn-lt"/>
-                <a:ea typeface="+mn-ea"/>
-                <a:cs typeface="+mn-cs"/>
-              </a:rPr>
-              <a:t>Потребителски интерфейс</a:t>
-            </a:r>
-            <a:endParaRPr lang="bg-BG" sz="2400" dirty="0">
-              <a:solidFill>
-                <a:schemeClr val="bg1"/>
-              </a:solidFill>
-            </a:endParaRPr>
-          </a:p>
-        </p:txBody>
-      </p:sp>
-      <p:sp>
-        <p:nvSpPr>
-          <p:cNvPr id="2" name="TextBox 1">
-            <a:extLst>
-              <a:ext uri="{FF2B5EF4-FFF2-40B4-BE49-F238E27FC236}">
-                <a16:creationId xmlns:a16="http://schemas.microsoft.com/office/drawing/2014/main" id="{7A5034DC-121D-9003-B739-EF196D10E6BB}"/>
-              </a:ext>
-            </a:extLst>
-          </p:cNvPr>
-          <p:cNvSpPr txBox="1"/>
-          <p:nvPr/>
-        </p:nvSpPr>
-        <p:spPr>
-          <a:xfrm>
-            <a:off x="664416" y="5511501"/>
-            <a:ext cx="2433289" cy="280718"/>
-          </a:xfrm>
-          <a:prstGeom prst="rect">
-            <a:avLst/>
-          </a:prstGeom>
-          <a:noFill/>
-        </p:spPr>
-        <p:txBody>
-          <a:bodyPr wrap="square" rtlCol="0">
-            <a:spAutoFit/>
-          </a:bodyPr>
-          <a:lstStyle/>
-          <a:p>
-            <a:pPr marL="194310" indent="-194310" defTabSz="621792">
-              <a:spcAft>
-                <a:spcPts val="600"/>
-              </a:spcAft>
-              <a:buFont typeface="Arial" panose="020B0604020202020204" pitchFamily="34" charset="0"/>
-              <a:buChar char="•"/>
-            </a:pPr>
-            <a:r>
-              <a:rPr lang="bg-BG" sz="1224" kern="1200" dirty="0">
-                <a:solidFill>
-                  <a:schemeClr val="tx1"/>
-                </a:solidFill>
-                <a:latin typeface="+mn-lt"/>
-                <a:ea typeface="+mn-ea"/>
-                <a:cs typeface="+mn-cs"/>
-              </a:rPr>
-              <a:t>Съхраняване на данни</a:t>
-            </a:r>
-            <a:endParaRPr lang="bg-BG" dirty="0"/>
-          </a:p>
-        </p:txBody>
-      </p:sp>
-      <p:sp>
-        <p:nvSpPr>
-          <p:cNvPr id="4" name="TextBox 3">
-            <a:extLst>
-              <a:ext uri="{FF2B5EF4-FFF2-40B4-BE49-F238E27FC236}">
-                <a16:creationId xmlns:a16="http://schemas.microsoft.com/office/drawing/2014/main" id="{665A69D4-D2CF-7136-F60B-7D25DB0ED1FA}"/>
-              </a:ext>
-            </a:extLst>
-          </p:cNvPr>
-          <p:cNvSpPr txBox="1"/>
-          <p:nvPr/>
-        </p:nvSpPr>
-        <p:spPr>
-          <a:xfrm>
-            <a:off x="5252327" y="5425003"/>
-            <a:ext cx="2433289" cy="734432"/>
-          </a:xfrm>
-          <a:prstGeom prst="rect">
-            <a:avLst/>
-          </a:prstGeom>
-          <a:noFill/>
-        </p:spPr>
-        <p:txBody>
-          <a:bodyPr wrap="square" rtlCol="0">
-            <a:spAutoFit/>
-          </a:bodyPr>
-          <a:lstStyle/>
-          <a:p>
-            <a:pPr marL="194310" indent="-194310" defTabSz="621792">
-              <a:spcAft>
-                <a:spcPts val="600"/>
-              </a:spcAft>
-              <a:buFont typeface="Arial" panose="020B0604020202020204" pitchFamily="34" charset="0"/>
-              <a:buChar char="•"/>
-            </a:pPr>
-            <a:r>
-              <a:rPr lang="bg-BG" sz="1224" kern="1200" dirty="0">
-                <a:solidFill>
-                  <a:schemeClr val="tx1"/>
-                </a:solidFill>
-                <a:latin typeface="+mn-lt"/>
-                <a:ea typeface="+mn-ea"/>
-                <a:cs typeface="+mn-cs"/>
-              </a:rPr>
-              <a:t>Бизнес логика</a:t>
-            </a:r>
-          </a:p>
-          <a:p>
-            <a:pPr marL="194310" indent="-194310" defTabSz="621792">
-              <a:spcAft>
-                <a:spcPts val="600"/>
-              </a:spcAft>
-              <a:buFont typeface="Arial" panose="020B0604020202020204" pitchFamily="34" charset="0"/>
-              <a:buChar char="•"/>
-            </a:pPr>
-            <a:r>
-              <a:rPr lang="bg-BG" sz="1224" kern="1200" dirty="0">
-                <a:solidFill>
-                  <a:schemeClr val="tx1"/>
-                </a:solidFill>
-                <a:latin typeface="+mn-lt"/>
-                <a:ea typeface="+mn-ea"/>
-                <a:cs typeface="+mn-cs"/>
-              </a:rPr>
-              <a:t>Мениджмънт на потребители</a:t>
-            </a:r>
-            <a:endParaRPr lang="en-IO" dirty="0"/>
-          </a:p>
-        </p:txBody>
-      </p:sp>
-      <p:sp>
-        <p:nvSpPr>
-          <p:cNvPr id="5" name="TextBox 4">
-            <a:extLst>
-              <a:ext uri="{FF2B5EF4-FFF2-40B4-BE49-F238E27FC236}">
-                <a16:creationId xmlns:a16="http://schemas.microsoft.com/office/drawing/2014/main" id="{365D5F32-0210-CCB0-5D09-85828E39EDF0}"/>
-              </a:ext>
-            </a:extLst>
-          </p:cNvPr>
-          <p:cNvSpPr txBox="1"/>
-          <p:nvPr/>
-        </p:nvSpPr>
-        <p:spPr>
-          <a:xfrm>
-            <a:off x="9595730" y="5425003"/>
-            <a:ext cx="2596270" cy="734432"/>
-          </a:xfrm>
-          <a:prstGeom prst="rect">
-            <a:avLst/>
-          </a:prstGeom>
-          <a:noFill/>
-        </p:spPr>
-        <p:txBody>
-          <a:bodyPr wrap="square" rtlCol="0">
-            <a:spAutoFit/>
-          </a:bodyPr>
-          <a:lstStyle/>
-          <a:p>
-            <a:pPr marL="194310" indent="-194310" defTabSz="621792">
-              <a:spcAft>
-                <a:spcPts val="600"/>
-              </a:spcAft>
-              <a:buFont typeface="Arial" panose="020B0604020202020204" pitchFamily="34" charset="0"/>
-              <a:buChar char="•"/>
-            </a:pPr>
-            <a:r>
-              <a:rPr lang="bg-BG" sz="1224" kern="1200" dirty="0">
-                <a:solidFill>
-                  <a:schemeClr val="tx1"/>
-                </a:solidFill>
-                <a:latin typeface="+mn-lt"/>
-                <a:ea typeface="+mn-ea"/>
-                <a:cs typeface="+mn-cs"/>
-              </a:rPr>
-              <a:t>Представяне на информация</a:t>
-            </a:r>
-          </a:p>
-          <a:p>
-            <a:pPr marL="194310" indent="-194310" defTabSz="621792">
-              <a:spcAft>
-                <a:spcPts val="600"/>
-              </a:spcAft>
-              <a:buFont typeface="Arial" panose="020B0604020202020204" pitchFamily="34" charset="0"/>
-              <a:buChar char="•"/>
-            </a:pPr>
-            <a:r>
-              <a:rPr lang="bg-BG" sz="1224" kern="1200" dirty="0">
-                <a:solidFill>
-                  <a:schemeClr val="tx1"/>
-                </a:solidFill>
-                <a:latin typeface="+mn-lt"/>
-                <a:ea typeface="+mn-ea"/>
-                <a:cs typeface="+mn-cs"/>
-              </a:rPr>
-              <a:t>Взаимодействие с потребители</a:t>
-            </a:r>
-            <a:endParaRPr lang="en-IO" dirty="0"/>
-          </a:p>
-        </p:txBody>
-      </p:sp>
-      <p:sp>
-        <p:nvSpPr>
-          <p:cNvPr id="3" name="TextBox 2">
-            <a:extLst>
-              <a:ext uri="{FF2B5EF4-FFF2-40B4-BE49-F238E27FC236}">
-                <a16:creationId xmlns:a16="http://schemas.microsoft.com/office/drawing/2014/main" id="{F86C2839-6766-4A81-AA6F-2F93970FB0C5}"/>
-              </a:ext>
-            </a:extLst>
-          </p:cNvPr>
-          <p:cNvSpPr txBox="1"/>
-          <p:nvPr/>
-        </p:nvSpPr>
-        <p:spPr>
-          <a:xfrm>
-            <a:off x="741904" y="1758554"/>
-            <a:ext cx="4711602" cy="634661"/>
-          </a:xfrm>
-          <a:prstGeom prst="rect">
-            <a:avLst/>
-          </a:prstGeom>
-          <a:noFill/>
-        </p:spPr>
-        <p:txBody>
-          <a:bodyPr wrap="square" rtlCol="0">
-            <a:spAutoFit/>
-          </a:bodyPr>
-          <a:lstStyle/>
-          <a:p>
-            <a:pPr marL="194310" indent="-194310" defTabSz="621792">
-              <a:spcAft>
-                <a:spcPts val="600"/>
-              </a:spcAft>
-              <a:buFont typeface="Arial" panose="020B0604020202020204" pitchFamily="34" charset="0"/>
-              <a:buChar char="•"/>
-            </a:pPr>
-            <a:r>
-              <a:rPr lang="bg-BG" sz="1224" kern="1200" dirty="0">
-                <a:solidFill>
-                  <a:schemeClr val="tx1"/>
-                </a:solidFill>
-                <a:latin typeface="+mn-lt"/>
-                <a:ea typeface="+mn-ea"/>
-                <a:cs typeface="+mn-cs"/>
-              </a:rPr>
-              <a:t>Клиент – Сървър</a:t>
-            </a:r>
-          </a:p>
-          <a:p>
-            <a:pPr marL="742950" lvl="1" indent="-285750">
-              <a:spcAft>
-                <a:spcPts val="600"/>
-              </a:spcAft>
-              <a:buFont typeface="Arial" panose="020B0604020202020204" pitchFamily="34" charset="0"/>
-              <a:buChar char="•"/>
-            </a:pPr>
-            <a:endParaRPr lang="en-IO" dirty="0"/>
-          </a:p>
-        </p:txBody>
-      </p:sp>
-    </p:spTree>
-    <p:extLst>
-      <p:ext uri="{BB962C8B-B14F-4D97-AF65-F5344CB8AC3E}">
-        <p14:creationId xmlns:p14="http://schemas.microsoft.com/office/powerpoint/2010/main" val="191489477"/>
-      </p:ext>
-    </p:extLst>
-  </p:cSld>
-  <p:clrMapOvr>
-    <a:masterClrMapping/>
-  </p:clrMapOvr>
-</p:sld>
-</file>
-
-<file path=ppt/slides/slide7.xml><?xml version="1.0" encoding="utf-8"?>
+<file path=ppt/slides/slide5.xml><?xml version="1.0" encoding="utf-8"?>
 <p:sld xmlns:a="http://schemas.openxmlformats.org/drawingml/2006/main" xmlns:r="http://schemas.openxmlformats.org/officeDocument/2006/relationships" xmlns:p="http://schemas.openxmlformats.org/presentationml/2006/main">
   <p:cSld>
     <p:bg>
@@ -8314,7 +9334,7 @@
           <a:lstStyle/>
           <a:p>
             <a:r>
-              <a:rPr lang="bg-BG" sz="5400" dirty="0"/>
+              <a:rPr lang="bg-BG" sz="4800" dirty="0"/>
               <a:t>Технологии</a:t>
             </a:r>
             <a:endParaRPr lang="en-IO" sz="5400" dirty="0"/>
@@ -8336,7 +9356,7 @@
         <p:spPr>
           <a:xfrm>
             <a:off x="1289303" y="1664231"/>
-            <a:ext cx="3838470" cy="369332"/>
+            <a:ext cx="3838470" cy="461665"/>
           </a:xfrm>
           <a:prstGeom prst="rect">
             <a:avLst/>
@@ -8354,10 +9374,10 @@
               <a:buChar char="•"/>
             </a:pPr>
             <a:r>
-              <a:rPr lang="en-US" dirty="0"/>
+              <a:rPr lang="en-US" sz="2400" dirty="0"/>
               <a:t>PostgreSQL</a:t>
             </a:r>
-            <a:endParaRPr lang="bg-BG" dirty="0"/>
+            <a:endParaRPr lang="bg-BG" sz="2400" dirty="0"/>
           </a:p>
         </p:txBody>
       </p:sp>
@@ -8376,7 +9396,7 @@
         <p:spPr>
           <a:xfrm>
             <a:off x="1289303" y="2591832"/>
-            <a:ext cx="3838470" cy="369332"/>
+            <a:ext cx="3838470" cy="461665"/>
           </a:xfrm>
           <a:prstGeom prst="rect">
             <a:avLst/>
@@ -8394,10 +9414,10 @@
               <a:buChar char="•"/>
             </a:pPr>
             <a:r>
-              <a:rPr lang="en-US" dirty="0"/>
+              <a:rPr lang="en-US" sz="2400" dirty="0"/>
               <a:t>ASP.NET Core</a:t>
             </a:r>
-            <a:endParaRPr lang="bg-BG" dirty="0"/>
+            <a:endParaRPr lang="bg-BG" sz="2400" dirty="0"/>
           </a:p>
         </p:txBody>
       </p:sp>
@@ -8416,7 +9436,7 @@
         <p:spPr>
           <a:xfrm>
             <a:off x="1289303" y="2125680"/>
-            <a:ext cx="3838470" cy="369332"/>
+            <a:ext cx="3838470" cy="461665"/>
           </a:xfrm>
           <a:prstGeom prst="rect">
             <a:avLst/>
@@ -8434,10 +9454,10 @@
               <a:buChar char="•"/>
             </a:pPr>
             <a:r>
-              <a:rPr lang="en-US" dirty="0"/>
+              <a:rPr lang="en-US" sz="2400" dirty="0"/>
               <a:t>Entity Framework Core</a:t>
             </a:r>
-            <a:endParaRPr lang="bg-BG" dirty="0"/>
+            <a:endParaRPr lang="bg-BG" sz="2400" dirty="0"/>
           </a:p>
         </p:txBody>
       </p:sp>
@@ -8456,7 +9476,7 @@
         <p:spPr>
           <a:xfrm>
             <a:off x="1289303" y="3048586"/>
-            <a:ext cx="3838470" cy="369332"/>
+            <a:ext cx="3838470" cy="461665"/>
           </a:xfrm>
           <a:prstGeom prst="rect">
             <a:avLst/>
@@ -8474,9 +9494,10 @@
               <a:buChar char="•"/>
             </a:pPr>
             <a:r>
-              <a:rPr lang="en-US" dirty="0"/>
+              <a:rPr lang="en-US" sz="2400" dirty="0"/>
               <a:t>Redis</a:t>
             </a:r>
+            <a:endParaRPr lang="en-US" sz="2000" dirty="0"/>
           </a:p>
         </p:txBody>
       </p:sp>
@@ -8495,7 +9516,7 @@
         <p:spPr>
           <a:xfrm>
             <a:off x="1289303" y="3510051"/>
-            <a:ext cx="3838470" cy="369332"/>
+            <a:ext cx="3838470" cy="461665"/>
           </a:xfrm>
           <a:prstGeom prst="rect">
             <a:avLst/>
@@ -8513,10 +9534,10 @@
               <a:buChar char="•"/>
             </a:pPr>
             <a:r>
-              <a:rPr lang="en-US" dirty="0"/>
+              <a:rPr lang="en-US" sz="2400" dirty="0"/>
               <a:t>Blazor</a:t>
             </a:r>
-            <a:endParaRPr lang="bg-BG" dirty="0"/>
+            <a:endParaRPr lang="bg-BG" sz="2000" dirty="0"/>
           </a:p>
         </p:txBody>
       </p:sp>
@@ -8535,7 +9556,7 @@
         <p:spPr>
           <a:xfrm>
             <a:off x="1289303" y="3971500"/>
-            <a:ext cx="3838470" cy="369332"/>
+            <a:ext cx="3838470" cy="461665"/>
           </a:xfrm>
           <a:prstGeom prst="rect">
             <a:avLst/>
@@ -8553,9 +9574,10 @@
               <a:buChar char="•"/>
             </a:pPr>
             <a:r>
-              <a:rPr lang="en-US" dirty="0"/>
+              <a:rPr lang="en-US" sz="2400" dirty="0"/>
               <a:t>MudBlazor</a:t>
             </a:r>
+            <a:endParaRPr lang="en-US" dirty="0"/>
           </a:p>
         </p:txBody>
       </p:sp>
@@ -8574,7 +9596,7 @@
         <p:spPr>
           <a:xfrm>
             <a:off x="1289303" y="4432949"/>
-            <a:ext cx="3838470" cy="369332"/>
+            <a:ext cx="3838470" cy="461665"/>
           </a:xfrm>
           <a:prstGeom prst="rect">
             <a:avLst/>
@@ -8592,10 +9614,10 @@
               <a:buChar char="•"/>
             </a:pPr>
             <a:r>
-              <a:rPr lang="en-US" dirty="0"/>
+              <a:rPr lang="en-US" sz="2400" dirty="0"/>
               <a:t>Json Web Token (JWT)</a:t>
             </a:r>
-            <a:endParaRPr lang="bg-BG" dirty="0"/>
+            <a:endParaRPr lang="bg-BG" sz="2400" dirty="0"/>
           </a:p>
         </p:txBody>
       </p:sp>
@@ -9945,7 +10967,7 @@
 </p:sld>
 </file>
 
-<file path=ppt/slides/slide8.xml><?xml version="1.0" encoding="utf-8"?>
+<file path=ppt/slides/slide6.xml><?xml version="1.0" encoding="utf-8"?>
 <p:sld xmlns:a="http://schemas.openxmlformats.org/drawingml/2006/main" xmlns:r="http://schemas.openxmlformats.org/officeDocument/2006/relationships" xmlns:p="http://schemas.openxmlformats.org/presentationml/2006/main">
   <p:cSld>
     <p:bg>
@@ -9972,10 +10994,10 @@
       </p:grpSpPr>
       <p:sp useBgFill="1">
         <p:nvSpPr>
-          <p:cNvPr id="55" name="Rectangle 54">
-            <a:extLst>
-              <a:ext uri="{FF2B5EF4-FFF2-40B4-BE49-F238E27FC236}">
-                <a16:creationId xmlns:a16="http://schemas.microsoft.com/office/drawing/2014/main" id="{4DA718D0-4865-4629-8134-44F68D41D574}"/>
+          <p:cNvPr id="21" name="Rectangle 20">
+            <a:extLst>
+              <a:ext uri="{FF2B5EF4-FFF2-40B4-BE49-F238E27FC236}">
+                <a16:creationId xmlns:a16="http://schemas.microsoft.com/office/drawing/2014/main" id="{DBC6133C-0615-4CE4-9132-37E609A9BDFA}"/>
               </a:ext>
               <a:ext uri="{C183D7F6-B498-43B3-948B-1728B52AA6E4}">
                 <adec:decorative xmlns:adec="http://schemas.microsoft.com/office/drawing/2017/decorative" val="1"/>
@@ -10030,21 +11052,57 @@
           </a:p>
         </p:txBody>
       </p:sp>
-      <p:grpSp>
-        <p:nvGrpSpPr>
-          <p:cNvPr id="57" name="Group 56">
-            <a:extLst>
-              <a:ext uri="{FF2B5EF4-FFF2-40B4-BE49-F238E27FC236}">
-                <a16:creationId xmlns:a16="http://schemas.microsoft.com/office/drawing/2014/main" id="{65167ED7-6315-43AB-B1B6-C326D5FD8F84}"/>
+      <p:sp>
+        <p:nvSpPr>
+          <p:cNvPr id="2" name="Title 1">
+            <a:extLst>
+              <a:ext uri="{FF2B5EF4-FFF2-40B4-BE49-F238E27FC236}">
+                <a16:creationId xmlns:a16="http://schemas.microsoft.com/office/drawing/2014/main" id="{80DA6841-0D44-7DEA-5DA0-372D063055D3}"/>
+              </a:ext>
+            </a:extLst>
+          </p:cNvPr>
+          <p:cNvSpPr>
+            <a:spLocks noGrp="1"/>
+          </p:cNvSpPr>
+          <p:nvPr>
+            <p:ph type="title"/>
+          </p:nvPr>
+        </p:nvSpPr>
+        <p:spPr>
+          <a:xfrm>
+            <a:off x="645064" y="525982"/>
+            <a:ext cx="4282983" cy="1200361"/>
+          </a:xfrm>
+        </p:spPr>
+        <p:txBody>
+          <a:bodyPr anchor="b">
+            <a:normAutofit/>
+          </a:bodyPr>
+          <a:lstStyle/>
+          <a:p>
+            <a:r>
+              <a:rPr lang="bg-BG" sz="4800" dirty="0"/>
+              <a:t>База данни</a:t>
+            </a:r>
+            <a:endParaRPr lang="en-IO" sz="4800" dirty="0"/>
+          </a:p>
+        </p:txBody>
+      </p:sp>
+      <p:sp>
+        <p:nvSpPr>
+          <p:cNvPr id="23" name="Rectangle 22">
+            <a:extLst>
+              <a:ext uri="{FF2B5EF4-FFF2-40B4-BE49-F238E27FC236}">
+                <a16:creationId xmlns:a16="http://schemas.microsoft.com/office/drawing/2014/main" id="{169CC832-2974-4E8D-90ED-3E2941BA7336}"/>
               </a:ext>
               <a:ext uri="{C183D7F6-B498-43B3-948B-1728B52AA6E4}">
                 <adec:decorative xmlns:adec="http://schemas.microsoft.com/office/drawing/2017/decorative" val="1"/>
               </a:ext>
             </a:extLst>
           </p:cNvPr>
-          <p:cNvGrpSpPr>
-            <a:grpSpLocks noGrp="1" noUngrp="1" noRot="1" noChangeAspect="1" noMove="1" noResize="1"/>
-          </p:cNvGrpSpPr>
+          <p:cNvSpPr>
+            <a:spLocks noGrp="1" noRot="1" noChangeAspect="1" noMove="1" noResize="1" noEditPoints="1" noAdjustHandles="1" noChangeArrowheads="1" noChangeShapeType="1" noTextEdit="1"/>
+          </p:cNvSpPr>
           <p:nvPr>
             <p:extLst>
               <p:ext uri="{386F3935-93C4-4BCD-93E2-E3B085C9AB24}">
@@ -10052,143 +11110,113 @@
               </p:ext>
             </p:extLst>
           </p:nvPr>
-        </p:nvGrpSpPr>
-        <p:grpSpPr>
-          <a:xfrm rot="5400000">
-            <a:off x="-2340441" y="2666183"/>
-            <a:ext cx="5860051" cy="527712"/>
-            <a:chOff x="6081624" y="1998368"/>
-            <a:chExt cx="5613457" cy="782175"/>
+        </p:nvSpPr>
+        <p:spPr>
+          <a:xfrm flipH="1">
+            <a:off x="616533" y="1944913"/>
+            <a:ext cx="4023360" cy="27432"/>
           </a:xfrm>
+          <a:prstGeom prst="rect">
+            <a:avLst/>
+          </a:prstGeom>
           <a:solidFill>
             <a:schemeClr val="accent4"/>
           </a:solidFill>
-        </p:grpSpPr>
-        <p:sp>
-          <p:nvSpPr>
-            <p:cNvPr id="58" name="Rectangle 57">
-              <a:extLst>
-                <a:ext uri="{FF2B5EF4-FFF2-40B4-BE49-F238E27FC236}">
-                  <a16:creationId xmlns:a16="http://schemas.microsoft.com/office/drawing/2014/main" id="{EF4D8839-FB03-487D-ACC8-8BFEDD4FEBAE}"/>
-                </a:ext>
-                <a:ext uri="{C183D7F6-B498-43B3-948B-1728B52AA6E4}">
-                  <adec:decorative xmlns:adec="http://schemas.microsoft.com/office/drawing/2017/decorative" val="1"/>
-                </a:ext>
-              </a:extLst>
-            </p:cNvPr>
-            <p:cNvSpPr/>
-            <p:nvPr>
-              <p:extLst>
-                <p:ext uri="{386F3935-93C4-4BCD-93E2-E3B085C9AB24}">
-                  <p16:designElem xmlns:p16="http://schemas.microsoft.com/office/powerpoint/2015/main" val="1"/>
-                </p:ext>
-              </p:extLst>
-            </p:nvPr>
-          </p:nvSpPr>
-          <p:spPr>
-            <a:xfrm rot="5400000">
-              <a:off x="11228040" y="2313027"/>
-              <a:ext cx="781700" cy="152382"/>
-            </a:xfrm>
-            <a:prstGeom prst="rect">
-              <a:avLst/>
-            </a:prstGeom>
-            <a:grpFill/>
-            <a:ln>
-              <a:noFill/>
-            </a:ln>
-          </p:spPr>
-          <p:style>
-            <a:lnRef idx="2">
-              <a:schemeClr val="accent1">
-                <a:shade val="50000"/>
-              </a:schemeClr>
-            </a:lnRef>
-            <a:fillRef idx="1">
-              <a:schemeClr val="accent1"/>
-            </a:fillRef>
-            <a:effectRef idx="0">
-              <a:schemeClr val="accent1"/>
-            </a:effectRef>
-            <a:fontRef idx="minor">
-              <a:schemeClr val="lt1"/>
-            </a:fontRef>
-          </p:style>
-          <p:txBody>
-            <a:bodyPr rtlCol="0" anchor="ctr"/>
-            <a:lstStyle/>
-            <a:p>
-              <a:pPr algn="ctr"/>
-              <a:endParaRPr lang="en-US"/>
-            </a:p>
-          </p:txBody>
-        </p:sp>
-        <p:sp>
-          <p:nvSpPr>
-            <p:cNvPr id="59" name="Rectangle 58">
-              <a:extLst>
-                <a:ext uri="{FF2B5EF4-FFF2-40B4-BE49-F238E27FC236}">
-                  <a16:creationId xmlns:a16="http://schemas.microsoft.com/office/drawing/2014/main" id="{0EF75023-9A3B-42FC-B704-61A8F7BEF415}"/>
-                </a:ext>
-                <a:ext uri="{C183D7F6-B498-43B3-948B-1728B52AA6E4}">
-                  <adec:decorative xmlns:adec="http://schemas.microsoft.com/office/drawing/2017/decorative" val="1"/>
-                </a:ext>
-              </a:extLst>
-            </p:cNvPr>
-            <p:cNvSpPr/>
-            <p:nvPr>
-              <p:extLst>
-                <p:ext uri="{386F3935-93C4-4BCD-93E2-E3B085C9AB24}">
-                  <p16:designElem xmlns:p16="http://schemas.microsoft.com/office/powerpoint/2015/main" val="1"/>
-                </p:ext>
-              </p:extLst>
-            </p:nvPr>
-          </p:nvSpPr>
-          <p:spPr>
-            <a:xfrm flipH="1" flipV="1">
-              <a:off x="6081624" y="1998844"/>
-              <a:ext cx="5372968" cy="781699"/>
-            </a:xfrm>
-            <a:prstGeom prst="rect">
-              <a:avLst/>
-            </a:prstGeom>
-            <a:grpFill/>
-            <a:ln>
-              <a:noFill/>
-            </a:ln>
-          </p:spPr>
-          <p:style>
-            <a:lnRef idx="2">
-              <a:schemeClr val="accent1">
-                <a:shade val="50000"/>
-              </a:schemeClr>
-            </a:lnRef>
-            <a:fillRef idx="1">
-              <a:schemeClr val="accent1"/>
-            </a:fillRef>
-            <a:effectRef idx="0">
-              <a:schemeClr val="accent1"/>
-            </a:effectRef>
-            <a:fontRef idx="minor">
-              <a:schemeClr val="lt1"/>
-            </a:fontRef>
-          </p:style>
-          <p:txBody>
-            <a:bodyPr rtlCol="0" anchor="ctr"/>
-            <a:lstStyle/>
-            <a:p>
-              <a:pPr algn="ctr"/>
-              <a:endParaRPr lang="en-US"/>
-            </a:p>
-          </p:txBody>
-        </p:sp>
-      </p:grpSp>
+          <a:ln>
+            <a:noFill/>
+          </a:ln>
+        </p:spPr>
+        <p:style>
+          <a:lnRef idx="2">
+            <a:schemeClr val="accent1">
+              <a:shade val="50000"/>
+            </a:schemeClr>
+          </a:lnRef>
+          <a:fillRef idx="1">
+            <a:schemeClr val="accent1"/>
+          </a:fillRef>
+          <a:effectRef idx="0">
+            <a:schemeClr val="accent1"/>
+          </a:effectRef>
+          <a:fontRef idx="minor">
+            <a:schemeClr val="lt1"/>
+          </a:fontRef>
+        </p:style>
+        <p:txBody>
+          <a:bodyPr rtlCol="0" anchor="ctr"/>
+          <a:lstStyle/>
+          <a:p>
+            <a:pPr algn="ctr"/>
+            <a:endParaRPr lang="en-US"/>
+          </a:p>
+        </p:txBody>
+      </p:sp>
       <p:sp>
         <p:nvSpPr>
-          <p:cNvPr id="61" name="Rectangle 60">
-            <a:extLst>
-              <a:ext uri="{FF2B5EF4-FFF2-40B4-BE49-F238E27FC236}">
-                <a16:creationId xmlns:a16="http://schemas.microsoft.com/office/drawing/2014/main" id="{CBC4F608-B4B8-48C3-9572-C0F061B1CD99}"/>
+          <p:cNvPr id="3" name="Content Placeholder 2">
+            <a:extLst>
+              <a:ext uri="{FF2B5EF4-FFF2-40B4-BE49-F238E27FC236}">
+                <a16:creationId xmlns:a16="http://schemas.microsoft.com/office/drawing/2014/main" id="{E6098A3C-1F4A-3736-F555-C414E4510533}"/>
+              </a:ext>
+            </a:extLst>
+          </p:cNvPr>
+          <p:cNvSpPr>
+            <a:spLocks noGrp="1"/>
+          </p:cNvSpPr>
+          <p:nvPr>
+            <p:ph idx="1"/>
+          </p:nvPr>
+        </p:nvSpPr>
+        <p:spPr>
+          <a:xfrm>
+            <a:off x="645066" y="2031101"/>
+            <a:ext cx="4282984" cy="3511943"/>
+          </a:xfrm>
+        </p:spPr>
+        <p:txBody>
+          <a:bodyPr anchor="ctr">
+            <a:normAutofit/>
+          </a:bodyPr>
+          <a:lstStyle/>
+          <a:p>
+            <a:r>
+              <a:rPr lang="bg-BG" sz="2400" dirty="0"/>
+              <a:t>Релационна база данни</a:t>
+            </a:r>
+          </a:p>
+          <a:p>
+            <a:r>
+              <a:rPr lang="bg-BG" sz="2400" dirty="0"/>
+              <a:t>4 основни таблици</a:t>
+            </a:r>
+          </a:p>
+          <a:p>
+            <a:r>
+              <a:rPr lang="en-US" sz="2400" dirty="0"/>
+              <a:t>Entity Framework Core</a:t>
+            </a:r>
+            <a:endParaRPr lang="bg-BG" sz="2400" dirty="0"/>
+          </a:p>
+          <a:p>
+            <a:r>
+              <a:rPr lang="en-US" sz="2400" dirty="0"/>
+              <a:t>Code first</a:t>
+            </a:r>
+          </a:p>
+          <a:p>
+            <a:endParaRPr lang="bg-BG" sz="1800" dirty="0"/>
+          </a:p>
+          <a:p>
+            <a:endParaRPr lang="en-IO" sz="1800" dirty="0"/>
+          </a:p>
+        </p:txBody>
+      </p:sp>
+      <p:sp>
+        <p:nvSpPr>
+          <p:cNvPr id="18" name="Rectangle 17">
+            <a:extLst>
+              <a:ext uri="{FF2B5EF4-FFF2-40B4-BE49-F238E27FC236}">
+                <a16:creationId xmlns:a16="http://schemas.microsoft.com/office/drawing/2014/main" id="{55222F96-971A-4F90-B841-6BAB416C7AC1}"/>
               </a:ext>
               <a:ext uri="{C183D7F6-B498-43B3-948B-1728B52AA6E4}">
                 <adec:decorative xmlns:adec="http://schemas.microsoft.com/office/drawing/2017/decorative" val="1"/>
@@ -10207,9 +11235,135 @@
           </p:nvPr>
         </p:nvSpPr>
         <p:spPr>
+          <a:xfrm rot="5400000">
+            <a:off x="-225843" y="6053360"/>
+            <a:ext cx="740664" cy="154124"/>
+          </a:xfrm>
+          <a:prstGeom prst="rect">
+            <a:avLst/>
+          </a:prstGeom>
+          <a:solidFill>
+            <a:schemeClr val="accent4"/>
+          </a:solidFill>
+          <a:ln>
+            <a:noFill/>
+          </a:ln>
+        </p:spPr>
+        <p:style>
+          <a:lnRef idx="2">
+            <a:schemeClr val="accent1">
+              <a:shade val="50000"/>
+            </a:schemeClr>
+          </a:lnRef>
+          <a:fillRef idx="1">
+            <a:schemeClr val="accent1"/>
+          </a:fillRef>
+          <a:effectRef idx="0">
+            <a:schemeClr val="accent1"/>
+          </a:effectRef>
+          <a:fontRef idx="minor">
+            <a:schemeClr val="lt1"/>
+          </a:fontRef>
+        </p:style>
+        <p:txBody>
+          <a:bodyPr rtlCol="0" anchor="ctr"/>
+          <a:lstStyle/>
+          <a:p>
+            <a:pPr algn="ctr"/>
+            <a:endParaRPr lang="en-US"/>
+          </a:p>
+        </p:txBody>
+      </p:sp>
+      <p:sp>
+        <p:nvSpPr>
+          <p:cNvPr id="27" name="Rectangle 26">
+            <a:extLst>
+              <a:ext uri="{FF2B5EF4-FFF2-40B4-BE49-F238E27FC236}">
+                <a16:creationId xmlns:a16="http://schemas.microsoft.com/office/drawing/2014/main" id="{08980754-6F4B-43C9-B9BE-127B6BED6586}"/>
+              </a:ext>
+              <a:ext uri="{C183D7F6-B498-43B3-948B-1728B52AA6E4}">
+                <adec:decorative xmlns:adec="http://schemas.microsoft.com/office/drawing/2017/decorative" val="1"/>
+              </a:ext>
+            </a:extLst>
+          </p:cNvPr>
+          <p:cNvSpPr>
+            <a:spLocks noGrp="1" noRot="1" noChangeAspect="1" noMove="1" noResize="1" noEditPoints="1" noAdjustHandles="1" noChangeArrowheads="1" noChangeShapeType="1" noTextEdit="1"/>
+          </p:cNvSpPr>
+          <p:nvPr>
+            <p:extLst>
+              <p:ext uri="{386F3935-93C4-4BCD-93E2-E3B085C9AB24}">
+                <p16:designElem xmlns:p16="http://schemas.microsoft.com/office/powerpoint/2015/main" val="1"/>
+              </p:ext>
+            </p:extLst>
+          </p:nvPr>
+        </p:nvSpPr>
+        <p:spPr>
+          <a:xfrm rot="5400000">
+            <a:off x="5904923" y="215201"/>
+            <a:ext cx="740664" cy="11833491"/>
+          </a:xfrm>
+          <a:prstGeom prst="rect">
+            <a:avLst/>
+          </a:prstGeom>
+          <a:solidFill>
+            <a:schemeClr val="accent4"/>
+          </a:solidFill>
+          <a:ln>
+            <a:noFill/>
+          </a:ln>
+        </p:spPr>
+        <p:style>
+          <a:lnRef idx="2">
+            <a:schemeClr val="accent1">
+              <a:shade val="50000"/>
+            </a:schemeClr>
+          </a:lnRef>
+          <a:fillRef idx="1">
+            <a:schemeClr val="accent1"/>
+          </a:fillRef>
+          <a:effectRef idx="0">
+            <a:schemeClr val="accent1"/>
+          </a:effectRef>
+          <a:fontRef idx="minor">
+            <a:schemeClr val="lt1"/>
+          </a:fontRef>
+        </p:style>
+        <p:txBody>
+          <a:bodyPr rtlCol="0" anchor="ctr"/>
+          <a:lstStyle/>
+          <a:p>
+            <a:pPr algn="ctr"/>
+            <a:endParaRPr lang="en-US"/>
+          </a:p>
+        </p:txBody>
+      </p:sp>
+      <p:sp>
+        <p:nvSpPr>
+          <p:cNvPr id="29" name="Rectangle 28">
+            <a:extLst>
+              <a:ext uri="{FF2B5EF4-FFF2-40B4-BE49-F238E27FC236}">
+                <a16:creationId xmlns:a16="http://schemas.microsoft.com/office/drawing/2014/main" id="{2C1BBA94-3F40-40AA-8BB9-E69E25E537C1}"/>
+              </a:ext>
+              <a:ext uri="{C183D7F6-B498-43B3-948B-1728B52AA6E4}">
+                <adec:decorative xmlns:adec="http://schemas.microsoft.com/office/drawing/2017/decorative" val="1"/>
+              </a:ext>
+            </a:extLst>
+          </p:cNvPr>
+          <p:cNvSpPr>
+            <a:spLocks noGrp="1" noRot="1" noChangeAspect="1" noMove="1" noResize="1" noEditPoints="1" noAdjustHandles="1" noChangeArrowheads="1" noChangeShapeType="1" noTextEdit="1"/>
+          </p:cNvSpPr>
+          <p:nvPr>
+            <p:extLst>
+              <p:ext uri="{386F3935-93C4-4BCD-93E2-E3B085C9AB24}">
+                <p16:designElem xmlns:p16="http://schemas.microsoft.com/office/powerpoint/2015/main" val="1"/>
+              </p:ext>
+            </p:extLst>
+          </p:nvPr>
+        </p:nvSpPr>
+        <p:spPr>
           <a:xfrm>
-            <a:off x="579528" y="922919"/>
-            <a:ext cx="11111729" cy="5461252"/>
+            <a:off x="5696793" y="354959"/>
+            <a:ext cx="6184973" cy="5915212"/>
           </a:xfrm>
           <a:prstGeom prst="rect">
             <a:avLst/>
@@ -10253,74 +11407,40 @@
           </a:p>
         </p:txBody>
       </p:sp>
-      <p:sp>
-        <p:nvSpPr>
-          <p:cNvPr id="11" name="Title 10">
-            <a:extLst>
-              <a:ext uri="{FF2B5EF4-FFF2-40B4-BE49-F238E27FC236}">
-                <a16:creationId xmlns:a16="http://schemas.microsoft.com/office/drawing/2014/main" id="{671313CD-A1CF-1694-273E-5DFE2FD45511}"/>
-              </a:ext>
-            </a:extLst>
-          </p:cNvPr>
-          <p:cNvSpPr>
-            <a:spLocks noGrp="1"/>
-          </p:cNvSpPr>
-          <p:nvPr>
-            <p:ph type="title"/>
-          </p:nvPr>
-        </p:nvSpPr>
+      <p:pic>
+        <p:nvPicPr>
+          <p:cNvPr id="13" name="Picture 12">
+            <a:extLst>
+              <a:ext uri="{FF2B5EF4-FFF2-40B4-BE49-F238E27FC236}">
+                <a16:creationId xmlns:a16="http://schemas.microsoft.com/office/drawing/2014/main" id="{3F22F0C8-9886-A640-E652-2169A1933307}"/>
+              </a:ext>
+            </a:extLst>
+          </p:cNvPr>
+          <p:cNvPicPr>
+            <a:picLocks noChangeAspect="1"/>
+          </p:cNvPicPr>
+          <p:nvPr/>
+        </p:nvPicPr>
+        <p:blipFill>
+          <a:blip r:embed="rId2"/>
+          <a:stretch>
+            <a:fillRect/>
+          </a:stretch>
+        </p:blipFill>
         <p:spPr>
           <a:xfrm>
-            <a:off x="1282963" y="1238080"/>
-            <a:ext cx="9849751" cy="1349671"/>
+            <a:off x="5984947" y="109183"/>
+            <a:ext cx="5314614" cy="6160988"/>
           </a:xfrm>
+          <a:prstGeom prst="rect">
+            <a:avLst/>
+          </a:prstGeom>
         </p:spPr>
-        <p:txBody>
-          <a:bodyPr anchor="b">
-            <a:normAutofit/>
-          </a:bodyPr>
-          <a:lstStyle/>
-          <a:p>
-            <a:endParaRPr lang="en-IO" sz="5400"/>
-          </a:p>
-        </p:txBody>
-      </p:sp>
-      <p:sp>
-        <p:nvSpPr>
-          <p:cNvPr id="12" name="Content Placeholder 11">
-            <a:extLst>
-              <a:ext uri="{FF2B5EF4-FFF2-40B4-BE49-F238E27FC236}">
-                <a16:creationId xmlns:a16="http://schemas.microsoft.com/office/drawing/2014/main" id="{0287A451-0F2F-AEC7-81F4-2B44ACDF319D}"/>
-              </a:ext>
-            </a:extLst>
-          </p:cNvPr>
-          <p:cNvSpPr>
-            <a:spLocks noGrp="1"/>
-          </p:cNvSpPr>
-          <p:nvPr>
-            <p:ph idx="1"/>
-          </p:nvPr>
-        </p:nvSpPr>
-        <p:spPr>
-          <a:xfrm>
-            <a:off x="1289304" y="2902913"/>
-            <a:ext cx="9849751" cy="3032168"/>
-          </a:xfrm>
-        </p:spPr>
-        <p:txBody>
-          <a:bodyPr anchor="ctr">
-            <a:normAutofit/>
-          </a:bodyPr>
-          <a:lstStyle/>
-          <a:p>
-            <a:endParaRPr lang="en-IO" sz="2000" dirty="0"/>
-          </a:p>
-        </p:txBody>
-      </p:sp>
+      </p:pic>
     </p:spTree>
     <p:extLst>
       <p:ext uri="{BB962C8B-B14F-4D97-AF65-F5344CB8AC3E}">
-        <p14:creationId xmlns:p14="http://schemas.microsoft.com/office/powerpoint/2010/main" val="1246143453"/>
+        <p14:creationId xmlns:p14="http://schemas.microsoft.com/office/powerpoint/2010/main" val="2832095326"/>
       </p:ext>
     </p:extLst>
   </p:cSld>
@@ -10330,7 +11450,7 @@
 </p:sld>
 </file>
 
-<file path=ppt/slides/slide9.xml><?xml version="1.0" encoding="utf-8"?>
+<file path=ppt/slides/slide7.xml><?xml version="1.0" encoding="utf-8"?>
 <p:sld xmlns:a="http://schemas.openxmlformats.org/drawingml/2006/main" xmlns:r="http://schemas.openxmlformats.org/officeDocument/2006/relationships" xmlns:p="http://schemas.openxmlformats.org/presentationml/2006/main">
   <p:cSld>
     <p:bg>
@@ -10725,39 +11845,11 @@
           </a:bodyPr>
           <a:lstStyle/>
           <a:p>
-            <a:endParaRPr lang="en-IO" sz="4800"/>
-          </a:p>
-        </p:txBody>
-      </p:sp>
-      <p:sp>
-        <p:nvSpPr>
-          <p:cNvPr id="12" name="Content Placeholder 11">
-            <a:extLst>
-              <a:ext uri="{FF2B5EF4-FFF2-40B4-BE49-F238E27FC236}">
-                <a16:creationId xmlns:a16="http://schemas.microsoft.com/office/drawing/2014/main" id="{0287A451-0F2F-AEC7-81F4-2B44ACDF319D}"/>
-              </a:ext>
-            </a:extLst>
-          </p:cNvPr>
-          <p:cNvSpPr>
-            <a:spLocks noGrp="1"/>
-          </p:cNvSpPr>
-          <p:nvPr>
-            <p:ph idx="1"/>
-          </p:nvPr>
-        </p:nvSpPr>
-        <p:spPr>
-          <a:xfrm>
-            <a:off x="1045028" y="3017522"/>
-            <a:ext cx="9941319" cy="3124658"/>
-          </a:xfrm>
-        </p:spPr>
-        <p:txBody>
-          <a:bodyPr anchor="ctr">
-            <a:normAutofit/>
-          </a:bodyPr>
-          <a:lstStyle/>
-          <a:p>
-            <a:endParaRPr lang="en-IO" sz="2400"/>
+            <a:r>
+              <a:rPr lang="bg-BG" sz="4800" dirty="0"/>
+              <a:t>Сървърна част</a:t>
+            </a:r>
+            <a:endParaRPr lang="en-IO" sz="4800" dirty="0"/>
           </a:p>
         </p:txBody>
       </p:sp>
@@ -10813,10 +11905,1178 @@
           </a:fontRef>
         </p:style>
       </p:cxnSp>
+      <p:pic>
+        <p:nvPicPr>
+          <p:cNvPr id="6" name="Content Placeholder 5">
+            <a:extLst>
+              <a:ext uri="{FF2B5EF4-FFF2-40B4-BE49-F238E27FC236}">
+                <a16:creationId xmlns:a16="http://schemas.microsoft.com/office/drawing/2014/main" id="{C61F8722-F018-367A-02D2-C79CC4305DD1}"/>
+              </a:ext>
+            </a:extLst>
+          </p:cNvPr>
+          <p:cNvPicPr>
+            <a:picLocks noGrp="1" noChangeAspect="1"/>
+          </p:cNvPicPr>
+          <p:nvPr>
+            <p:ph idx="1"/>
+          </p:nvPr>
+        </p:nvPicPr>
+        <p:blipFill>
+          <a:blip r:embed="rId2"/>
+          <a:stretch>
+            <a:fillRect/>
+          </a:stretch>
+        </p:blipFill>
+        <p:spPr>
+          <a:xfrm>
+            <a:off x="-137348" y="2967021"/>
+            <a:ext cx="12462340" cy="2470126"/>
+          </a:xfrm>
+        </p:spPr>
+      </p:pic>
     </p:spTree>
     <p:extLst>
       <p:ext uri="{BB962C8B-B14F-4D97-AF65-F5344CB8AC3E}">
-        <p14:creationId xmlns:p14="http://schemas.microsoft.com/office/powerpoint/2010/main" val="2200402494"/>
+        <p14:creationId xmlns:p14="http://schemas.microsoft.com/office/powerpoint/2010/main" val="3338212161"/>
+      </p:ext>
+    </p:extLst>
+  </p:cSld>
+  <p:clrMapOvr>
+    <a:masterClrMapping/>
+  </p:clrMapOvr>
+</p:sld>
+</file>
+
+<file path=ppt/slides/slide8.xml><?xml version="1.0" encoding="utf-8"?>
+<p:sld xmlns:a="http://schemas.openxmlformats.org/drawingml/2006/main" xmlns:r="http://schemas.openxmlformats.org/officeDocument/2006/relationships" xmlns:p="http://schemas.openxmlformats.org/presentationml/2006/main">
+  <p:cSld>
+    <p:bg>
+      <p:bgPr>
+        <a:solidFill>
+          <a:schemeClr val="bg1"/>
+        </a:solidFill>
+        <a:effectLst/>
+      </p:bgPr>
+    </p:bg>
+    <p:spTree>
+      <p:nvGrpSpPr>
+        <p:cNvPr id="1" name=""/>
+        <p:cNvGrpSpPr/>
+        <p:nvPr/>
+      </p:nvGrpSpPr>
+      <p:grpSpPr>
+        <a:xfrm>
+          <a:off x="0" y="0"/>
+          <a:ext cx="0" cy="0"/>
+          <a:chOff x="0" y="0"/>
+          <a:chExt cx="0" cy="0"/>
+        </a:xfrm>
+      </p:grpSpPr>
+      <p:sp useBgFill="1">
+        <p:nvSpPr>
+          <p:cNvPr id="8" name="Rectangle 7">
+            <a:extLst>
+              <a:ext uri="{FF2B5EF4-FFF2-40B4-BE49-F238E27FC236}">
+                <a16:creationId xmlns:a16="http://schemas.microsoft.com/office/drawing/2014/main" id="{8B9AA7C6-5E5A-498E-A6DF-A943376E09BC}"/>
+              </a:ext>
+              <a:ext uri="{C183D7F6-B498-43B3-948B-1728B52AA6E4}">
+                <adec:decorative xmlns:adec="http://schemas.microsoft.com/office/drawing/2017/decorative" val="1"/>
+              </a:ext>
+            </a:extLst>
+          </p:cNvPr>
+          <p:cNvSpPr>
+            <a:spLocks noGrp="1" noRot="1" noChangeAspect="1" noMove="1" noResize="1" noEditPoints="1" noAdjustHandles="1" noChangeArrowheads="1" noChangeShapeType="1" noTextEdit="1"/>
+          </p:cNvSpPr>
+          <p:nvPr>
+            <p:extLst>
+              <p:ext uri="{386F3935-93C4-4BCD-93E2-E3B085C9AB24}">
+                <p16:designElem xmlns:p16="http://schemas.microsoft.com/office/powerpoint/2015/main" val="1"/>
+              </p:ext>
+            </p:extLst>
+          </p:nvPr>
+        </p:nvSpPr>
+        <p:spPr>
+          <a:xfrm>
+            <a:off x="0" y="0"/>
+            <a:ext cx="12191999" cy="6857365"/>
+          </a:xfrm>
+          <a:prstGeom prst="rect">
+            <a:avLst/>
+          </a:prstGeom>
+          <a:ln>
+            <a:noFill/>
+          </a:ln>
+        </p:spPr>
+        <p:style>
+          <a:lnRef idx="2">
+            <a:schemeClr val="accent1">
+              <a:shade val="50000"/>
+            </a:schemeClr>
+          </a:lnRef>
+          <a:fillRef idx="1">
+            <a:schemeClr val="accent1"/>
+          </a:fillRef>
+          <a:effectRef idx="0">
+            <a:schemeClr val="accent1"/>
+          </a:effectRef>
+          <a:fontRef idx="minor">
+            <a:schemeClr val="lt1"/>
+          </a:fontRef>
+        </p:style>
+        <p:txBody>
+          <a:bodyPr rtlCol="0" anchor="ctr"/>
+          <a:lstStyle/>
+          <a:p>
+            <a:pPr algn="ctr"/>
+            <a:endParaRPr lang="en-US"/>
+          </a:p>
+        </p:txBody>
+      </p:sp>
+      <p:grpSp>
+        <p:nvGrpSpPr>
+          <p:cNvPr id="10" name="Group 9">
+            <a:extLst>
+              <a:ext uri="{FF2B5EF4-FFF2-40B4-BE49-F238E27FC236}">
+                <a16:creationId xmlns:a16="http://schemas.microsoft.com/office/drawing/2014/main" id="{83EAB11A-76F7-48F4-9B4F-5BFDF4BF9670}"/>
+              </a:ext>
+              <a:ext uri="{C183D7F6-B498-43B3-948B-1728B52AA6E4}">
+                <adec:decorative xmlns:adec="http://schemas.microsoft.com/office/drawing/2017/decorative" val="1"/>
+              </a:ext>
+            </a:extLst>
+          </p:cNvPr>
+          <p:cNvGrpSpPr>
+            <a:grpSpLocks noGrp="1" noUngrp="1" noRot="1" noChangeAspect="1" noMove="1" noResize="1"/>
+          </p:cNvGrpSpPr>
+          <p:nvPr>
+            <p:extLst>
+              <p:ext uri="{386F3935-93C4-4BCD-93E2-E3B085C9AB24}">
+                <p16:designElem xmlns:p16="http://schemas.microsoft.com/office/powerpoint/2015/main" val="1"/>
+              </p:ext>
+            </p:extLst>
+          </p:nvPr>
+        </p:nvGrpSpPr>
+        <p:grpSpPr>
+          <a:xfrm>
+            <a:off x="74300" y="2385102"/>
+            <a:ext cx="574091" cy="2087796"/>
+            <a:chOff x="209668" y="2857422"/>
+            <a:chExt cx="463662" cy="2087796"/>
+          </a:xfrm>
+        </p:grpSpPr>
+        <p:sp>
+          <p:nvSpPr>
+            <p:cNvPr id="11" name="Rectangle 10">
+              <a:extLst>
+                <a:ext uri="{FF2B5EF4-FFF2-40B4-BE49-F238E27FC236}">
+                  <a16:creationId xmlns:a16="http://schemas.microsoft.com/office/drawing/2014/main" id="{74D4C416-D5F4-4F6F-A6F1-87A21CD4FCAF}"/>
+                </a:ext>
+                <a:ext uri="{C183D7F6-B498-43B3-948B-1728B52AA6E4}">
+                  <adec:decorative xmlns:adec="http://schemas.microsoft.com/office/drawing/2017/decorative" val="1"/>
+                </a:ext>
+              </a:extLst>
+            </p:cNvPr>
+            <p:cNvSpPr/>
+            <p:nvPr>
+              <p:extLst>
+                <p:ext uri="{386F3935-93C4-4BCD-93E2-E3B085C9AB24}">
+                  <p16:designElem xmlns:p16="http://schemas.microsoft.com/office/powerpoint/2015/main" val="1"/>
+                </p:ext>
+              </p:extLst>
+            </p:nvPr>
+          </p:nvSpPr>
+          <p:spPr>
+            <a:xfrm flipH="1" flipV="1">
+              <a:off x="423947" y="2857422"/>
+              <a:ext cx="249383" cy="2087795"/>
+            </a:xfrm>
+            <a:prstGeom prst="rect">
+              <a:avLst/>
+            </a:prstGeom>
+            <a:solidFill>
+              <a:schemeClr val="accent4"/>
+            </a:solidFill>
+            <a:ln>
+              <a:noFill/>
+            </a:ln>
+          </p:spPr>
+          <p:style>
+            <a:lnRef idx="2">
+              <a:schemeClr val="accent1">
+                <a:shade val="50000"/>
+              </a:schemeClr>
+            </a:lnRef>
+            <a:fillRef idx="1">
+              <a:schemeClr val="accent1"/>
+            </a:fillRef>
+            <a:effectRef idx="0">
+              <a:schemeClr val="accent1"/>
+            </a:effectRef>
+            <a:fontRef idx="minor">
+              <a:schemeClr val="lt1"/>
+            </a:fontRef>
+          </p:style>
+          <p:txBody>
+            <a:bodyPr rtlCol="0" anchor="ctr"/>
+            <a:lstStyle/>
+            <a:p>
+              <a:pPr algn="ctr"/>
+              <a:endParaRPr lang="en-US"/>
+            </a:p>
+          </p:txBody>
+        </p:sp>
+        <p:cxnSp>
+          <p:nvCxnSpPr>
+            <p:cNvPr id="12" name="Straight Connector 11">
+              <a:extLst>
+                <a:ext uri="{FF2B5EF4-FFF2-40B4-BE49-F238E27FC236}">
+                  <a16:creationId xmlns:a16="http://schemas.microsoft.com/office/drawing/2014/main" id="{C6AC1C30-21C6-4BF6-93EE-B211D7A85011}"/>
+                </a:ext>
+                <a:ext uri="{C183D7F6-B498-43B3-948B-1728B52AA6E4}">
+                  <adec:decorative xmlns:adec="http://schemas.microsoft.com/office/drawing/2017/decorative" val="1"/>
+                </a:ext>
+              </a:extLst>
+            </p:cNvPr>
+            <p:cNvCxnSpPr>
+              <a:cxnSpLocks/>
+            </p:cNvCxnSpPr>
+            <p:nvPr>
+              <p:extLst>
+                <p:ext uri="{386F3935-93C4-4BCD-93E2-E3B085C9AB24}">
+                  <p16:designElem xmlns:p16="http://schemas.microsoft.com/office/powerpoint/2015/main" val="1"/>
+                </p:ext>
+              </p:extLst>
+            </p:nvPr>
+          </p:nvCxnSpPr>
+          <p:spPr>
+            <a:xfrm flipH="1">
+              <a:off x="209668" y="2857423"/>
+              <a:ext cx="1" cy="2087795"/>
+            </a:xfrm>
+            <a:prstGeom prst="line">
+              <a:avLst/>
+            </a:prstGeom>
+            <a:ln w="177800">
+              <a:solidFill>
+                <a:schemeClr val="accent4"/>
+              </a:solidFill>
+            </a:ln>
+          </p:spPr>
+          <p:style>
+            <a:lnRef idx="1">
+              <a:schemeClr val="accent1"/>
+            </a:lnRef>
+            <a:fillRef idx="0">
+              <a:schemeClr val="accent1"/>
+            </a:fillRef>
+            <a:effectRef idx="0">
+              <a:schemeClr val="accent1"/>
+            </a:effectRef>
+            <a:fontRef idx="minor">
+              <a:schemeClr val="tx1"/>
+            </a:fontRef>
+          </p:style>
+        </p:cxnSp>
+      </p:grpSp>
+      <p:sp>
+        <p:nvSpPr>
+          <p:cNvPr id="14" name="Rectangle 13">
+            <a:extLst>
+              <a:ext uri="{FF2B5EF4-FFF2-40B4-BE49-F238E27FC236}">
+                <a16:creationId xmlns:a16="http://schemas.microsoft.com/office/drawing/2014/main" id="{81E140AE-0ABF-47C8-BF32-7D2F0CF2BA44}"/>
+              </a:ext>
+              <a:ext uri="{C183D7F6-B498-43B3-948B-1728B52AA6E4}">
+                <adec:decorative xmlns:adec="http://schemas.microsoft.com/office/drawing/2017/decorative" val="1"/>
+              </a:ext>
+            </a:extLst>
+          </p:cNvPr>
+          <p:cNvSpPr>
+            <a:spLocks noGrp="1" noRot="1" noChangeAspect="1" noMove="1" noResize="1" noEditPoints="1" noAdjustHandles="1" noChangeArrowheads="1" noChangeShapeType="1" noTextEdit="1"/>
+          </p:cNvSpPr>
+          <p:nvPr>
+            <p:extLst>
+              <p:ext uri="{386F3935-93C4-4BCD-93E2-E3B085C9AB24}">
+                <p16:designElem xmlns:p16="http://schemas.microsoft.com/office/powerpoint/2015/main" val="1"/>
+              </p:ext>
+            </p:extLst>
+          </p:nvPr>
+        </p:nvSpPr>
+        <p:spPr>
+          <a:xfrm flipH="1">
+            <a:off x="10697670" y="0"/>
+            <a:ext cx="1494330" cy="6858000"/>
+          </a:xfrm>
+          <a:prstGeom prst="rect">
+            <a:avLst/>
+          </a:prstGeom>
+          <a:solidFill>
+            <a:schemeClr val="accent4"/>
+          </a:solidFill>
+          <a:ln>
+            <a:noFill/>
+          </a:ln>
+        </p:spPr>
+        <p:style>
+          <a:lnRef idx="2">
+            <a:schemeClr val="accent1">
+              <a:shade val="50000"/>
+            </a:schemeClr>
+          </a:lnRef>
+          <a:fillRef idx="1">
+            <a:schemeClr val="accent1"/>
+          </a:fillRef>
+          <a:effectRef idx="0">
+            <a:schemeClr val="accent1"/>
+          </a:effectRef>
+          <a:fontRef idx="minor">
+            <a:schemeClr val="lt1"/>
+          </a:fontRef>
+        </p:style>
+        <p:txBody>
+          <a:bodyPr rtlCol="0" anchor="ctr"/>
+          <a:lstStyle/>
+          <a:p>
+            <a:pPr algn="ctr"/>
+            <a:endParaRPr lang="en-US"/>
+          </a:p>
+        </p:txBody>
+      </p:sp>
+      <p:sp>
+        <p:nvSpPr>
+          <p:cNvPr id="16" name="Rectangle 15">
+            <a:extLst>
+              <a:ext uri="{FF2B5EF4-FFF2-40B4-BE49-F238E27FC236}">
+                <a16:creationId xmlns:a16="http://schemas.microsoft.com/office/drawing/2014/main" id="{CBC4F608-B4B8-48C3-9572-C0F061B1CD99}"/>
+              </a:ext>
+              <a:ext uri="{C183D7F6-B498-43B3-948B-1728B52AA6E4}">
+                <adec:decorative xmlns:adec="http://schemas.microsoft.com/office/drawing/2017/decorative" val="1"/>
+              </a:ext>
+            </a:extLst>
+          </p:cNvPr>
+          <p:cNvSpPr>
+            <a:spLocks noGrp="1" noRot="1" noChangeAspect="1" noMove="1" noResize="1" noEditPoints="1" noAdjustHandles="1" noChangeArrowheads="1" noChangeShapeType="1" noTextEdit="1"/>
+          </p:cNvSpPr>
+          <p:nvPr>
+            <p:extLst>
+              <p:ext uri="{386F3935-93C4-4BCD-93E2-E3B085C9AB24}">
+                <p16:designElem xmlns:p16="http://schemas.microsoft.com/office/powerpoint/2015/main" val="1"/>
+              </p:ext>
+            </p:extLst>
+          </p:nvPr>
+        </p:nvSpPr>
+        <p:spPr>
+          <a:xfrm>
+            <a:off x="579528" y="631767"/>
+            <a:ext cx="11111729" cy="5752404"/>
+          </a:xfrm>
+          <a:prstGeom prst="rect">
+            <a:avLst/>
+          </a:prstGeom>
+          <a:solidFill>
+            <a:schemeClr val="bg1"/>
+          </a:solidFill>
+          <a:ln>
+            <a:noFill/>
+          </a:ln>
+          <a:effectLst>
+            <a:outerShdw blurRad="139700" dist="127000" dir="5400000" algn="t" rotWithShape="0">
+              <a:prstClr val="black">
+                <a:alpha val="15000"/>
+              </a:prstClr>
+            </a:outerShdw>
+          </a:effectLst>
+        </p:spPr>
+        <p:style>
+          <a:lnRef idx="2">
+            <a:schemeClr val="accent1">
+              <a:shade val="50000"/>
+            </a:schemeClr>
+          </a:lnRef>
+          <a:fillRef idx="1">
+            <a:schemeClr val="accent1"/>
+          </a:fillRef>
+          <a:effectRef idx="0">
+            <a:schemeClr val="accent1"/>
+          </a:effectRef>
+          <a:fontRef idx="minor">
+            <a:schemeClr val="lt1"/>
+          </a:fontRef>
+        </p:style>
+        <p:txBody>
+          <a:bodyPr rtlCol="0" anchor="ctr"/>
+          <a:lstStyle/>
+          <a:p>
+            <a:pPr algn="ctr"/>
+            <a:endParaRPr lang="en-US"/>
+          </a:p>
+        </p:txBody>
+      </p:sp>
+      <p:sp>
+        <p:nvSpPr>
+          <p:cNvPr id="2" name="Title 1">
+            <a:extLst>
+              <a:ext uri="{FF2B5EF4-FFF2-40B4-BE49-F238E27FC236}">
+                <a16:creationId xmlns:a16="http://schemas.microsoft.com/office/drawing/2014/main" id="{80DA6841-0D44-7DEA-5DA0-372D063055D3}"/>
+              </a:ext>
+            </a:extLst>
+          </p:cNvPr>
+          <p:cNvSpPr>
+            <a:spLocks noGrp="1"/>
+          </p:cNvSpPr>
+          <p:nvPr>
+            <p:ph type="title"/>
+          </p:nvPr>
+        </p:nvSpPr>
+        <p:spPr>
+          <a:xfrm>
+            <a:off x="1033038" y="757607"/>
+            <a:ext cx="4008586" cy="1145175"/>
+          </a:xfrm>
+        </p:spPr>
+        <p:txBody>
+          <a:bodyPr anchor="ctr">
+            <a:normAutofit/>
+          </a:bodyPr>
+          <a:lstStyle/>
+          <a:p>
+            <a:r>
+              <a:rPr lang="bg-BG" sz="4800" dirty="0"/>
+              <a:t>Потребители</a:t>
+            </a:r>
+            <a:endParaRPr lang="en-IO" sz="4800" dirty="0"/>
+          </a:p>
+        </p:txBody>
+      </p:sp>
+      <p:sp>
+        <p:nvSpPr>
+          <p:cNvPr id="3" name="Content Placeholder 2">
+            <a:extLst>
+              <a:ext uri="{FF2B5EF4-FFF2-40B4-BE49-F238E27FC236}">
+                <a16:creationId xmlns:a16="http://schemas.microsoft.com/office/drawing/2014/main" id="{E6098A3C-1F4A-3736-F555-C414E4510533}"/>
+              </a:ext>
+            </a:extLst>
+          </p:cNvPr>
+          <p:cNvSpPr>
+            <a:spLocks noGrp="1"/>
+          </p:cNvSpPr>
+          <p:nvPr>
+            <p:ph idx="1"/>
+          </p:nvPr>
+        </p:nvSpPr>
+        <p:spPr>
+          <a:xfrm>
+            <a:off x="988004" y="1785018"/>
+            <a:ext cx="4971824" cy="4315375"/>
+          </a:xfrm>
+        </p:spPr>
+        <p:txBody>
+          <a:bodyPr anchor="ctr">
+            <a:normAutofit/>
+          </a:bodyPr>
+          <a:lstStyle/>
+          <a:p>
+            <a:r>
+              <a:rPr lang="bg-BG" sz="2400" dirty="0"/>
+              <a:t>Удостоверяване базирано на </a:t>
+            </a:r>
+            <a:r>
+              <a:rPr lang="bg-BG" sz="2400" dirty="0" err="1"/>
+              <a:t>токъни</a:t>
+            </a:r>
+            <a:endParaRPr lang="bg-BG" sz="2400" dirty="0"/>
+          </a:p>
+          <a:p>
+            <a:r>
+              <a:rPr lang="bg-BG" sz="2400" dirty="0"/>
+              <a:t>2 </a:t>
+            </a:r>
+            <a:r>
+              <a:rPr lang="bg-BG" sz="2400" dirty="0" err="1"/>
+              <a:t>токъна</a:t>
+            </a:r>
+            <a:endParaRPr lang="bg-BG" sz="2400" dirty="0"/>
+          </a:p>
+          <a:p>
+            <a:pPr lvl="1"/>
+            <a:r>
+              <a:rPr lang="bg-BG" sz="1800" dirty="0" err="1"/>
+              <a:t>Токън</a:t>
+            </a:r>
+            <a:r>
+              <a:rPr lang="bg-BG" sz="1800" dirty="0"/>
+              <a:t> за достъп - </a:t>
+            </a:r>
+            <a:r>
+              <a:rPr lang="en-US" sz="1800" dirty="0"/>
+              <a:t>JWT</a:t>
+            </a:r>
+            <a:endParaRPr lang="bg-BG" sz="1800" dirty="0"/>
+          </a:p>
+          <a:p>
+            <a:pPr lvl="1"/>
+            <a:r>
+              <a:rPr lang="bg-BG" sz="1800" dirty="0" err="1"/>
+              <a:t>Токън</a:t>
+            </a:r>
+            <a:r>
+              <a:rPr lang="bg-BG" sz="1800" dirty="0"/>
+              <a:t> за опресняване</a:t>
+            </a:r>
+            <a:endParaRPr lang="bg-BG" sz="2400" dirty="0"/>
+          </a:p>
+          <a:p>
+            <a:r>
+              <a:rPr lang="bg-BG" sz="2400" dirty="0"/>
+              <a:t>Контрол на достъп чрез роли</a:t>
+            </a:r>
+          </a:p>
+          <a:p>
+            <a:r>
+              <a:rPr lang="bg-BG" sz="2200" dirty="0"/>
+              <a:t>2 роли</a:t>
+            </a:r>
+          </a:p>
+          <a:p>
+            <a:pPr lvl="1"/>
+            <a:r>
+              <a:rPr lang="bg-BG" sz="1800" dirty="0"/>
+              <a:t>Потребител</a:t>
+            </a:r>
+          </a:p>
+          <a:p>
+            <a:pPr lvl="1"/>
+            <a:r>
+              <a:rPr lang="bg-BG" sz="1800" dirty="0"/>
+              <a:t>Администратор</a:t>
+            </a:r>
+          </a:p>
+          <a:p>
+            <a:endParaRPr lang="bg-BG" sz="2200" dirty="0"/>
+          </a:p>
+        </p:txBody>
+      </p:sp>
+      <p:pic>
+        <p:nvPicPr>
+          <p:cNvPr id="4" name="Picture 3" descr="A close up of a computer code&#10;&#10;Description automatically generated">
+            <a:extLst>
+              <a:ext uri="{FF2B5EF4-FFF2-40B4-BE49-F238E27FC236}">
+                <a16:creationId xmlns:a16="http://schemas.microsoft.com/office/drawing/2014/main" id="{8DB1115C-D1F9-6F31-BA32-1665A3B867F9}"/>
+              </a:ext>
+            </a:extLst>
+          </p:cNvPr>
+          <p:cNvPicPr>
+            <a:picLocks noChangeAspect="1"/>
+          </p:cNvPicPr>
+          <p:nvPr/>
+        </p:nvPicPr>
+        <p:blipFill>
+          <a:blip r:embed="rId2"/>
+          <a:stretch>
+            <a:fillRect/>
+          </a:stretch>
+        </p:blipFill>
+        <p:spPr>
+          <a:xfrm>
+            <a:off x="6489081" y="962484"/>
+            <a:ext cx="4981798" cy="2697532"/>
+          </a:xfrm>
+          <a:prstGeom prst="rect">
+            <a:avLst/>
+          </a:prstGeom>
+        </p:spPr>
+      </p:pic>
+      <p:pic>
+        <p:nvPicPr>
+          <p:cNvPr id="6" name="Picture 5">
+            <a:extLst>
+              <a:ext uri="{FF2B5EF4-FFF2-40B4-BE49-F238E27FC236}">
+                <a16:creationId xmlns:a16="http://schemas.microsoft.com/office/drawing/2014/main" id="{329C6C09-2287-5294-3BC7-7D7C48CD673D}"/>
+              </a:ext>
+            </a:extLst>
+          </p:cNvPr>
+          <p:cNvPicPr>
+            <a:picLocks noChangeAspect="1"/>
+          </p:cNvPicPr>
+          <p:nvPr/>
+        </p:nvPicPr>
+        <p:blipFill>
+          <a:blip r:embed="rId3"/>
+          <a:stretch>
+            <a:fillRect/>
+          </a:stretch>
+        </p:blipFill>
+        <p:spPr>
+          <a:xfrm>
+            <a:off x="6368304" y="4546750"/>
+            <a:ext cx="5062240" cy="786004"/>
+          </a:xfrm>
+          <a:prstGeom prst="rect">
+            <a:avLst/>
+          </a:prstGeom>
+        </p:spPr>
+      </p:pic>
+    </p:spTree>
+    <p:extLst>
+      <p:ext uri="{BB962C8B-B14F-4D97-AF65-F5344CB8AC3E}">
+        <p14:creationId xmlns:p14="http://schemas.microsoft.com/office/powerpoint/2010/main" val="2768783842"/>
+      </p:ext>
+    </p:extLst>
+  </p:cSld>
+  <p:clrMapOvr>
+    <a:masterClrMapping/>
+  </p:clrMapOvr>
+  <p:timing>
+    <p:tnLst>
+      <p:par>
+        <p:cTn id="1" dur="indefinite" restart="never" nodeType="tmRoot">
+          <p:childTnLst>
+            <p:seq concurrent="1" nextAc="seek">
+              <p:cTn id="2" dur="indefinite" nodeType="mainSeq">
+                <p:childTnLst>
+                  <p:par>
+                    <p:cTn id="3" fill="hold">
+                      <p:stCondLst>
+                        <p:cond delay="indefinite"/>
+                      </p:stCondLst>
+                      <p:childTnLst>
+                        <p:par>
+                          <p:cTn id="4" fill="hold">
+                            <p:stCondLst>
+                              <p:cond delay="0"/>
+                            </p:stCondLst>
+                            <p:childTnLst>
+                              <p:par>
+                                <p:cTn id="5" presetID="2" presetClass="entr" presetSubtype="4" fill="hold" nodeType="clickEffect">
+                                  <p:stCondLst>
+                                    <p:cond delay="0"/>
+                                  </p:stCondLst>
+                                  <p:childTnLst>
+                                    <p:set>
+                                      <p:cBhvr>
+                                        <p:cTn id="6" dur="1" fill="hold">
+                                          <p:stCondLst>
+                                            <p:cond delay="0"/>
+                                          </p:stCondLst>
+                                        </p:cTn>
+                                        <p:tgtEl>
+                                          <p:spTgt spid="4"/>
+                                        </p:tgtEl>
+                                        <p:attrNameLst>
+                                          <p:attrName>style.visibility</p:attrName>
+                                        </p:attrNameLst>
+                                      </p:cBhvr>
+                                      <p:to>
+                                        <p:strVal val="visible"/>
+                                      </p:to>
+                                    </p:set>
+                                    <p:anim calcmode="lin" valueType="num">
+                                      <p:cBhvr additive="base">
+                                        <p:cTn id="7" dur="500" fill="hold"/>
+                                        <p:tgtEl>
+                                          <p:spTgt spid="4"/>
+                                        </p:tgtEl>
+                                        <p:attrNameLst>
+                                          <p:attrName>ppt_x</p:attrName>
+                                        </p:attrNameLst>
+                                      </p:cBhvr>
+                                      <p:tavLst>
+                                        <p:tav tm="0">
+                                          <p:val>
+                                            <p:strVal val="#ppt_x"/>
+                                          </p:val>
+                                        </p:tav>
+                                        <p:tav tm="100000">
+                                          <p:val>
+                                            <p:strVal val="#ppt_x"/>
+                                          </p:val>
+                                        </p:tav>
+                                      </p:tavLst>
+                                    </p:anim>
+                                    <p:anim calcmode="lin" valueType="num">
+                                      <p:cBhvr additive="base">
+                                        <p:cTn id="8" dur="500" fill="hold"/>
+                                        <p:tgtEl>
+                                          <p:spTgt spid="4"/>
+                                        </p:tgtEl>
+                                        <p:attrNameLst>
+                                          <p:attrName>ppt_y</p:attrName>
+                                        </p:attrNameLst>
+                                      </p:cBhvr>
+                                      <p:tavLst>
+                                        <p:tav tm="0">
+                                          <p:val>
+                                            <p:strVal val="1+#ppt_h/2"/>
+                                          </p:val>
+                                        </p:tav>
+                                        <p:tav tm="100000">
+                                          <p:val>
+                                            <p:strVal val="#ppt_y"/>
+                                          </p:val>
+                                        </p:tav>
+                                      </p:tavLst>
+                                    </p:anim>
+                                  </p:childTnLst>
+                                </p:cTn>
+                              </p:par>
+                            </p:childTnLst>
+                          </p:cTn>
+                        </p:par>
+                      </p:childTnLst>
+                    </p:cTn>
+                  </p:par>
+                  <p:par>
+                    <p:cTn id="9" fill="hold">
+                      <p:stCondLst>
+                        <p:cond delay="indefinite"/>
+                      </p:stCondLst>
+                      <p:childTnLst>
+                        <p:par>
+                          <p:cTn id="10" fill="hold">
+                            <p:stCondLst>
+                              <p:cond delay="0"/>
+                            </p:stCondLst>
+                            <p:childTnLst>
+                              <p:par>
+                                <p:cTn id="11" presetID="2" presetClass="entr" presetSubtype="4" fill="hold" nodeType="clickEffect">
+                                  <p:stCondLst>
+                                    <p:cond delay="0"/>
+                                  </p:stCondLst>
+                                  <p:childTnLst>
+                                    <p:set>
+                                      <p:cBhvr>
+                                        <p:cTn id="12" dur="1" fill="hold">
+                                          <p:stCondLst>
+                                            <p:cond delay="0"/>
+                                          </p:stCondLst>
+                                        </p:cTn>
+                                        <p:tgtEl>
+                                          <p:spTgt spid="6"/>
+                                        </p:tgtEl>
+                                        <p:attrNameLst>
+                                          <p:attrName>style.visibility</p:attrName>
+                                        </p:attrNameLst>
+                                      </p:cBhvr>
+                                      <p:to>
+                                        <p:strVal val="visible"/>
+                                      </p:to>
+                                    </p:set>
+                                    <p:anim calcmode="lin" valueType="num">
+                                      <p:cBhvr additive="base">
+                                        <p:cTn id="13" dur="500" fill="hold"/>
+                                        <p:tgtEl>
+                                          <p:spTgt spid="6"/>
+                                        </p:tgtEl>
+                                        <p:attrNameLst>
+                                          <p:attrName>ppt_x</p:attrName>
+                                        </p:attrNameLst>
+                                      </p:cBhvr>
+                                      <p:tavLst>
+                                        <p:tav tm="0">
+                                          <p:val>
+                                            <p:strVal val="#ppt_x"/>
+                                          </p:val>
+                                        </p:tav>
+                                        <p:tav tm="100000">
+                                          <p:val>
+                                            <p:strVal val="#ppt_x"/>
+                                          </p:val>
+                                        </p:tav>
+                                      </p:tavLst>
+                                    </p:anim>
+                                    <p:anim calcmode="lin" valueType="num">
+                                      <p:cBhvr additive="base">
+                                        <p:cTn id="14" dur="500" fill="hold"/>
+                                        <p:tgtEl>
+                                          <p:spTgt spid="6"/>
+                                        </p:tgtEl>
+                                        <p:attrNameLst>
+                                          <p:attrName>ppt_y</p:attrName>
+                                        </p:attrNameLst>
+                                      </p:cBhvr>
+                                      <p:tavLst>
+                                        <p:tav tm="0">
+                                          <p:val>
+                                            <p:strVal val="1+#ppt_h/2"/>
+                                          </p:val>
+                                        </p:tav>
+                                        <p:tav tm="100000">
+                                          <p:val>
+                                            <p:strVal val="#ppt_y"/>
+                                          </p:val>
+                                        </p:tav>
+                                      </p:tavLst>
+                                    </p:anim>
+                                  </p:childTnLst>
+                                </p:cTn>
+                              </p:par>
+                            </p:childTnLst>
+                          </p:cTn>
+                        </p:par>
+                      </p:childTnLst>
+                    </p:cTn>
+                  </p:par>
+                </p:childTnLst>
+              </p:cTn>
+              <p:prevCondLst>
+                <p:cond evt="onPrev" delay="0">
+                  <p:tgtEl>
+                    <p:sldTgt/>
+                  </p:tgtEl>
+                </p:cond>
+              </p:prevCondLst>
+              <p:nextCondLst>
+                <p:cond evt="onNext" delay="0">
+                  <p:tgtEl>
+                    <p:sldTgt/>
+                  </p:tgtEl>
+                </p:cond>
+              </p:nextCondLst>
+            </p:seq>
+          </p:childTnLst>
+        </p:cTn>
+      </p:par>
+    </p:tnLst>
+  </p:timing>
+</p:sld>
+</file>
+
+<file path=ppt/slides/slide9.xml><?xml version="1.0" encoding="utf-8"?>
+<p:sld xmlns:a="http://schemas.openxmlformats.org/drawingml/2006/main" xmlns:r="http://schemas.openxmlformats.org/officeDocument/2006/relationships" xmlns:p="http://schemas.openxmlformats.org/presentationml/2006/main">
+  <p:cSld>
+    <p:bg>
+      <p:bgPr>
+        <a:solidFill>
+          <a:schemeClr val="bg1"/>
+        </a:solidFill>
+        <a:effectLst/>
+      </p:bgPr>
+    </p:bg>
+    <p:spTree>
+      <p:nvGrpSpPr>
+        <p:cNvPr id="1" name=""/>
+        <p:cNvGrpSpPr/>
+        <p:nvPr/>
+      </p:nvGrpSpPr>
+      <p:grpSpPr>
+        <a:xfrm>
+          <a:off x="0" y="0"/>
+          <a:ext cx="0" cy="0"/>
+          <a:chOff x="0" y="0"/>
+          <a:chExt cx="0" cy="0"/>
+        </a:xfrm>
+      </p:grpSpPr>
+      <p:sp useBgFill="1">
+        <p:nvSpPr>
+          <p:cNvPr id="21" name="Rectangle 20">
+            <a:extLst>
+              <a:ext uri="{FF2B5EF4-FFF2-40B4-BE49-F238E27FC236}">
+                <a16:creationId xmlns:a16="http://schemas.microsoft.com/office/drawing/2014/main" id="{081EA652-8C6A-4E69-BEB9-170809474553}"/>
+              </a:ext>
+              <a:ext uri="{C183D7F6-B498-43B3-948B-1728B52AA6E4}">
+                <adec:decorative xmlns:adec="http://schemas.microsoft.com/office/drawing/2017/decorative" val="1"/>
+              </a:ext>
+            </a:extLst>
+          </p:cNvPr>
+          <p:cNvSpPr>
+            <a:spLocks noGrp="1" noRot="1" noChangeAspect="1" noMove="1" noResize="1" noEditPoints="1" noAdjustHandles="1" noChangeArrowheads="1" noChangeShapeType="1" noTextEdit="1"/>
+          </p:cNvSpPr>
+          <p:nvPr>
+            <p:extLst>
+              <p:ext uri="{386F3935-93C4-4BCD-93E2-E3B085C9AB24}">
+                <p16:designElem xmlns:p16="http://schemas.microsoft.com/office/powerpoint/2015/main" val="1"/>
+              </p:ext>
+            </p:extLst>
+          </p:nvPr>
+        </p:nvSpPr>
+        <p:spPr>
+          <a:xfrm>
+            <a:off x="0" y="0"/>
+            <a:ext cx="12192000" cy="6858000"/>
+          </a:xfrm>
+          <a:prstGeom prst="rect">
+            <a:avLst/>
+          </a:prstGeom>
+          <a:ln>
+            <a:noFill/>
+          </a:ln>
+        </p:spPr>
+        <p:style>
+          <a:lnRef idx="2">
+            <a:schemeClr val="accent1">
+              <a:shade val="50000"/>
+            </a:schemeClr>
+          </a:lnRef>
+          <a:fillRef idx="1">
+            <a:schemeClr val="accent1"/>
+          </a:fillRef>
+          <a:effectRef idx="0">
+            <a:schemeClr val="accent1"/>
+          </a:effectRef>
+          <a:fontRef idx="minor">
+            <a:schemeClr val="lt1"/>
+          </a:fontRef>
+        </p:style>
+        <p:txBody>
+          <a:bodyPr rtlCol="0" anchor="ctr"/>
+          <a:lstStyle/>
+          <a:p>
+            <a:pPr algn="ctr"/>
+            <a:endParaRPr lang="en-US"/>
+          </a:p>
+        </p:txBody>
+      </p:sp>
+      <p:sp>
+        <p:nvSpPr>
+          <p:cNvPr id="23" name="Right Triangle 22">
+            <a:extLst>
+              <a:ext uri="{FF2B5EF4-FFF2-40B4-BE49-F238E27FC236}">
+                <a16:creationId xmlns:a16="http://schemas.microsoft.com/office/drawing/2014/main" id="{5298780A-33B9-4EA2-8F67-DE68AD62841B}"/>
+              </a:ext>
+              <a:ext uri="{C183D7F6-B498-43B3-948B-1728B52AA6E4}">
+                <adec:decorative xmlns:adec="http://schemas.microsoft.com/office/drawing/2017/decorative" val="1"/>
+              </a:ext>
+            </a:extLst>
+          </p:cNvPr>
+          <p:cNvSpPr>
+            <a:spLocks noGrp="1" noRot="1" noChangeAspect="1" noMove="1" noResize="1" noEditPoints="1" noAdjustHandles="1" noChangeArrowheads="1" noChangeShapeType="1" noTextEdit="1"/>
+          </p:cNvSpPr>
+          <p:nvPr>
+            <p:extLst>
+              <p:ext uri="{386F3935-93C4-4BCD-93E2-E3B085C9AB24}">
+                <p16:designElem xmlns:p16="http://schemas.microsoft.com/office/powerpoint/2015/main" val="1"/>
+              </p:ext>
+            </p:extLst>
+          </p:nvPr>
+        </p:nvSpPr>
+        <p:spPr>
+          <a:xfrm flipH="1">
+            <a:off x="8576720" y="3335867"/>
+            <a:ext cx="3291840" cy="3200400"/>
+          </a:xfrm>
+          <a:prstGeom prst="rtTriangle">
+            <a:avLst/>
+          </a:prstGeom>
+          <a:solidFill>
+            <a:schemeClr val="accent4"/>
+          </a:solidFill>
+          <a:ln>
+            <a:noFill/>
+          </a:ln>
+        </p:spPr>
+        <p:style>
+          <a:lnRef idx="2">
+            <a:schemeClr val="accent1">
+              <a:shade val="50000"/>
+            </a:schemeClr>
+          </a:lnRef>
+          <a:fillRef idx="1">
+            <a:schemeClr val="accent1"/>
+          </a:fillRef>
+          <a:effectRef idx="0">
+            <a:schemeClr val="accent1"/>
+          </a:effectRef>
+          <a:fontRef idx="minor">
+            <a:schemeClr val="lt1"/>
+          </a:fontRef>
+        </p:style>
+        <p:txBody>
+          <a:bodyPr rtlCol="0" anchor="ctr"/>
+          <a:lstStyle/>
+          <a:p>
+            <a:pPr algn="ctr"/>
+            <a:endParaRPr lang="en-US" dirty="0"/>
+          </a:p>
+        </p:txBody>
+      </p:sp>
+      <p:sp>
+        <p:nvSpPr>
+          <p:cNvPr id="25" name="Rectangle 24">
+            <a:extLst>
+              <a:ext uri="{FF2B5EF4-FFF2-40B4-BE49-F238E27FC236}">
+                <a16:creationId xmlns:a16="http://schemas.microsoft.com/office/drawing/2014/main" id="{7F488E8B-4E1E-4402-8935-D4E6C02615C7}"/>
+              </a:ext>
+              <a:ext uri="{C183D7F6-B498-43B3-948B-1728B52AA6E4}">
+                <adec:decorative xmlns:adec="http://schemas.microsoft.com/office/drawing/2017/decorative" val="1"/>
+              </a:ext>
+            </a:extLst>
+          </p:cNvPr>
+          <p:cNvSpPr>
+            <a:spLocks noGrp="1" noRot="1" noChangeAspect="1" noMove="1" noResize="1" noEditPoints="1" noAdjustHandles="1" noChangeArrowheads="1" noChangeShapeType="1" noTextEdit="1"/>
+          </p:cNvSpPr>
+          <p:nvPr>
+            <p:extLst>
+              <p:ext uri="{386F3935-93C4-4BCD-93E2-E3B085C9AB24}">
+                <p16:designElem xmlns:p16="http://schemas.microsoft.com/office/powerpoint/2015/main" val="1"/>
+              </p:ext>
+            </p:extLst>
+          </p:nvPr>
+        </p:nvSpPr>
+        <p:spPr>
+          <a:xfrm>
+            <a:off x="641774" y="623275"/>
+            <a:ext cx="10905053" cy="5607882"/>
+          </a:xfrm>
+          <a:prstGeom prst="rect">
+            <a:avLst/>
+          </a:prstGeom>
+          <a:noFill/>
+          <a:ln w="19050">
+            <a:solidFill>
+              <a:schemeClr val="tx1">
+                <a:lumMod val="75000"/>
+                <a:lumOff val="25000"/>
+              </a:schemeClr>
+            </a:solidFill>
+          </a:ln>
+        </p:spPr>
+        <p:style>
+          <a:lnRef idx="2">
+            <a:schemeClr val="accent1">
+              <a:shade val="50000"/>
+            </a:schemeClr>
+          </a:lnRef>
+          <a:fillRef idx="1">
+            <a:schemeClr val="accent1"/>
+          </a:fillRef>
+          <a:effectRef idx="0">
+            <a:schemeClr val="accent1"/>
+          </a:effectRef>
+          <a:fontRef idx="minor">
+            <a:schemeClr val="lt1"/>
+          </a:fontRef>
+        </p:style>
+        <p:txBody>
+          <a:bodyPr rtlCol="0" anchor="ctr"/>
+          <a:lstStyle/>
+          <a:p>
+            <a:pPr algn="ctr"/>
+            <a:endParaRPr lang="en-US"/>
+          </a:p>
+        </p:txBody>
+      </p:sp>
+      <p:sp>
+        <p:nvSpPr>
+          <p:cNvPr id="2" name="Title 1">
+            <a:extLst>
+              <a:ext uri="{FF2B5EF4-FFF2-40B4-BE49-F238E27FC236}">
+                <a16:creationId xmlns:a16="http://schemas.microsoft.com/office/drawing/2014/main" id="{80DA6841-0D44-7DEA-5DA0-372D063055D3}"/>
+              </a:ext>
+            </a:extLst>
+          </p:cNvPr>
+          <p:cNvSpPr>
+            <a:spLocks noGrp="1"/>
+          </p:cNvSpPr>
+          <p:nvPr>
+            <p:ph type="title"/>
+          </p:nvPr>
+        </p:nvSpPr>
+        <p:spPr>
+          <a:xfrm>
+            <a:off x="720453" y="391596"/>
+            <a:ext cx="8074816" cy="1618490"/>
+          </a:xfrm>
+        </p:spPr>
+        <p:txBody>
+          <a:bodyPr anchor="ctr">
+            <a:normAutofit/>
+          </a:bodyPr>
+          <a:lstStyle/>
+          <a:p>
+            <a:r>
+              <a:rPr lang="bg-BG" sz="4800" dirty="0"/>
+              <a:t>Потребителски интерфейс</a:t>
+            </a:r>
+            <a:endParaRPr lang="en-IO" sz="4800" dirty="0"/>
+          </a:p>
+        </p:txBody>
+      </p:sp>
+      <p:sp>
+        <p:nvSpPr>
+          <p:cNvPr id="3" name="Content Placeholder 2">
+            <a:extLst>
+              <a:ext uri="{FF2B5EF4-FFF2-40B4-BE49-F238E27FC236}">
+                <a16:creationId xmlns:a16="http://schemas.microsoft.com/office/drawing/2014/main" id="{E6098A3C-1F4A-3736-F555-C414E4510533}"/>
+              </a:ext>
+            </a:extLst>
+          </p:cNvPr>
+          <p:cNvSpPr>
+            <a:spLocks noGrp="1"/>
+          </p:cNvSpPr>
+          <p:nvPr>
+            <p:ph idx="1"/>
+          </p:nvPr>
+        </p:nvSpPr>
+        <p:spPr>
+          <a:xfrm>
+            <a:off x="720454" y="2241765"/>
+            <a:ext cx="8074815" cy="3528099"/>
+          </a:xfrm>
+        </p:spPr>
+        <p:txBody>
+          <a:bodyPr anchor="t">
+            <a:normAutofit/>
+          </a:bodyPr>
+          <a:lstStyle/>
+          <a:p>
+            <a:endParaRPr lang="en-IO" sz="2400" dirty="0"/>
+          </a:p>
+        </p:txBody>
+      </p:sp>
+      <p:sp>
+        <p:nvSpPr>
+          <p:cNvPr id="4" name="Rectangle 3">
+            <a:extLst>
+              <a:ext uri="{FF2B5EF4-FFF2-40B4-BE49-F238E27FC236}">
+                <a16:creationId xmlns:a16="http://schemas.microsoft.com/office/drawing/2014/main" id="{2AB96067-A073-61E8-3201-E91C4BE88789}"/>
+              </a:ext>
+            </a:extLst>
+          </p:cNvPr>
+          <p:cNvSpPr/>
+          <p:nvPr/>
+        </p:nvSpPr>
+        <p:spPr>
+          <a:xfrm>
+            <a:off x="641774" y="623275"/>
+            <a:ext cx="10905053" cy="5607882"/>
+          </a:xfrm>
+          <a:prstGeom prst="rect">
+            <a:avLst/>
+          </a:prstGeom>
+          <a:noFill/>
+          <a:ln>
+            <a:solidFill>
+              <a:schemeClr val="bg1"/>
+            </a:solidFill>
+          </a:ln>
+        </p:spPr>
+        <p:style>
+          <a:lnRef idx="2">
+            <a:schemeClr val="accent1">
+              <a:shade val="15000"/>
+            </a:schemeClr>
+          </a:lnRef>
+          <a:fillRef idx="1">
+            <a:schemeClr val="accent1"/>
+          </a:fillRef>
+          <a:effectRef idx="0">
+            <a:schemeClr val="accent1"/>
+          </a:effectRef>
+          <a:fontRef idx="minor">
+            <a:schemeClr val="lt1"/>
+          </a:fontRef>
+        </p:style>
+        <p:txBody>
+          <a:bodyPr rtlCol="0" anchor="ctr"/>
+          <a:lstStyle/>
+          <a:p>
+            <a:pPr algn="ctr"/>
+            <a:endParaRPr lang="en-IO"/>
+          </a:p>
+        </p:txBody>
+      </p:sp>
+    </p:spTree>
+    <p:extLst>
+      <p:ext uri="{BB962C8B-B14F-4D97-AF65-F5344CB8AC3E}">
+        <p14:creationId xmlns:p14="http://schemas.microsoft.com/office/powerpoint/2010/main" val="3860872985"/>
       </p:ext>
     </p:extLst>
   </p:cSld>
@@ -11139,4 +13399,319 @@
     </a:ext>
   </a:extLst>
 </a:theme>
+</file>
+
+<file path=ppt/theme/theme2.xml><?xml version="1.0" encoding="utf-8"?>
+<a:theme xmlns:a="http://schemas.openxmlformats.org/drawingml/2006/main" name="Office Theme">
+  <a:themeElements>
+    <a:clrScheme name="Office">
+      <a:dk1>
+        <a:sysClr val="windowText" lastClr="000000"/>
+      </a:dk1>
+      <a:lt1>
+        <a:sysClr val="window" lastClr="FFFFFF"/>
+      </a:lt1>
+      <a:dk2>
+        <a:srgbClr val="0E2841"/>
+      </a:dk2>
+      <a:lt2>
+        <a:srgbClr val="E8E8E8"/>
+      </a:lt2>
+      <a:accent1>
+        <a:srgbClr val="156082"/>
+      </a:accent1>
+      <a:accent2>
+        <a:srgbClr val="E97132"/>
+      </a:accent2>
+      <a:accent3>
+        <a:srgbClr val="196B24"/>
+      </a:accent3>
+      <a:accent4>
+        <a:srgbClr val="0F9ED5"/>
+      </a:accent4>
+      <a:accent5>
+        <a:srgbClr val="A02B93"/>
+      </a:accent5>
+      <a:accent6>
+        <a:srgbClr val="4EA72E"/>
+      </a:accent6>
+      <a:hlink>
+        <a:srgbClr val="467886"/>
+      </a:hlink>
+      <a:folHlink>
+        <a:srgbClr val="96607D"/>
+      </a:folHlink>
+    </a:clrScheme>
+    <a:fontScheme name="Office">
+      <a:majorFont>
+        <a:latin typeface="Aptos Display" panose="02110004020202020204"/>
+        <a:ea typeface=""/>
+        <a:cs typeface=""/>
+        <a:font script="Jpan" typeface="游ゴシック Light"/>
+        <a:font script="Hang" typeface="맑은 고딕"/>
+        <a:font script="Hans" typeface="等线 Light"/>
+        <a:font script="Hant" typeface="新細明體"/>
+        <a:font script="Arab" typeface="Times New Roman"/>
+        <a:font script="Hebr" typeface="Times New Roman"/>
+        <a:font script="Thai" typeface="Angsana New"/>
+        <a:font script="Ethi" typeface="Nyala"/>
+        <a:font script="Beng" typeface="Vrinda"/>
+        <a:font script="Gujr" typeface="Shruti"/>
+        <a:font script="Khmr" typeface="MoolBoran"/>
+        <a:font script="Knda" typeface="Tunga"/>
+        <a:font script="Guru" typeface="Raavi"/>
+        <a:font script="Cans" typeface="Euphemia"/>
+        <a:font script="Cher" typeface="Plantagenet Cherokee"/>
+        <a:font script="Yiii" typeface="Microsoft Yi Baiti"/>
+        <a:font script="Tibt" typeface="Microsoft Himalaya"/>
+        <a:font script="Thaa" typeface="MV Boli"/>
+        <a:font script="Deva" typeface="Mangal"/>
+        <a:font script="Telu" typeface="Gautami"/>
+        <a:font script="Taml" typeface="Latha"/>
+        <a:font script="Syrc" typeface="Estrangelo Edessa"/>
+        <a:font script="Orya" typeface="Kalinga"/>
+        <a:font script="Mlym" typeface="Kartika"/>
+        <a:font script="Laoo" typeface="DokChampa"/>
+        <a:font script="Sinh" typeface="Iskoola Pota"/>
+        <a:font script="Mong" typeface="Mongolian Baiti"/>
+        <a:font script="Viet" typeface="Times New Roman"/>
+        <a:font script="Uigh" typeface="Microsoft Uighur"/>
+        <a:font script="Geor" typeface="Sylfaen"/>
+        <a:font script="Armn" typeface="Arial"/>
+        <a:font script="Bugi" typeface="Leelawadee UI"/>
+        <a:font script="Bopo" typeface="Microsoft JhengHei"/>
+        <a:font script="Java" typeface="Javanese Text"/>
+        <a:font script="Lisu" typeface="Segoe UI"/>
+        <a:font script="Mymr" typeface="Myanmar Text"/>
+        <a:font script="Nkoo" typeface="Ebrima"/>
+        <a:font script="Olck" typeface="Nirmala UI"/>
+        <a:font script="Osma" typeface="Ebrima"/>
+        <a:font script="Phag" typeface="Phagspa"/>
+        <a:font script="Syrn" typeface="Estrangelo Edessa"/>
+        <a:font script="Syrj" typeface="Estrangelo Edessa"/>
+        <a:font script="Syre" typeface="Estrangelo Edessa"/>
+        <a:font script="Sora" typeface="Nirmala UI"/>
+        <a:font script="Tale" typeface="Microsoft Tai Le"/>
+        <a:font script="Talu" typeface="Microsoft New Tai Lue"/>
+        <a:font script="Tfng" typeface="Ebrima"/>
+      </a:majorFont>
+      <a:minorFont>
+        <a:latin typeface="Aptos" panose="02110004020202020204"/>
+        <a:ea typeface=""/>
+        <a:cs typeface=""/>
+        <a:font script="Jpan" typeface="游ゴシック"/>
+        <a:font script="Hang" typeface="맑은 고딕"/>
+        <a:font script="Hans" typeface="等线"/>
+        <a:font script="Hant" typeface="新細明體"/>
+        <a:font script="Arab" typeface="Arial"/>
+        <a:font script="Hebr" typeface="Arial"/>
+        <a:font script="Thai" typeface="Cordia New"/>
+        <a:font script="Ethi" typeface="Nyala"/>
+        <a:font script="Beng" typeface="Vrinda"/>
+        <a:font script="Gujr" typeface="Shruti"/>
+        <a:font script="Khmr" typeface="DaunPenh"/>
+        <a:font script="Knda" typeface="Tunga"/>
+        <a:font script="Guru" typeface="Raavi"/>
+        <a:font script="Cans" typeface="Euphemia"/>
+        <a:font script="Cher" typeface="Plantagenet Cherokee"/>
+        <a:font script="Yiii" typeface="Microsoft Yi Baiti"/>
+        <a:font script="Tibt" typeface="Microsoft Himalaya"/>
+        <a:font script="Thaa" typeface="MV Boli"/>
+        <a:font script="Deva" typeface="Mangal"/>
+        <a:font script="Telu" typeface="Gautami"/>
+        <a:font script="Taml" typeface="Latha"/>
+        <a:font script="Syrc" typeface="Estrangelo Edessa"/>
+        <a:font script="Orya" typeface="Kalinga"/>
+        <a:font script="Mlym" typeface="Kartika"/>
+        <a:font script="Laoo" typeface="DokChampa"/>
+        <a:font script="Sinh" typeface="Iskoola Pota"/>
+        <a:font script="Mong" typeface="Mongolian Baiti"/>
+        <a:font script="Viet" typeface="Arial"/>
+        <a:font script="Uigh" typeface="Microsoft Uighur"/>
+        <a:font script="Geor" typeface="Sylfaen"/>
+        <a:font script="Armn" typeface="Arial"/>
+        <a:font script="Bugi" typeface="Leelawadee UI"/>
+        <a:font script="Bopo" typeface="Microsoft JhengHei"/>
+        <a:font script="Java" typeface="Javanese Text"/>
+        <a:font script="Lisu" typeface="Segoe UI"/>
+        <a:font script="Mymr" typeface="Myanmar Text"/>
+        <a:font script="Nkoo" typeface="Ebrima"/>
+        <a:font script="Olck" typeface="Nirmala UI"/>
+        <a:font script="Osma" typeface="Ebrima"/>
+        <a:font script="Phag" typeface="Phagspa"/>
+        <a:font script="Syrn" typeface="Estrangelo Edessa"/>
+        <a:font script="Syrj" typeface="Estrangelo Edessa"/>
+        <a:font script="Syre" typeface="Estrangelo Edessa"/>
+        <a:font script="Sora" typeface="Nirmala UI"/>
+        <a:font script="Tale" typeface="Microsoft Tai Le"/>
+        <a:font script="Talu" typeface="Microsoft New Tai Lue"/>
+        <a:font script="Tfng" typeface="Ebrima"/>
+      </a:minorFont>
+    </a:fontScheme>
+    <a:fmtScheme name="Office">
+      <a:fillStyleLst>
+        <a:solidFill>
+          <a:schemeClr val="phClr"/>
+        </a:solidFill>
+        <a:gradFill rotWithShape="1">
+          <a:gsLst>
+            <a:gs pos="0">
+              <a:schemeClr val="phClr">
+                <a:lumMod val="110000"/>
+                <a:satMod val="105000"/>
+                <a:tint val="67000"/>
+              </a:schemeClr>
+            </a:gs>
+            <a:gs pos="50000">
+              <a:schemeClr val="phClr">
+                <a:lumMod val="105000"/>
+                <a:satMod val="103000"/>
+                <a:tint val="73000"/>
+              </a:schemeClr>
+            </a:gs>
+            <a:gs pos="100000">
+              <a:schemeClr val="phClr">
+                <a:lumMod val="105000"/>
+                <a:satMod val="109000"/>
+                <a:tint val="81000"/>
+              </a:schemeClr>
+            </a:gs>
+          </a:gsLst>
+          <a:lin ang="5400000" scaled="0"/>
+        </a:gradFill>
+        <a:gradFill rotWithShape="1">
+          <a:gsLst>
+            <a:gs pos="0">
+              <a:schemeClr val="phClr">
+                <a:satMod val="103000"/>
+                <a:lumMod val="102000"/>
+                <a:tint val="94000"/>
+              </a:schemeClr>
+            </a:gs>
+            <a:gs pos="50000">
+              <a:schemeClr val="phClr">
+                <a:satMod val="110000"/>
+                <a:lumMod val="100000"/>
+                <a:shade val="100000"/>
+              </a:schemeClr>
+            </a:gs>
+            <a:gs pos="100000">
+              <a:schemeClr val="phClr">
+                <a:lumMod val="99000"/>
+                <a:satMod val="120000"/>
+                <a:shade val="78000"/>
+              </a:schemeClr>
+            </a:gs>
+          </a:gsLst>
+          <a:lin ang="5400000" scaled="0"/>
+        </a:gradFill>
+      </a:fillStyleLst>
+      <a:lnStyleLst>
+        <a:ln w="12700" cap="flat" cmpd="sng" algn="ctr">
+          <a:solidFill>
+            <a:schemeClr val="phClr"/>
+          </a:solidFill>
+          <a:prstDash val="solid"/>
+          <a:miter lim="800000"/>
+        </a:ln>
+        <a:ln w="19050" cap="flat" cmpd="sng" algn="ctr">
+          <a:solidFill>
+            <a:schemeClr val="phClr"/>
+          </a:solidFill>
+          <a:prstDash val="solid"/>
+          <a:miter lim="800000"/>
+        </a:ln>
+        <a:ln w="25400" cap="flat" cmpd="sng" algn="ctr">
+          <a:solidFill>
+            <a:schemeClr val="phClr"/>
+          </a:solidFill>
+          <a:prstDash val="solid"/>
+          <a:miter lim="800000"/>
+        </a:ln>
+      </a:lnStyleLst>
+      <a:effectStyleLst>
+        <a:effectStyle>
+          <a:effectLst/>
+        </a:effectStyle>
+        <a:effectStyle>
+          <a:effectLst/>
+        </a:effectStyle>
+        <a:effectStyle>
+          <a:effectLst>
+            <a:outerShdw blurRad="57150" dist="19050" dir="5400000" algn="ctr" rotWithShape="0">
+              <a:srgbClr val="000000">
+                <a:alpha val="63000"/>
+              </a:srgbClr>
+            </a:outerShdw>
+          </a:effectLst>
+        </a:effectStyle>
+      </a:effectStyleLst>
+      <a:bgFillStyleLst>
+        <a:solidFill>
+          <a:schemeClr val="phClr"/>
+        </a:solidFill>
+        <a:solidFill>
+          <a:schemeClr val="phClr">
+            <a:tint val="95000"/>
+            <a:satMod val="170000"/>
+          </a:schemeClr>
+        </a:solidFill>
+        <a:gradFill rotWithShape="1">
+          <a:gsLst>
+            <a:gs pos="0">
+              <a:schemeClr val="phClr">
+                <a:tint val="93000"/>
+                <a:satMod val="150000"/>
+                <a:shade val="98000"/>
+                <a:lumMod val="102000"/>
+              </a:schemeClr>
+            </a:gs>
+            <a:gs pos="50000">
+              <a:schemeClr val="phClr">
+                <a:tint val="98000"/>
+                <a:satMod val="130000"/>
+                <a:shade val="90000"/>
+                <a:lumMod val="103000"/>
+              </a:schemeClr>
+            </a:gs>
+            <a:gs pos="100000">
+              <a:schemeClr val="phClr">
+                <a:shade val="63000"/>
+                <a:satMod val="120000"/>
+              </a:schemeClr>
+            </a:gs>
+          </a:gsLst>
+          <a:lin ang="5400000" scaled="0"/>
+        </a:gradFill>
+      </a:bgFillStyleLst>
+    </a:fmtScheme>
+  </a:themeElements>
+  <a:objectDefaults>
+    <a:lnDef>
+      <a:spPr/>
+      <a:bodyPr/>
+      <a:lstStyle/>
+      <a:style>
+        <a:lnRef idx="2">
+          <a:schemeClr val="accent1"/>
+        </a:lnRef>
+        <a:fillRef idx="0">
+          <a:schemeClr val="accent1"/>
+        </a:fillRef>
+        <a:effectRef idx="1">
+          <a:schemeClr val="accent1"/>
+        </a:effectRef>
+        <a:fontRef idx="minor">
+          <a:schemeClr val="tx1"/>
+        </a:fontRef>
+      </a:style>
+    </a:lnDef>
+  </a:objectDefaults>
+  <a:extraClrSchemeLst/>
+  <a:extLst>
+    <a:ext uri="{05A4C25C-085E-4340-85A3-A5531E510DB2}">
+      <thm15:themeFamily xmlns:thm15="http://schemas.microsoft.com/office/thememl/2012/main" name="Office Theme" id="{2E142A2C-CD16-42D6-873A-C26D2A0506FA}" vid="{1BDDFF52-6CD6-40A5-AB3C-68EB2F1E4D0A}"/>
+    </a:ext>
+  </a:extLst>
+</a:theme>
 </file>
--- a/Document/Presentation.pptx
+++ b/Document/Presentation.pptx
@@ -210,7 +210,7 @@
           <a:p>
             <a:fld id="{FEEAD227-C85B-41D4-90A4-FA1C078347E0}" type="datetimeFigureOut">
               <a:rPr lang="en-IO" smtClean="0"/>
-              <a:t>17/06/2024</a:t>
+              <a:t>18/06/2024</a:t>
             </a:fld>
             <a:endParaRPr lang="en-IO"/>
           </a:p>
@@ -795,7 +795,7 @@
           <a:p>
             <a:fld id="{2F803112-7CED-4880-91B4-05FA2286646C}" type="datetimeFigureOut">
               <a:rPr lang="en-IO" smtClean="0"/>
-              <a:t>17/06/2024</a:t>
+              <a:t>18/06/2024</a:t>
             </a:fld>
             <a:endParaRPr lang="en-IO"/>
           </a:p>
@@ -995,7 +995,7 @@
           <a:p>
             <a:fld id="{2F803112-7CED-4880-91B4-05FA2286646C}" type="datetimeFigureOut">
               <a:rPr lang="en-IO" smtClean="0"/>
-              <a:t>17/06/2024</a:t>
+              <a:t>18/06/2024</a:t>
             </a:fld>
             <a:endParaRPr lang="en-IO"/>
           </a:p>
@@ -1205,7 +1205,7 @@
           <a:p>
             <a:fld id="{2F803112-7CED-4880-91B4-05FA2286646C}" type="datetimeFigureOut">
               <a:rPr lang="en-IO" smtClean="0"/>
-              <a:t>17/06/2024</a:t>
+              <a:t>18/06/2024</a:t>
             </a:fld>
             <a:endParaRPr lang="en-IO"/>
           </a:p>
@@ -1405,7 +1405,7 @@
           <a:p>
             <a:fld id="{2F803112-7CED-4880-91B4-05FA2286646C}" type="datetimeFigureOut">
               <a:rPr lang="en-IO" smtClean="0"/>
-              <a:t>17/06/2024</a:t>
+              <a:t>18/06/2024</a:t>
             </a:fld>
             <a:endParaRPr lang="en-IO"/>
           </a:p>
@@ -1681,7 +1681,7 @@
           <a:p>
             <a:fld id="{2F803112-7CED-4880-91B4-05FA2286646C}" type="datetimeFigureOut">
               <a:rPr lang="en-IO" smtClean="0"/>
-              <a:t>17/06/2024</a:t>
+              <a:t>18/06/2024</a:t>
             </a:fld>
             <a:endParaRPr lang="en-IO"/>
           </a:p>
@@ -1949,7 +1949,7 @@
           <a:p>
             <a:fld id="{2F803112-7CED-4880-91B4-05FA2286646C}" type="datetimeFigureOut">
               <a:rPr lang="en-IO" smtClean="0"/>
-              <a:t>17/06/2024</a:t>
+              <a:t>18/06/2024</a:t>
             </a:fld>
             <a:endParaRPr lang="en-IO"/>
           </a:p>
@@ -2364,7 +2364,7 @@
           <a:p>
             <a:fld id="{2F803112-7CED-4880-91B4-05FA2286646C}" type="datetimeFigureOut">
               <a:rPr lang="en-IO" smtClean="0"/>
-              <a:t>17/06/2024</a:t>
+              <a:t>18/06/2024</a:t>
             </a:fld>
             <a:endParaRPr lang="en-IO"/>
           </a:p>
@@ -2506,7 +2506,7 @@
           <a:p>
             <a:fld id="{2F803112-7CED-4880-91B4-05FA2286646C}" type="datetimeFigureOut">
               <a:rPr lang="en-IO" smtClean="0"/>
-              <a:t>17/06/2024</a:t>
+              <a:t>18/06/2024</a:t>
             </a:fld>
             <a:endParaRPr lang="en-IO"/>
           </a:p>
@@ -2619,7 +2619,7 @@
           <a:p>
             <a:fld id="{2F803112-7CED-4880-91B4-05FA2286646C}" type="datetimeFigureOut">
               <a:rPr lang="en-IO" smtClean="0"/>
-              <a:t>17/06/2024</a:t>
+              <a:t>18/06/2024</a:t>
             </a:fld>
             <a:endParaRPr lang="en-IO"/>
           </a:p>
@@ -2932,7 +2932,7 @@
           <a:p>
             <a:fld id="{2F803112-7CED-4880-91B4-05FA2286646C}" type="datetimeFigureOut">
               <a:rPr lang="en-IO" smtClean="0"/>
-              <a:t>17/06/2024</a:t>
+              <a:t>18/06/2024</a:t>
             </a:fld>
             <a:endParaRPr lang="en-IO"/>
           </a:p>
@@ -3221,7 +3221,7 @@
           <a:p>
             <a:fld id="{2F803112-7CED-4880-91B4-05FA2286646C}" type="datetimeFigureOut">
               <a:rPr lang="en-IO" smtClean="0"/>
-              <a:t>17/06/2024</a:t>
+              <a:t>18/06/2024</a:t>
             </a:fld>
             <a:endParaRPr lang="en-IO"/>
           </a:p>
@@ -3464,7 +3464,7 @@
           <a:p>
             <a:fld id="{2F803112-7CED-4880-91B4-05FA2286646C}" type="datetimeFigureOut">
               <a:rPr lang="en-IO" smtClean="0"/>
-              <a:t>17/06/2024</a:t>
+              <a:t>18/06/2024</a:t>
             </a:fld>
             <a:endParaRPr lang="en-IO"/>
           </a:p>
@@ -10994,7 +10994,7 @@
       </p:grpSpPr>
       <p:sp useBgFill="1">
         <p:nvSpPr>
-          <p:cNvPr id="21" name="Rectangle 20">
+          <p:cNvPr id="56" name="Rectangle 55">
             <a:extLst>
               <a:ext uri="{FF2B5EF4-FFF2-40B4-BE49-F238E27FC236}">
                 <a16:creationId xmlns:a16="http://schemas.microsoft.com/office/drawing/2014/main" id="{DBC6133C-0615-4CE4-9132-37E609A9BDFA}"/>
@@ -11081,16 +11081,16 @@
           <a:lstStyle/>
           <a:p>
             <a:r>
-              <a:rPr lang="bg-BG" sz="4800" dirty="0"/>
+              <a:rPr lang="bg-BG" sz="3600"/>
               <a:t>База данни</a:t>
             </a:r>
-            <a:endParaRPr lang="en-IO" sz="4800" dirty="0"/>
+            <a:endParaRPr lang="en-IO" sz="3600"/>
           </a:p>
         </p:txBody>
       </p:sp>
       <p:sp>
         <p:nvSpPr>
-          <p:cNvPr id="23" name="Rectangle 22">
+          <p:cNvPr id="58" name="Rectangle 57">
             <a:extLst>
               <a:ext uri="{FF2B5EF4-FFF2-40B4-BE49-F238E27FC236}">
                 <a16:creationId xmlns:a16="http://schemas.microsoft.com/office/drawing/2014/main" id="{169CC832-2974-4E8D-90ED-3E2941BA7336}"/>
@@ -11180,26 +11180,26 @@
           <a:lstStyle/>
           <a:p>
             <a:r>
-              <a:rPr lang="bg-BG" sz="2400" dirty="0"/>
+              <a:rPr lang="bg-BG" sz="1800" dirty="0"/>
               <a:t>Релационна база данни</a:t>
             </a:r>
           </a:p>
           <a:p>
             <a:r>
-              <a:rPr lang="bg-BG" sz="2400" dirty="0"/>
+              <a:rPr lang="bg-BG" sz="1800" dirty="0"/>
               <a:t>4 основни таблици</a:t>
             </a:r>
           </a:p>
           <a:p>
             <a:r>
-              <a:rPr lang="en-US" sz="2400" dirty="0"/>
+              <a:rPr lang="en-US" sz="1800" dirty="0"/>
               <a:t>Entity Framework Core</a:t>
             </a:r>
-            <a:endParaRPr lang="bg-BG" sz="2400" dirty="0"/>
-          </a:p>
-          <a:p>
-            <a:r>
-              <a:rPr lang="en-US" sz="2400" dirty="0"/>
+            <a:endParaRPr lang="bg-BG" sz="1800" dirty="0"/>
+          </a:p>
+          <a:p>
+            <a:r>
+              <a:rPr lang="en-US" sz="1800" dirty="0"/>
               <a:t>Code first</a:t>
             </a:r>
           </a:p>
@@ -11213,7 +11213,7 @@
       </p:sp>
       <p:sp>
         <p:nvSpPr>
-          <p:cNvPr id="18" name="Rectangle 17">
+          <p:cNvPr id="60" name="Rectangle 59">
             <a:extLst>
               <a:ext uri="{FF2B5EF4-FFF2-40B4-BE49-F238E27FC236}">
                 <a16:creationId xmlns:a16="http://schemas.microsoft.com/office/drawing/2014/main" id="{55222F96-971A-4F90-B841-6BAB416C7AC1}"/>
@@ -11276,7 +11276,7 @@
       </p:sp>
       <p:sp>
         <p:nvSpPr>
-          <p:cNvPr id="27" name="Rectangle 26">
+          <p:cNvPr id="62" name="Rectangle 61">
             <a:extLst>
               <a:ext uri="{FF2B5EF4-FFF2-40B4-BE49-F238E27FC236}">
                 <a16:creationId xmlns:a16="http://schemas.microsoft.com/office/drawing/2014/main" id="{08980754-6F4B-43C9-B9BE-127B6BED6586}"/>
@@ -11339,7 +11339,7 @@
       </p:sp>
       <p:sp>
         <p:nvSpPr>
-          <p:cNvPr id="29" name="Rectangle 28">
+          <p:cNvPr id="64" name="Rectangle 63">
             <a:extLst>
               <a:ext uri="{FF2B5EF4-FFF2-40B4-BE49-F238E27FC236}">
                 <a16:creationId xmlns:a16="http://schemas.microsoft.com/office/drawing/2014/main" id="{2C1BBA94-3F40-40AA-8BB9-E69E25E537C1}"/>
@@ -11409,10 +11409,10 @@
       </p:sp>
       <p:pic>
         <p:nvPicPr>
-          <p:cNvPr id="13" name="Picture 12">
-            <a:extLst>
-              <a:ext uri="{FF2B5EF4-FFF2-40B4-BE49-F238E27FC236}">
-                <a16:creationId xmlns:a16="http://schemas.microsoft.com/office/drawing/2014/main" id="{3F22F0C8-9886-A640-E652-2169A1933307}"/>
+          <p:cNvPr id="37" name="Picture 36">
+            <a:extLst>
+              <a:ext uri="{FF2B5EF4-FFF2-40B4-BE49-F238E27FC236}">
+                <a16:creationId xmlns:a16="http://schemas.microsoft.com/office/drawing/2014/main" id="{17C469FE-74BA-41E5-4569-5117DCEABAA5}"/>
               </a:ext>
             </a:extLst>
           </p:cNvPr>
@@ -11429,8 +11429,8 @@
         </p:blipFill>
         <p:spPr>
           <a:xfrm>
-            <a:off x="5984947" y="109183"/>
-            <a:ext cx="5314614" cy="6160988"/>
+            <a:off x="5573111" y="931936"/>
+            <a:ext cx="6327252" cy="4761258"/>
           </a:xfrm>
           <a:prstGeom prst="rect">
             <a:avLst/>
@@ -11929,11 +11929,77 @@
         </p:blipFill>
         <p:spPr>
           <a:xfrm>
-            <a:off x="-137348" y="2967021"/>
+            <a:off x="-137348" y="3773920"/>
             <a:ext cx="12462340" cy="2470126"/>
           </a:xfrm>
         </p:spPr>
       </p:pic>
+      <p:sp>
+        <p:nvSpPr>
+          <p:cNvPr id="2" name="TextBox 1">
+            <a:extLst>
+              <a:ext uri="{FF2B5EF4-FFF2-40B4-BE49-F238E27FC236}">
+                <a16:creationId xmlns:a16="http://schemas.microsoft.com/office/drawing/2014/main" id="{4976B158-C48E-91BF-4276-34EE53A3427D}"/>
+              </a:ext>
+            </a:extLst>
+          </p:cNvPr>
+          <p:cNvSpPr txBox="1"/>
+          <p:nvPr/>
+        </p:nvSpPr>
+        <p:spPr>
+          <a:xfrm>
+            <a:off x="914400" y="2704014"/>
+            <a:ext cx="6353175" cy="1200329"/>
+          </a:xfrm>
+          <a:prstGeom prst="rect">
+            <a:avLst/>
+          </a:prstGeom>
+          <a:noFill/>
+        </p:spPr>
+        <p:txBody>
+          <a:bodyPr wrap="square" rtlCol="0">
+            <a:spAutoFit/>
+          </a:bodyPr>
+          <a:lstStyle/>
+          <a:p>
+            <a:pPr marL="285750" indent="-285750">
+              <a:buFont typeface="Arial" panose="020B0604020202020204" pitchFamily="34" charset="0"/>
+              <a:buChar char="•"/>
+            </a:pPr>
+            <a:r>
+              <a:rPr lang="en-US" sz="2400" dirty="0"/>
+              <a:t>REST</a:t>
+            </a:r>
+            <a:r>
+              <a:rPr lang="bg-BG" sz="2400" dirty="0"/>
+              <a:t> </a:t>
+            </a:r>
+            <a:r>
+              <a:rPr lang="en-US" sz="2400" dirty="0"/>
+              <a:t>API</a:t>
+            </a:r>
+            <a:endParaRPr lang="bg-BG" sz="2400" dirty="0"/>
+          </a:p>
+          <a:p>
+            <a:pPr marL="285750" indent="-285750">
+              <a:buFont typeface="Arial" panose="020B0604020202020204" pitchFamily="34" charset="0"/>
+              <a:buChar char="•"/>
+            </a:pPr>
+            <a:r>
+              <a:rPr lang="bg-BG" sz="2400" dirty="0"/>
+              <a:t>3 компонента</a:t>
+            </a:r>
+            <a:endParaRPr lang="en-US" sz="2400" dirty="0"/>
+          </a:p>
+          <a:p>
+            <a:pPr marL="285750" indent="-285750">
+              <a:buFont typeface="Arial" panose="020B0604020202020204" pitchFamily="34" charset="0"/>
+              <a:buChar char="•"/>
+            </a:pPr>
+            <a:endParaRPr lang="en-IO" sz="2400" dirty="0"/>
+          </a:p>
+        </p:txBody>
+      </p:sp>
     </p:spTree>
     <p:extLst>
       <p:ext uri="{BB962C8B-B14F-4D97-AF65-F5344CB8AC3E}">
@@ -12456,7 +12522,7 @@
       </p:sp>
       <p:pic>
         <p:nvPicPr>
-          <p:cNvPr id="4" name="Picture 3" descr="A close up of a computer code&#10;&#10;Description automatically generated">
+          <p:cNvPr id="4" name="Picture 3">
             <a:extLst>
               <a:ext uri="{FF2B5EF4-FFF2-40B4-BE49-F238E27FC236}">
                 <a16:creationId xmlns:a16="http://schemas.microsoft.com/office/drawing/2014/main" id="{8DB1115C-D1F9-6F31-BA32-1665A3B867F9}"/>
@@ -13016,6 +13082,36 @@
             <a:normAutofit/>
           </a:bodyPr>
           <a:lstStyle/>
+          <a:p>
+            <a:r>
+              <a:rPr lang="bg-BG" sz="2400" dirty="0"/>
+              <a:t>Страници за регистрация и вписване</a:t>
+            </a:r>
+          </a:p>
+          <a:p>
+            <a:r>
+              <a:rPr lang="bg-BG" sz="2400" dirty="0"/>
+              <a:t>Добавяне, промяна и изтриване на записи</a:t>
+            </a:r>
+          </a:p>
+          <a:p>
+            <a:r>
+              <a:rPr lang="bg-BG" sz="2400" dirty="0"/>
+              <a:t>Генериране на графики за колекцията</a:t>
+            </a:r>
+          </a:p>
+          <a:p>
+            <a:r>
+              <a:rPr lang="bg-BG" sz="2400" dirty="0"/>
+              <a:t>Търсене на заглавия</a:t>
+            </a:r>
+          </a:p>
+          <a:p>
+            <a:r>
+              <a:rPr lang="bg-BG" sz="2400" dirty="0"/>
+              <a:t>Администраторски функции</a:t>
+            </a:r>
+          </a:p>
           <a:p>
             <a:endParaRPr lang="en-IO" sz="2400" dirty="0"/>
           </a:p>
